--- a/Primera mesa.pptx
+++ b/Primera mesa.pptx
@@ -7,6 +7,22 @@
   <p:sldIdLst>
     <p:sldId id="256" r:id="rId2"/>
     <p:sldId id="257" r:id="rId3"/>
+    <p:sldId id="258" r:id="rId4"/>
+    <p:sldId id="259" r:id="rId5"/>
+    <p:sldId id="260" r:id="rId6"/>
+    <p:sldId id="261" r:id="rId7"/>
+    <p:sldId id="262" r:id="rId8"/>
+    <p:sldId id="263" r:id="rId9"/>
+    <p:sldId id="264" r:id="rId10"/>
+    <p:sldId id="265" r:id="rId11"/>
+    <p:sldId id="266" r:id="rId12"/>
+    <p:sldId id="267" r:id="rId13"/>
+    <p:sldId id="268" r:id="rId14"/>
+    <p:sldId id="269" r:id="rId15"/>
+    <p:sldId id="270" r:id="rId16"/>
+    <p:sldId id="271" r:id="rId17"/>
+    <p:sldId id="272" r:id="rId18"/>
+    <p:sldId id="273" r:id="rId19"/>
   </p:sldIdLst>
   <p:sldSz cx="9144000" cy="6858000" type="screen4x3"/>
   <p:notesSz cx="6858000" cy="9144000"/>
@@ -112,6 +128,22 @@
           <p14:sldIdLst>
             <p14:sldId id="256"/>
             <p14:sldId id="257"/>
+            <p14:sldId id="258"/>
+            <p14:sldId id="259"/>
+            <p14:sldId id="260"/>
+            <p14:sldId id="261"/>
+            <p14:sldId id="262"/>
+            <p14:sldId id="263"/>
+            <p14:sldId id="264"/>
+            <p14:sldId id="265"/>
+            <p14:sldId id="266"/>
+            <p14:sldId id="267"/>
+            <p14:sldId id="268"/>
+            <p14:sldId id="269"/>
+            <p14:sldId id="270"/>
+            <p14:sldId id="271"/>
+            <p14:sldId id="272"/>
+            <p14:sldId id="273"/>
           </p14:sldIdLst>
         </p14:section>
       </p14:sectionLst>
@@ -360,7 +392,7 @@
           <a:p>
             <a:fld id="{D9440F28-7364-B847-B5C4-E6D50A35A3F8}" type="datetimeFigureOut">
               <a:rPr lang="en-US" smtClean="0"/>
-              <a:t>4/18/2018</a:t>
+              <a:t>4/24/2018</a:t>
             </a:fld>
             <a:endParaRPr lang="en-US"/>
           </a:p>
@@ -1144,7 +1176,7 @@
                 <a:latin typeface="Roboto Light"/>
                 <a:cs typeface="Roboto Light"/>
               </a:rPr>
-              <a:t>23 </a:t>
+              <a:t>25 </a:t>
             </a:r>
             <a:r>
               <a:rPr lang="en-US" sz="1400" dirty="0" smtClean="0">
@@ -1154,27 +1186,7 @@
                 <a:latin typeface="Roboto Light"/>
                 <a:cs typeface="Roboto Light"/>
               </a:rPr>
-              <a:t>de </a:t>
-            </a:r>
-            <a:r>
-              <a:rPr lang="en-US" sz="1400" dirty="0" smtClean="0">
-                <a:solidFill>
-                  <a:srgbClr val="FFFFFF"/>
-                </a:solidFill>
-                <a:latin typeface="Roboto Light"/>
-                <a:cs typeface="Roboto Light"/>
-              </a:rPr>
-              <a:t>Abril</a:t>
-            </a:r>
-            <a:r>
-              <a:rPr lang="en-US" sz="1400" dirty="0" smtClean="0">
-                <a:solidFill>
-                  <a:srgbClr val="FFFFFF"/>
-                </a:solidFill>
-                <a:latin typeface="Roboto Light"/>
-                <a:cs typeface="Roboto Light"/>
-              </a:rPr>
-              <a:t> 2018</a:t>
+              <a:t>de Abril 2018</a:t>
             </a:r>
             <a:endParaRPr lang="en-US" sz="1400" dirty="0">
               <a:solidFill>
@@ -1194,8 +1206,8 @@
         </p:nvSpPr>
         <p:spPr>
           <a:xfrm>
-            <a:off x="5396194" y="5450304"/>
-            <a:ext cx="3251200" cy="369332"/>
+            <a:off x="5059680" y="5450304"/>
+            <a:ext cx="3587714" cy="369332"/>
           </a:xfrm>
           <a:prstGeom prst="rect">
             <a:avLst/>
@@ -1217,7 +1229,17 @@
                 <a:latin typeface="Roboto Light"/>
                 <a:cs typeface="Roboto Light"/>
               </a:rPr>
-              <a:t>Diego Cisternas Herrera</a:t>
+              <a:t>Diego Andrés </a:t>
+            </a:r>
+            <a:r>
+              <a:rPr lang="en-US" dirty="0" smtClean="0">
+                <a:solidFill>
+                  <a:schemeClr val="bg1"/>
+                </a:solidFill>
+                <a:latin typeface="Roboto Light"/>
+                <a:cs typeface="Roboto Light"/>
+              </a:rPr>
+              <a:t>Cisternas Herrera</a:t>
             </a:r>
             <a:endParaRPr lang="en-US" dirty="0">
               <a:solidFill>
@@ -1321,7 +1343,7 @@
 </p:sld>
 </file>
 
-<file path=ppt/slides/slide2.xml><?xml version="1.0" encoding="utf-8"?>
+<file path=ppt/slides/slide10.xml><?xml version="1.0" encoding="utf-8"?>
 <p:sld xmlns:a="http://schemas.openxmlformats.org/drawingml/2006/main" xmlns:r="http://schemas.openxmlformats.org/officeDocument/2006/relationships" xmlns:p="http://schemas.openxmlformats.org/presentationml/2006/main">
   <p:cSld>
     <p:spTree>
@@ -1346,8 +1368,8 @@
         </p:nvSpPr>
         <p:spPr>
           <a:xfrm>
-            <a:off x="601428" y="1019819"/>
-            <a:ext cx="3855049" cy="338554"/>
+            <a:off x="348765" y="352381"/>
+            <a:ext cx="4632309" cy="830997"/>
           </a:xfrm>
           <a:prstGeom prst="rect">
             <a:avLst/>
@@ -1361,18 +1383,10 @@
           <a:lstStyle/>
           <a:p>
             <a:r>
-              <a:rPr lang="en-US" sz="1600" spc="200" dirty="0" smtClean="0">
-                <a:solidFill>
-                  <a:schemeClr val="accent2">
-                    <a:lumMod val="75000"/>
-                  </a:schemeClr>
-                </a:solidFill>
-                <a:latin typeface="Roboto Medium"/>
-                <a:cs typeface="Roboto Medium"/>
-              </a:rPr>
-              <a:t>TÍTULO INTERIOR</a:t>
-            </a:r>
-            <a:endParaRPr lang="en-US" sz="1600" spc="200" dirty="0">
+              <a:rPr lang="es-CL" sz="2400" b="1" dirty="0"/>
+              <a:t>Conceptos básicos del motor y su funcionamiento</a:t>
+            </a:r>
+            <a:endParaRPr lang="en-US" sz="2400" b="1" spc="200" dirty="0">
               <a:solidFill>
                 <a:schemeClr val="accent2">
                   <a:lumMod val="75000"/>
@@ -1386,14 +1400,14 @@
       </p:sp>
       <p:sp>
         <p:nvSpPr>
-          <p:cNvPr id="5" name="TextBox 4"/>
+          <p:cNvPr id="6" name="TextBox 5"/>
           <p:cNvSpPr txBox="1"/>
           <p:nvPr/>
         </p:nvSpPr>
         <p:spPr>
           <a:xfrm>
-            <a:off x="879153" y="1718890"/>
-            <a:ext cx="6366875" cy="1323439"/>
+            <a:off x="348765" y="1329886"/>
+            <a:ext cx="6894246" cy="3139321"/>
           </a:xfrm>
           <a:prstGeom prst="rect">
             <a:avLst/>
@@ -1406,1099 +1420,29 @@
           </a:bodyPr>
           <a:lstStyle/>
           <a:p>
-            <a:r>
-              <a:rPr lang="it-IT" sz="1600" dirty="0" err="1">
-                <a:solidFill>
-                  <a:schemeClr val="tx2">
-                    <a:lumMod val="75000"/>
-                  </a:schemeClr>
-                </a:solidFill>
-                <a:latin typeface="Roboto Light"/>
-                <a:cs typeface="Roboto Light"/>
-              </a:rPr>
-              <a:t>Lorem</a:t>
-            </a:r>
-            <a:r>
-              <a:rPr lang="it-IT" sz="1600" dirty="0">
-                <a:solidFill>
-                  <a:schemeClr val="tx2">
-                    <a:lumMod val="75000"/>
-                  </a:schemeClr>
-                </a:solidFill>
-                <a:latin typeface="Roboto Light"/>
-                <a:cs typeface="Roboto Light"/>
-              </a:rPr>
-              <a:t> </a:t>
-            </a:r>
-            <a:r>
-              <a:rPr lang="it-IT" sz="1600" dirty="0" err="1">
-                <a:solidFill>
-                  <a:schemeClr val="tx2">
-                    <a:lumMod val="75000"/>
-                  </a:schemeClr>
-                </a:solidFill>
-                <a:latin typeface="Roboto Light"/>
-                <a:cs typeface="Roboto Light"/>
-              </a:rPr>
-              <a:t>ipsum</a:t>
-            </a:r>
-            <a:r>
-              <a:rPr lang="it-IT" sz="1600" dirty="0">
-                <a:solidFill>
-                  <a:schemeClr val="tx2">
-                    <a:lumMod val="75000"/>
-                  </a:schemeClr>
-                </a:solidFill>
-                <a:latin typeface="Roboto Light"/>
-                <a:cs typeface="Roboto Light"/>
-              </a:rPr>
-              <a:t> </a:t>
-            </a:r>
-            <a:r>
-              <a:rPr lang="it-IT" sz="1600" dirty="0" err="1">
-                <a:solidFill>
-                  <a:schemeClr val="tx2">
-                    <a:lumMod val="75000"/>
-                  </a:schemeClr>
-                </a:solidFill>
-                <a:latin typeface="Roboto Light"/>
-                <a:cs typeface="Roboto Light"/>
-              </a:rPr>
-              <a:t>dolor</a:t>
-            </a:r>
-            <a:r>
-              <a:rPr lang="it-IT" sz="1600" dirty="0">
-                <a:solidFill>
-                  <a:schemeClr val="tx2">
-                    <a:lumMod val="75000"/>
-                  </a:schemeClr>
-                </a:solidFill>
-                <a:latin typeface="Roboto Light"/>
-                <a:cs typeface="Roboto Light"/>
-              </a:rPr>
-              <a:t> </a:t>
-            </a:r>
-            <a:r>
-              <a:rPr lang="it-IT" sz="1600" dirty="0" err="1">
-                <a:solidFill>
-                  <a:schemeClr val="tx2">
-                    <a:lumMod val="75000"/>
-                  </a:schemeClr>
-                </a:solidFill>
-                <a:latin typeface="Roboto Light"/>
-                <a:cs typeface="Roboto Light"/>
-              </a:rPr>
-              <a:t>sit</a:t>
-            </a:r>
-            <a:r>
-              <a:rPr lang="it-IT" sz="1600" dirty="0">
-                <a:solidFill>
-                  <a:schemeClr val="tx2">
-                    <a:lumMod val="75000"/>
-                  </a:schemeClr>
-                </a:solidFill>
-                <a:latin typeface="Roboto Light"/>
-                <a:cs typeface="Roboto Light"/>
-              </a:rPr>
-              <a:t> </a:t>
-            </a:r>
-            <a:r>
-              <a:rPr lang="it-IT" sz="1600" dirty="0" err="1">
-                <a:solidFill>
-                  <a:schemeClr val="tx2">
-                    <a:lumMod val="75000"/>
-                  </a:schemeClr>
-                </a:solidFill>
-                <a:latin typeface="Roboto Light"/>
-                <a:cs typeface="Roboto Light"/>
-              </a:rPr>
-              <a:t>amet</a:t>
-            </a:r>
-            <a:r>
-              <a:rPr lang="it-IT" sz="1600" dirty="0">
-                <a:solidFill>
-                  <a:schemeClr val="tx2">
-                    <a:lumMod val="75000"/>
-                  </a:schemeClr>
-                </a:solidFill>
-                <a:latin typeface="Roboto Light"/>
-                <a:cs typeface="Roboto Light"/>
-              </a:rPr>
-              <a:t>, </a:t>
-            </a:r>
-            <a:r>
-              <a:rPr lang="it-IT" sz="1600" dirty="0" err="1">
-                <a:solidFill>
-                  <a:schemeClr val="tx2">
-                    <a:lumMod val="75000"/>
-                  </a:schemeClr>
-                </a:solidFill>
-                <a:latin typeface="Roboto Light"/>
-                <a:cs typeface="Roboto Light"/>
-              </a:rPr>
-              <a:t>consectetur</a:t>
-            </a:r>
-            <a:r>
-              <a:rPr lang="it-IT" sz="1600" dirty="0">
-                <a:solidFill>
-                  <a:schemeClr val="tx2">
-                    <a:lumMod val="75000"/>
-                  </a:schemeClr>
-                </a:solidFill>
-                <a:latin typeface="Roboto Light"/>
-                <a:cs typeface="Roboto Light"/>
-              </a:rPr>
-              <a:t> </a:t>
-            </a:r>
-            <a:r>
-              <a:rPr lang="it-IT" sz="1600" dirty="0" err="1">
-                <a:solidFill>
-                  <a:schemeClr val="tx2">
-                    <a:lumMod val="75000"/>
-                  </a:schemeClr>
-                </a:solidFill>
-                <a:latin typeface="Roboto Light"/>
-                <a:cs typeface="Roboto Light"/>
-              </a:rPr>
-              <a:t>adipiscing</a:t>
-            </a:r>
-            <a:r>
-              <a:rPr lang="it-IT" sz="1600" dirty="0">
-                <a:solidFill>
-                  <a:schemeClr val="tx2">
-                    <a:lumMod val="75000"/>
-                  </a:schemeClr>
-                </a:solidFill>
-                <a:latin typeface="Roboto Light"/>
-                <a:cs typeface="Roboto Light"/>
-              </a:rPr>
-              <a:t> </a:t>
-            </a:r>
-            <a:r>
-              <a:rPr lang="it-IT" sz="1600" dirty="0" err="1">
-                <a:solidFill>
-                  <a:schemeClr val="tx2">
-                    <a:lumMod val="75000"/>
-                  </a:schemeClr>
-                </a:solidFill>
-                <a:latin typeface="Roboto Light"/>
-                <a:cs typeface="Roboto Light"/>
-              </a:rPr>
-              <a:t>elit</a:t>
-            </a:r>
-            <a:r>
-              <a:rPr lang="it-IT" sz="1600" dirty="0">
-                <a:solidFill>
-                  <a:schemeClr val="tx2">
-                    <a:lumMod val="75000"/>
-                  </a:schemeClr>
-                </a:solidFill>
-                <a:latin typeface="Roboto Light"/>
-                <a:cs typeface="Roboto Light"/>
-              </a:rPr>
-              <a:t>. </a:t>
-            </a:r>
-            <a:r>
-              <a:rPr lang="it-IT" sz="1600" dirty="0" err="1">
-                <a:solidFill>
-                  <a:schemeClr val="tx2">
-                    <a:lumMod val="75000"/>
-                  </a:schemeClr>
-                </a:solidFill>
-                <a:latin typeface="Roboto Light"/>
-                <a:cs typeface="Roboto Light"/>
-              </a:rPr>
-              <a:t>Donec</a:t>
-            </a:r>
-            <a:r>
-              <a:rPr lang="it-IT" sz="1600" dirty="0">
-                <a:solidFill>
-                  <a:schemeClr val="tx2">
-                    <a:lumMod val="75000"/>
-                  </a:schemeClr>
-                </a:solidFill>
-                <a:latin typeface="Roboto Light"/>
-                <a:cs typeface="Roboto Light"/>
-              </a:rPr>
-              <a:t> lacinia </a:t>
-            </a:r>
-            <a:r>
-              <a:rPr lang="it-IT" sz="1600" dirty="0" err="1">
-                <a:solidFill>
-                  <a:schemeClr val="tx2">
-                    <a:lumMod val="75000"/>
-                  </a:schemeClr>
-                </a:solidFill>
-                <a:latin typeface="Roboto Light"/>
-                <a:cs typeface="Roboto Light"/>
-              </a:rPr>
-              <a:t>nisi</a:t>
-            </a:r>
-            <a:r>
-              <a:rPr lang="it-IT" sz="1600" dirty="0">
-                <a:solidFill>
-                  <a:schemeClr val="tx2">
-                    <a:lumMod val="75000"/>
-                  </a:schemeClr>
-                </a:solidFill>
-                <a:latin typeface="Roboto Light"/>
-                <a:cs typeface="Roboto Light"/>
-              </a:rPr>
-              <a:t> </a:t>
-            </a:r>
-            <a:r>
-              <a:rPr lang="it-IT" sz="1600" dirty="0" err="1">
-                <a:solidFill>
-                  <a:schemeClr val="tx2">
-                    <a:lumMod val="75000"/>
-                  </a:schemeClr>
-                </a:solidFill>
-                <a:latin typeface="Roboto Light"/>
-                <a:cs typeface="Roboto Light"/>
-              </a:rPr>
-              <a:t>at</a:t>
-            </a:r>
-            <a:r>
-              <a:rPr lang="it-IT" sz="1600" dirty="0">
-                <a:solidFill>
-                  <a:schemeClr val="tx2">
-                    <a:lumMod val="75000"/>
-                  </a:schemeClr>
-                </a:solidFill>
-                <a:latin typeface="Roboto Light"/>
-                <a:cs typeface="Roboto Light"/>
-              </a:rPr>
-              <a:t> </a:t>
-            </a:r>
-            <a:r>
-              <a:rPr lang="it-IT" sz="1600" dirty="0" err="1">
-                <a:solidFill>
-                  <a:schemeClr val="tx2">
-                    <a:lumMod val="75000"/>
-                  </a:schemeClr>
-                </a:solidFill>
-                <a:latin typeface="Roboto Light"/>
-                <a:cs typeface="Roboto Light"/>
-              </a:rPr>
-              <a:t>nisi</a:t>
-            </a:r>
-            <a:r>
-              <a:rPr lang="it-IT" sz="1600" dirty="0">
-                <a:solidFill>
-                  <a:schemeClr val="tx2">
-                    <a:lumMod val="75000"/>
-                  </a:schemeClr>
-                </a:solidFill>
-                <a:latin typeface="Roboto Light"/>
-                <a:cs typeface="Roboto Light"/>
-              </a:rPr>
-              <a:t> </a:t>
-            </a:r>
-            <a:r>
-              <a:rPr lang="it-IT" sz="1600" dirty="0" err="1">
-                <a:solidFill>
-                  <a:schemeClr val="tx2">
-                    <a:lumMod val="75000"/>
-                  </a:schemeClr>
-                </a:solidFill>
-                <a:latin typeface="Roboto Light"/>
-                <a:cs typeface="Roboto Light"/>
-              </a:rPr>
-              <a:t>tincidunt</a:t>
-            </a:r>
-            <a:r>
-              <a:rPr lang="it-IT" sz="1600" dirty="0">
-                <a:solidFill>
-                  <a:schemeClr val="tx2">
-                    <a:lumMod val="75000"/>
-                  </a:schemeClr>
-                </a:solidFill>
-                <a:latin typeface="Roboto Light"/>
-                <a:cs typeface="Roboto Light"/>
-              </a:rPr>
-              <a:t>, </a:t>
-            </a:r>
-            <a:r>
-              <a:rPr lang="it-IT" sz="1600" dirty="0" err="1">
-                <a:solidFill>
-                  <a:schemeClr val="tx2">
-                    <a:lumMod val="75000"/>
-                  </a:schemeClr>
-                </a:solidFill>
-                <a:latin typeface="Roboto Light"/>
-                <a:cs typeface="Roboto Light"/>
-              </a:rPr>
-              <a:t>sed</a:t>
-            </a:r>
-            <a:r>
-              <a:rPr lang="it-IT" sz="1600" dirty="0">
-                <a:solidFill>
-                  <a:schemeClr val="tx2">
-                    <a:lumMod val="75000"/>
-                  </a:schemeClr>
-                </a:solidFill>
-                <a:latin typeface="Roboto Light"/>
-                <a:cs typeface="Roboto Light"/>
-              </a:rPr>
-              <a:t> </a:t>
-            </a:r>
-            <a:r>
-              <a:rPr lang="it-IT" sz="1600" dirty="0" err="1">
-                <a:solidFill>
-                  <a:schemeClr val="tx2">
-                    <a:lumMod val="75000"/>
-                  </a:schemeClr>
-                </a:solidFill>
-                <a:latin typeface="Roboto Light"/>
-                <a:cs typeface="Roboto Light"/>
-              </a:rPr>
-              <a:t>congue</a:t>
-            </a:r>
-            <a:r>
-              <a:rPr lang="it-IT" sz="1600" dirty="0">
-                <a:solidFill>
-                  <a:schemeClr val="tx2">
-                    <a:lumMod val="75000"/>
-                  </a:schemeClr>
-                </a:solidFill>
-                <a:latin typeface="Roboto Light"/>
-                <a:cs typeface="Roboto Light"/>
-              </a:rPr>
-              <a:t> </a:t>
-            </a:r>
-            <a:r>
-              <a:rPr lang="it-IT" sz="1600" dirty="0" err="1">
-                <a:solidFill>
-                  <a:schemeClr val="tx2">
-                    <a:lumMod val="75000"/>
-                  </a:schemeClr>
-                </a:solidFill>
-                <a:latin typeface="Roboto Light"/>
-                <a:cs typeface="Roboto Light"/>
-              </a:rPr>
-              <a:t>tellus</a:t>
-            </a:r>
-            <a:r>
-              <a:rPr lang="it-IT" sz="1600" dirty="0">
-                <a:solidFill>
-                  <a:schemeClr val="tx2">
-                    <a:lumMod val="75000"/>
-                  </a:schemeClr>
-                </a:solidFill>
-                <a:latin typeface="Roboto Light"/>
-                <a:cs typeface="Roboto Light"/>
-              </a:rPr>
-              <a:t> </a:t>
-            </a:r>
-            <a:r>
-              <a:rPr lang="it-IT" sz="1600" dirty="0" err="1">
-                <a:solidFill>
-                  <a:schemeClr val="tx2">
-                    <a:lumMod val="75000"/>
-                  </a:schemeClr>
-                </a:solidFill>
-                <a:latin typeface="Roboto Light"/>
-                <a:cs typeface="Roboto Light"/>
-              </a:rPr>
-              <a:t>aliquet</a:t>
-            </a:r>
-            <a:r>
-              <a:rPr lang="it-IT" sz="1600" dirty="0">
-                <a:solidFill>
-                  <a:schemeClr val="tx2">
-                    <a:lumMod val="75000"/>
-                  </a:schemeClr>
-                </a:solidFill>
-                <a:latin typeface="Roboto Light"/>
-                <a:cs typeface="Roboto Light"/>
-              </a:rPr>
-              <a:t>. </a:t>
-            </a:r>
-            <a:r>
-              <a:rPr lang="it-IT" sz="1600" dirty="0" err="1">
-                <a:solidFill>
-                  <a:schemeClr val="tx2">
-                    <a:lumMod val="75000"/>
-                  </a:schemeClr>
-                </a:solidFill>
-                <a:latin typeface="Roboto Light"/>
-                <a:cs typeface="Roboto Light"/>
-              </a:rPr>
-              <a:t>Pellentesque</a:t>
-            </a:r>
-            <a:r>
-              <a:rPr lang="it-IT" sz="1600" dirty="0">
-                <a:solidFill>
-                  <a:schemeClr val="tx2">
-                    <a:lumMod val="75000"/>
-                  </a:schemeClr>
-                </a:solidFill>
-                <a:latin typeface="Roboto Light"/>
-                <a:cs typeface="Roboto Light"/>
-              </a:rPr>
-              <a:t> </a:t>
-            </a:r>
-            <a:r>
-              <a:rPr lang="it-IT" sz="1600" dirty="0" err="1">
-                <a:solidFill>
-                  <a:schemeClr val="tx2">
-                    <a:lumMod val="75000"/>
-                  </a:schemeClr>
-                </a:solidFill>
-                <a:latin typeface="Roboto Light"/>
-                <a:cs typeface="Roboto Light"/>
-              </a:rPr>
-              <a:t>nec</a:t>
-            </a:r>
-            <a:r>
-              <a:rPr lang="it-IT" sz="1600" dirty="0">
-                <a:solidFill>
-                  <a:schemeClr val="tx2">
-                    <a:lumMod val="75000"/>
-                  </a:schemeClr>
-                </a:solidFill>
-                <a:latin typeface="Roboto Light"/>
-                <a:cs typeface="Roboto Light"/>
-              </a:rPr>
-              <a:t> urna </a:t>
-            </a:r>
-            <a:r>
-              <a:rPr lang="it-IT" sz="1600" dirty="0" err="1">
-                <a:solidFill>
-                  <a:schemeClr val="tx2">
-                    <a:lumMod val="75000"/>
-                  </a:schemeClr>
-                </a:solidFill>
-                <a:latin typeface="Roboto Light"/>
-                <a:cs typeface="Roboto Light"/>
-              </a:rPr>
-              <a:t>vel</a:t>
-            </a:r>
-            <a:r>
-              <a:rPr lang="it-IT" sz="1600" dirty="0">
-                <a:solidFill>
-                  <a:schemeClr val="tx2">
-                    <a:lumMod val="75000"/>
-                  </a:schemeClr>
-                </a:solidFill>
-                <a:latin typeface="Roboto Light"/>
-                <a:cs typeface="Roboto Light"/>
-              </a:rPr>
-              <a:t> </a:t>
-            </a:r>
-            <a:r>
-              <a:rPr lang="it-IT" sz="1600" dirty="0" err="1">
-                <a:solidFill>
-                  <a:schemeClr val="tx2">
-                    <a:lumMod val="75000"/>
-                  </a:schemeClr>
-                </a:solidFill>
-                <a:latin typeface="Roboto Light"/>
-                <a:cs typeface="Roboto Light"/>
-              </a:rPr>
-              <a:t>neque</a:t>
-            </a:r>
-            <a:r>
-              <a:rPr lang="it-IT" sz="1600" dirty="0">
-                <a:solidFill>
-                  <a:schemeClr val="tx2">
-                    <a:lumMod val="75000"/>
-                  </a:schemeClr>
-                </a:solidFill>
-                <a:latin typeface="Roboto Light"/>
-                <a:cs typeface="Roboto Light"/>
-              </a:rPr>
-              <a:t> </a:t>
-            </a:r>
-            <a:r>
-              <a:rPr lang="it-IT" sz="1600" dirty="0" err="1">
-                <a:solidFill>
-                  <a:schemeClr val="tx2">
-                    <a:lumMod val="75000"/>
-                  </a:schemeClr>
-                </a:solidFill>
-                <a:latin typeface="Roboto Light"/>
-                <a:cs typeface="Roboto Light"/>
-              </a:rPr>
-              <a:t>mattis</a:t>
-            </a:r>
-            <a:r>
-              <a:rPr lang="it-IT" sz="1600" dirty="0">
-                <a:solidFill>
-                  <a:schemeClr val="tx2">
-                    <a:lumMod val="75000"/>
-                  </a:schemeClr>
-                </a:solidFill>
-                <a:latin typeface="Roboto Light"/>
-                <a:cs typeface="Roboto Light"/>
-              </a:rPr>
-              <a:t> </a:t>
-            </a:r>
-            <a:r>
-              <a:rPr lang="it-IT" sz="1600" dirty="0" err="1">
-                <a:solidFill>
-                  <a:schemeClr val="tx2">
-                    <a:lumMod val="75000"/>
-                  </a:schemeClr>
-                </a:solidFill>
-                <a:latin typeface="Roboto Light"/>
-                <a:cs typeface="Roboto Light"/>
-              </a:rPr>
-              <a:t>luctus</a:t>
-            </a:r>
-            <a:r>
-              <a:rPr lang="it-IT" sz="1600" dirty="0">
-                <a:solidFill>
-                  <a:schemeClr val="tx2">
-                    <a:lumMod val="75000"/>
-                  </a:schemeClr>
-                </a:solidFill>
-                <a:latin typeface="Roboto Light"/>
-                <a:cs typeface="Roboto Light"/>
-              </a:rPr>
-              <a:t>. </a:t>
-            </a:r>
-            <a:r>
-              <a:rPr lang="it-IT" sz="1600" dirty="0" err="1">
-                <a:solidFill>
-                  <a:schemeClr val="tx2">
-                    <a:lumMod val="75000"/>
-                  </a:schemeClr>
-                </a:solidFill>
-                <a:latin typeface="Roboto Light"/>
-                <a:cs typeface="Roboto Light"/>
-              </a:rPr>
-              <a:t>Aliquam</a:t>
-            </a:r>
-            <a:r>
-              <a:rPr lang="it-IT" sz="1600" dirty="0">
-                <a:solidFill>
-                  <a:schemeClr val="tx2">
-                    <a:lumMod val="75000"/>
-                  </a:schemeClr>
-                </a:solidFill>
-                <a:latin typeface="Roboto Light"/>
-                <a:cs typeface="Roboto Light"/>
-              </a:rPr>
-              <a:t> </a:t>
-            </a:r>
-            <a:r>
-              <a:rPr lang="it-IT" sz="1600" dirty="0" err="1">
-                <a:solidFill>
-                  <a:schemeClr val="tx2">
-                    <a:lumMod val="75000"/>
-                  </a:schemeClr>
-                </a:solidFill>
-                <a:latin typeface="Roboto Light"/>
-                <a:cs typeface="Roboto Light"/>
-              </a:rPr>
-              <a:t>maximus</a:t>
-            </a:r>
-            <a:r>
-              <a:rPr lang="it-IT" sz="1600" dirty="0">
-                <a:solidFill>
-                  <a:schemeClr val="tx2">
-                    <a:lumMod val="75000"/>
-                  </a:schemeClr>
-                </a:solidFill>
-                <a:latin typeface="Roboto Light"/>
-                <a:cs typeface="Roboto Light"/>
-              </a:rPr>
-              <a:t>, </a:t>
-            </a:r>
-            <a:r>
-              <a:rPr lang="it-IT" sz="1600" dirty="0" err="1">
-                <a:solidFill>
-                  <a:schemeClr val="tx2">
-                    <a:lumMod val="75000"/>
-                  </a:schemeClr>
-                </a:solidFill>
-                <a:latin typeface="Roboto Light"/>
-                <a:cs typeface="Roboto Light"/>
-              </a:rPr>
-              <a:t>dolor</a:t>
-            </a:r>
-            <a:r>
-              <a:rPr lang="it-IT" sz="1600" dirty="0">
-                <a:solidFill>
-                  <a:schemeClr val="tx2">
-                    <a:lumMod val="75000"/>
-                  </a:schemeClr>
-                </a:solidFill>
-                <a:latin typeface="Roboto Light"/>
-                <a:cs typeface="Roboto Light"/>
-              </a:rPr>
-              <a:t> </a:t>
-            </a:r>
-            <a:r>
-              <a:rPr lang="it-IT" sz="1600" dirty="0" err="1">
-                <a:solidFill>
-                  <a:schemeClr val="tx2">
-                    <a:lumMod val="75000"/>
-                  </a:schemeClr>
-                </a:solidFill>
-                <a:latin typeface="Roboto Light"/>
-                <a:cs typeface="Roboto Light"/>
-              </a:rPr>
-              <a:t>quis</a:t>
-            </a:r>
-            <a:r>
-              <a:rPr lang="it-IT" sz="1600" dirty="0">
-                <a:solidFill>
-                  <a:schemeClr val="tx2">
-                    <a:lumMod val="75000"/>
-                  </a:schemeClr>
-                </a:solidFill>
-                <a:latin typeface="Roboto Light"/>
-                <a:cs typeface="Roboto Light"/>
-              </a:rPr>
-              <a:t> </a:t>
-            </a:r>
-            <a:r>
-              <a:rPr lang="it-IT" sz="1600" dirty="0" err="1">
-                <a:solidFill>
-                  <a:schemeClr val="tx2">
-                    <a:lumMod val="75000"/>
-                  </a:schemeClr>
-                </a:solidFill>
-                <a:latin typeface="Roboto Light"/>
-                <a:cs typeface="Roboto Light"/>
-              </a:rPr>
-              <a:t>laoreet</a:t>
-            </a:r>
-            <a:r>
-              <a:rPr lang="it-IT" sz="1600" dirty="0">
-                <a:solidFill>
-                  <a:schemeClr val="tx2">
-                    <a:lumMod val="75000"/>
-                  </a:schemeClr>
-                </a:solidFill>
-                <a:latin typeface="Roboto Light"/>
-                <a:cs typeface="Roboto Light"/>
-              </a:rPr>
-              <a:t> </a:t>
-            </a:r>
-            <a:r>
-              <a:rPr lang="it-IT" sz="1600" dirty="0" err="1">
-                <a:solidFill>
-                  <a:schemeClr val="tx2">
-                    <a:lumMod val="75000"/>
-                  </a:schemeClr>
-                </a:solidFill>
-                <a:latin typeface="Roboto Light"/>
-                <a:cs typeface="Roboto Light"/>
-              </a:rPr>
-              <a:t>lobortis</a:t>
-            </a:r>
-            <a:r>
-              <a:rPr lang="it-IT" sz="1600" dirty="0">
-                <a:solidFill>
-                  <a:schemeClr val="tx2">
-                    <a:lumMod val="75000"/>
-                  </a:schemeClr>
-                </a:solidFill>
-                <a:latin typeface="Roboto Light"/>
-                <a:cs typeface="Roboto Light"/>
-              </a:rPr>
-              <a:t>, </a:t>
-            </a:r>
-            <a:r>
-              <a:rPr lang="it-IT" sz="1600" dirty="0" err="1">
-                <a:solidFill>
-                  <a:schemeClr val="tx2">
-                    <a:lumMod val="75000"/>
-                  </a:schemeClr>
-                </a:solidFill>
-                <a:latin typeface="Roboto Light"/>
-                <a:cs typeface="Roboto Light"/>
-              </a:rPr>
-              <a:t>nibh</a:t>
-            </a:r>
-            <a:r>
-              <a:rPr lang="it-IT" sz="1600" dirty="0">
-                <a:solidFill>
-                  <a:schemeClr val="tx2">
-                    <a:lumMod val="75000"/>
-                  </a:schemeClr>
-                </a:solidFill>
-                <a:latin typeface="Roboto Light"/>
-                <a:cs typeface="Roboto Light"/>
-              </a:rPr>
-              <a:t> ante </a:t>
-            </a:r>
-            <a:r>
-              <a:rPr lang="it-IT" sz="1600" dirty="0" err="1">
-                <a:solidFill>
-                  <a:schemeClr val="tx2">
-                    <a:lumMod val="75000"/>
-                  </a:schemeClr>
-                </a:solidFill>
-                <a:latin typeface="Roboto Light"/>
-                <a:cs typeface="Roboto Light"/>
-              </a:rPr>
-              <a:t>condimentum</a:t>
-            </a:r>
-            <a:r>
-              <a:rPr lang="it-IT" sz="1600" dirty="0">
-                <a:solidFill>
-                  <a:schemeClr val="tx2">
-                    <a:lumMod val="75000"/>
-                  </a:schemeClr>
-                </a:solidFill>
-                <a:latin typeface="Roboto Light"/>
-                <a:cs typeface="Roboto Light"/>
-              </a:rPr>
-              <a:t> </a:t>
-            </a:r>
-            <a:r>
-              <a:rPr lang="it-IT" sz="1600" dirty="0" err="1">
-                <a:solidFill>
-                  <a:schemeClr val="tx2">
-                    <a:lumMod val="75000"/>
-                  </a:schemeClr>
-                </a:solidFill>
-                <a:latin typeface="Roboto Light"/>
-                <a:cs typeface="Roboto Light"/>
-              </a:rPr>
-              <a:t>sem</a:t>
-            </a:r>
-            <a:r>
-              <a:rPr lang="it-IT" sz="1600" dirty="0">
-                <a:solidFill>
-                  <a:schemeClr val="tx2">
-                    <a:lumMod val="75000"/>
-                  </a:schemeClr>
-                </a:solidFill>
-                <a:latin typeface="Roboto Light"/>
-                <a:cs typeface="Roboto Light"/>
-              </a:rPr>
-              <a:t>, </a:t>
-            </a:r>
-            <a:r>
-              <a:rPr lang="it-IT" sz="1600" dirty="0" err="1">
-                <a:solidFill>
-                  <a:schemeClr val="tx2">
-                    <a:lumMod val="75000"/>
-                  </a:schemeClr>
-                </a:solidFill>
-                <a:latin typeface="Roboto Light"/>
-                <a:cs typeface="Roboto Light"/>
-              </a:rPr>
-              <a:t>eget</a:t>
-            </a:r>
-            <a:r>
-              <a:rPr lang="it-IT" sz="1600" dirty="0">
-                <a:solidFill>
-                  <a:schemeClr val="tx2">
-                    <a:lumMod val="75000"/>
-                  </a:schemeClr>
-                </a:solidFill>
-                <a:latin typeface="Roboto Light"/>
-                <a:cs typeface="Roboto Light"/>
-              </a:rPr>
-              <a:t> </a:t>
-            </a:r>
-            <a:r>
-              <a:rPr lang="it-IT" sz="1600" dirty="0" err="1">
-                <a:solidFill>
-                  <a:schemeClr val="tx2">
-                    <a:lumMod val="75000"/>
-                  </a:schemeClr>
-                </a:solidFill>
-                <a:latin typeface="Roboto Light"/>
-                <a:cs typeface="Roboto Light"/>
-              </a:rPr>
-              <a:t>commodo</a:t>
-            </a:r>
-            <a:r>
-              <a:rPr lang="it-IT" sz="1600" dirty="0">
-                <a:solidFill>
-                  <a:schemeClr val="tx2">
-                    <a:lumMod val="75000"/>
-                  </a:schemeClr>
-                </a:solidFill>
-                <a:latin typeface="Roboto Light"/>
-                <a:cs typeface="Roboto Light"/>
-              </a:rPr>
-              <a:t> </a:t>
-            </a:r>
-            <a:r>
-              <a:rPr lang="it-IT" sz="1600" dirty="0" err="1">
-                <a:solidFill>
-                  <a:schemeClr val="tx2">
-                    <a:lumMod val="75000"/>
-                  </a:schemeClr>
-                </a:solidFill>
-                <a:latin typeface="Roboto Light"/>
-                <a:cs typeface="Roboto Light"/>
-              </a:rPr>
-              <a:t>nisl</a:t>
-            </a:r>
-            <a:r>
-              <a:rPr lang="it-IT" sz="1600" dirty="0">
-                <a:solidFill>
-                  <a:schemeClr val="tx2">
-                    <a:lumMod val="75000"/>
-                  </a:schemeClr>
-                </a:solidFill>
-                <a:latin typeface="Roboto Light"/>
-                <a:cs typeface="Roboto Light"/>
-              </a:rPr>
-              <a:t> ex </a:t>
-            </a:r>
-            <a:r>
-              <a:rPr lang="it-IT" sz="1600" dirty="0" err="1">
-                <a:solidFill>
-                  <a:schemeClr val="tx2">
-                    <a:lumMod val="75000"/>
-                  </a:schemeClr>
-                </a:solidFill>
-                <a:latin typeface="Roboto Light"/>
-                <a:cs typeface="Roboto Light"/>
-              </a:rPr>
-              <a:t>ac</a:t>
-            </a:r>
-            <a:r>
-              <a:rPr lang="it-IT" sz="1600" dirty="0">
-                <a:solidFill>
-                  <a:schemeClr val="tx2">
-                    <a:lumMod val="75000"/>
-                  </a:schemeClr>
-                </a:solidFill>
-                <a:latin typeface="Roboto Light"/>
-                <a:cs typeface="Roboto Light"/>
-              </a:rPr>
-              <a:t> </a:t>
-            </a:r>
-            <a:r>
-              <a:rPr lang="it-IT" sz="1600" dirty="0" err="1">
-                <a:solidFill>
-                  <a:schemeClr val="tx2">
-                    <a:lumMod val="75000"/>
-                  </a:schemeClr>
-                </a:solidFill>
-                <a:latin typeface="Roboto Light"/>
-                <a:cs typeface="Roboto Light"/>
-              </a:rPr>
-              <a:t>nibh</a:t>
-            </a:r>
-            <a:r>
-              <a:rPr lang="it-IT" sz="1600" dirty="0">
-                <a:solidFill>
-                  <a:schemeClr val="tx2">
-                    <a:lumMod val="75000"/>
-                  </a:schemeClr>
-                </a:solidFill>
-                <a:latin typeface="Roboto Light"/>
-                <a:cs typeface="Roboto Light"/>
-              </a:rPr>
-              <a:t>. </a:t>
-            </a:r>
-            <a:r>
-              <a:rPr lang="it-IT" sz="1600" dirty="0" err="1">
-                <a:solidFill>
-                  <a:schemeClr val="tx2">
-                    <a:lumMod val="75000"/>
-                  </a:schemeClr>
-                </a:solidFill>
-                <a:latin typeface="Roboto Light"/>
-                <a:cs typeface="Roboto Light"/>
-              </a:rPr>
-              <a:t>Aenean</a:t>
-            </a:r>
-            <a:r>
-              <a:rPr lang="it-IT" sz="1600" dirty="0">
-                <a:solidFill>
-                  <a:schemeClr val="tx2">
-                    <a:lumMod val="75000"/>
-                  </a:schemeClr>
-                </a:solidFill>
-                <a:latin typeface="Roboto Light"/>
-                <a:cs typeface="Roboto Light"/>
-              </a:rPr>
-              <a:t> non </a:t>
-            </a:r>
-            <a:r>
-              <a:rPr lang="it-IT" sz="1600" dirty="0" err="1">
-                <a:solidFill>
-                  <a:schemeClr val="tx2">
-                    <a:lumMod val="75000"/>
-                  </a:schemeClr>
-                </a:solidFill>
-                <a:latin typeface="Roboto Light"/>
-                <a:cs typeface="Roboto Light"/>
-              </a:rPr>
-              <a:t>dolor</a:t>
-            </a:r>
-            <a:r>
-              <a:rPr lang="it-IT" sz="1600" dirty="0">
-                <a:solidFill>
-                  <a:schemeClr val="tx2">
-                    <a:lumMod val="75000"/>
-                  </a:schemeClr>
-                </a:solidFill>
-                <a:latin typeface="Roboto Light"/>
-                <a:cs typeface="Roboto Light"/>
-              </a:rPr>
-              <a:t> </a:t>
-            </a:r>
-            <a:r>
-              <a:rPr lang="it-IT" sz="1600" dirty="0" err="1">
-                <a:solidFill>
-                  <a:schemeClr val="tx2">
-                    <a:lumMod val="75000"/>
-                  </a:schemeClr>
-                </a:solidFill>
-                <a:latin typeface="Roboto Light"/>
-                <a:cs typeface="Roboto Light"/>
-              </a:rPr>
-              <a:t>vel</a:t>
-            </a:r>
-            <a:r>
-              <a:rPr lang="it-IT" sz="1600" dirty="0">
-                <a:solidFill>
-                  <a:schemeClr val="tx2">
-                    <a:lumMod val="75000"/>
-                  </a:schemeClr>
-                </a:solidFill>
-                <a:latin typeface="Roboto Light"/>
-                <a:cs typeface="Roboto Light"/>
-              </a:rPr>
-              <a:t> </a:t>
-            </a:r>
-            <a:r>
-              <a:rPr lang="it-IT" sz="1600" dirty="0" err="1">
-                <a:solidFill>
-                  <a:schemeClr val="tx2">
-                    <a:lumMod val="75000"/>
-                  </a:schemeClr>
-                </a:solidFill>
-                <a:latin typeface="Roboto Light"/>
-                <a:cs typeface="Roboto Light"/>
-              </a:rPr>
-              <a:t>leo</a:t>
-            </a:r>
-            <a:r>
-              <a:rPr lang="it-IT" sz="1600" dirty="0">
-                <a:solidFill>
-                  <a:schemeClr val="tx2">
-                    <a:lumMod val="75000"/>
-                  </a:schemeClr>
-                </a:solidFill>
-                <a:latin typeface="Roboto Light"/>
-                <a:cs typeface="Roboto Light"/>
-              </a:rPr>
-              <a:t> </a:t>
-            </a:r>
-            <a:r>
-              <a:rPr lang="it-IT" sz="1600" dirty="0" err="1">
-                <a:solidFill>
-                  <a:schemeClr val="tx2">
-                    <a:lumMod val="75000"/>
-                  </a:schemeClr>
-                </a:solidFill>
-                <a:latin typeface="Roboto Light"/>
-                <a:cs typeface="Roboto Light"/>
-              </a:rPr>
-              <a:t>auctor</a:t>
-            </a:r>
-            <a:r>
-              <a:rPr lang="it-IT" sz="1600" dirty="0">
-                <a:solidFill>
-                  <a:schemeClr val="tx2">
-                    <a:lumMod val="75000"/>
-                  </a:schemeClr>
-                </a:solidFill>
-                <a:latin typeface="Roboto Light"/>
-                <a:cs typeface="Roboto Light"/>
-              </a:rPr>
-              <a:t> </a:t>
-            </a:r>
-            <a:r>
-              <a:rPr lang="it-IT" sz="1600" dirty="0" err="1">
-                <a:solidFill>
-                  <a:schemeClr val="tx2">
-                    <a:lumMod val="75000"/>
-                  </a:schemeClr>
-                </a:solidFill>
-                <a:latin typeface="Roboto Light"/>
-                <a:cs typeface="Roboto Light"/>
-              </a:rPr>
-              <a:t>commodo</a:t>
-            </a:r>
-            <a:r>
-              <a:rPr lang="it-IT" sz="1600" dirty="0">
-                <a:solidFill>
-                  <a:schemeClr val="tx2">
-                    <a:lumMod val="75000"/>
-                  </a:schemeClr>
-                </a:solidFill>
-                <a:latin typeface="Roboto Light"/>
-                <a:cs typeface="Roboto Light"/>
-              </a:rPr>
-              <a:t> </a:t>
-            </a:r>
-            <a:r>
-              <a:rPr lang="it-IT" sz="1600" dirty="0" err="1">
-                <a:solidFill>
-                  <a:schemeClr val="tx2">
-                    <a:lumMod val="75000"/>
-                  </a:schemeClr>
-                </a:solidFill>
-                <a:latin typeface="Roboto Light"/>
-                <a:cs typeface="Roboto Light"/>
-              </a:rPr>
-              <a:t>at</a:t>
-            </a:r>
-            <a:r>
-              <a:rPr lang="it-IT" sz="1600" dirty="0">
-                <a:solidFill>
-                  <a:schemeClr val="tx2">
-                    <a:lumMod val="75000"/>
-                  </a:schemeClr>
-                </a:solidFill>
-                <a:latin typeface="Roboto Light"/>
-                <a:cs typeface="Roboto Light"/>
-              </a:rPr>
-              <a:t> </a:t>
-            </a:r>
-            <a:r>
-              <a:rPr lang="it-IT" sz="1600" dirty="0" err="1">
-                <a:solidFill>
-                  <a:schemeClr val="tx2">
-                    <a:lumMod val="75000"/>
-                  </a:schemeClr>
-                </a:solidFill>
-                <a:latin typeface="Roboto Light"/>
-                <a:cs typeface="Roboto Light"/>
-              </a:rPr>
-              <a:t>eu</a:t>
-            </a:r>
-            <a:r>
-              <a:rPr lang="it-IT" sz="1600" dirty="0">
-                <a:solidFill>
-                  <a:schemeClr val="tx2">
-                    <a:lumMod val="75000"/>
-                  </a:schemeClr>
-                </a:solidFill>
-                <a:latin typeface="Roboto Light"/>
-                <a:cs typeface="Roboto Light"/>
-              </a:rPr>
-              <a:t> urna</a:t>
-            </a:r>
-            <a:r>
-              <a:rPr lang="it-IT" sz="1600" dirty="0" smtClean="0">
-                <a:solidFill>
-                  <a:schemeClr val="tx2">
-                    <a:lumMod val="75000"/>
-                  </a:schemeClr>
-                </a:solidFill>
-                <a:latin typeface="Roboto Light"/>
-                <a:cs typeface="Roboto Light"/>
-              </a:rPr>
-              <a:t>.</a:t>
-            </a:r>
-            <a:endParaRPr lang="en-US" sz="1600" dirty="0">
+            <a:pPr marL="285750" indent="-285750">
+              <a:buFont typeface="Arial"/>
+              <a:buChar char="•"/>
+            </a:pPr>
+            <a:r>
+              <a:rPr lang="it-IT" dirty="0" smtClean="0">
+                <a:solidFill>
+                  <a:schemeClr val="tx2">
+                    <a:lumMod val="75000"/>
+                  </a:schemeClr>
+                </a:solidFill>
+                <a:latin typeface="Roboto Light"/>
+                <a:cs typeface="Roboto Light"/>
+              </a:rPr>
+              <a:t>Motor es como un transformador giratorio trifásico, con bobinas secundarias en cortocircuito</a:t>
+            </a:r>
+          </a:p>
+          <a:p>
+            <a:pPr marL="285750" indent="-285750">
+              <a:buFont typeface="Arial"/>
+              <a:buChar char="•"/>
+            </a:pPr>
+            <a:endParaRPr lang="it-IT" dirty="0" smtClean="0">
               <a:solidFill>
                 <a:schemeClr val="tx2">
                   <a:lumMod val="75000"/>
@@ -2508,83 +1452,375 @@
               <a:cs typeface="Roboto Light"/>
             </a:endParaRPr>
           </a:p>
-        </p:txBody>
-      </p:sp>
-      <p:sp>
-        <p:nvSpPr>
-          <p:cNvPr id="6" name="TextBox 5"/>
-          <p:cNvSpPr txBox="1"/>
-          <p:nvPr/>
-        </p:nvSpPr>
-        <p:spPr>
-          <a:xfrm>
-            <a:off x="879152" y="3363223"/>
-            <a:ext cx="6639027" cy="830997"/>
-          </a:xfrm>
-          <a:prstGeom prst="rect">
-            <a:avLst/>
-          </a:prstGeom>
-          <a:noFill/>
-        </p:spPr>
-        <p:txBody>
-          <a:bodyPr wrap="square" rtlCol="0">
-            <a:spAutoFit/>
-          </a:bodyPr>
-          <a:lstStyle/>
-          <a:p>
-            <a:pPr marL="285750" indent="-285750">
-              <a:buFont typeface="Arial"/>
-              <a:buChar char="•"/>
-            </a:pPr>
-            <a:r>
-              <a:rPr lang="it-IT" sz="1600" dirty="0" smtClean="0">
-                <a:solidFill>
-                  <a:schemeClr val="tx2">
-                    <a:lumMod val="75000"/>
-                  </a:schemeClr>
-                </a:solidFill>
-                <a:latin typeface="Roboto Light"/>
-                <a:cs typeface="Roboto Light"/>
-              </a:rPr>
-              <a:t>Lista 1</a:t>
-            </a:r>
-          </a:p>
-          <a:p>
-            <a:pPr marL="285750" indent="-285750">
-              <a:buFont typeface="Arial"/>
-              <a:buChar char="•"/>
-            </a:pPr>
-            <a:r>
-              <a:rPr lang="it-IT" sz="1600" dirty="0" smtClean="0">
-                <a:solidFill>
-                  <a:schemeClr val="tx2">
-                    <a:lumMod val="75000"/>
-                  </a:schemeClr>
-                </a:solidFill>
-                <a:latin typeface="Roboto Light"/>
-                <a:cs typeface="Roboto Light"/>
-              </a:rPr>
-              <a:t>Lista 2</a:t>
-            </a:r>
-          </a:p>
-          <a:p>
-            <a:pPr marL="285750" indent="-285750">
-              <a:buFont typeface="Arial"/>
-              <a:buChar char="•"/>
-            </a:pPr>
-            <a:r>
-              <a:rPr lang="it-IT" sz="1600" dirty="0" smtClean="0">
-                <a:solidFill>
-                  <a:schemeClr val="tx2">
-                    <a:lumMod val="75000"/>
-                  </a:schemeClr>
-                </a:solidFill>
-                <a:latin typeface="Roboto Light"/>
-                <a:cs typeface="Roboto Light"/>
-              </a:rPr>
-              <a:t>Lista 3</a:t>
-            </a:r>
-            <a:endParaRPr lang="en-US" sz="1600" dirty="0">
+          <a:p>
+            <a:pPr marL="285750" indent="-285750">
+              <a:buFont typeface="Arial"/>
+              <a:buChar char="•"/>
+            </a:pPr>
+            <a:r>
+              <a:rPr lang="it-IT" dirty="0" smtClean="0">
+                <a:solidFill>
+                  <a:schemeClr val="tx2">
+                    <a:lumMod val="75000"/>
+                  </a:schemeClr>
+                </a:solidFill>
+                <a:latin typeface="Roboto Light"/>
+                <a:cs typeface="Roboto Light"/>
+              </a:rPr>
+              <a:t>Rotor siempre va a girar </a:t>
+            </a:r>
+            <a:r>
+              <a:rPr lang="it-IT" b="1" dirty="0" smtClean="0">
+                <a:solidFill>
+                  <a:schemeClr val="tx2">
+                    <a:lumMod val="75000"/>
+                  </a:schemeClr>
+                </a:solidFill>
+                <a:latin typeface="Roboto Light"/>
+                <a:cs typeface="Roboto Light"/>
+              </a:rPr>
+              <a:t>bajo</a:t>
+            </a:r>
+            <a:r>
+              <a:rPr lang="it-IT" dirty="0" smtClean="0">
+                <a:solidFill>
+                  <a:schemeClr val="tx2">
+                    <a:lumMod val="75000"/>
+                  </a:schemeClr>
+                </a:solidFill>
+                <a:latin typeface="Roboto Light"/>
+                <a:cs typeface="Roboto Light"/>
+              </a:rPr>
+              <a:t> la velocidad de sincronismo, de esta forma hay corriente y par inducidos.</a:t>
+            </a:r>
+            <a:endParaRPr lang="it-IT" dirty="0" smtClean="0">
+              <a:solidFill>
+                <a:schemeClr val="tx2">
+                  <a:lumMod val="75000"/>
+                </a:schemeClr>
+              </a:solidFill>
+              <a:latin typeface="Roboto Light"/>
+              <a:cs typeface="Roboto Light"/>
+            </a:endParaRPr>
+          </a:p>
+          <a:p>
+            <a:pPr marL="285750" indent="-285750">
+              <a:buFont typeface="Arial"/>
+              <a:buChar char="•"/>
+            </a:pPr>
+            <a:endParaRPr lang="it-IT" dirty="0" smtClean="0">
+              <a:solidFill>
+                <a:schemeClr val="tx2">
+                  <a:lumMod val="75000"/>
+                </a:schemeClr>
+              </a:solidFill>
+              <a:latin typeface="Roboto Light"/>
+              <a:cs typeface="Roboto Light"/>
+            </a:endParaRPr>
+          </a:p>
+          <a:p>
+            <a:pPr marL="285750" indent="-285750">
+              <a:buFont typeface="Arial"/>
+              <a:buChar char="•"/>
+            </a:pPr>
+            <a:r>
+              <a:rPr lang="it-IT" dirty="0" smtClean="0">
+                <a:solidFill>
+                  <a:schemeClr val="tx2">
+                    <a:lumMod val="75000"/>
+                  </a:schemeClr>
+                </a:solidFill>
+                <a:latin typeface="Roboto Light"/>
+                <a:cs typeface="Roboto Light"/>
+              </a:rPr>
+              <a:t>Deslizamiento, velocidad relativa</a:t>
+            </a:r>
+          </a:p>
+          <a:p>
+            <a:pPr marL="285750" indent="-285750">
+              <a:buFont typeface="Arial"/>
+              <a:buChar char="•"/>
+            </a:pPr>
+            <a:endParaRPr lang="it-IT" dirty="0">
+              <a:solidFill>
+                <a:schemeClr val="tx2">
+                  <a:lumMod val="75000"/>
+                </a:schemeClr>
+              </a:solidFill>
+              <a:latin typeface="Roboto Light"/>
+              <a:cs typeface="Roboto Light"/>
+            </a:endParaRPr>
+          </a:p>
+          <a:p>
+            <a:pPr marL="285750" indent="-285750">
+              <a:buFont typeface="Arial"/>
+              <a:buChar char="•"/>
+            </a:pPr>
+            <a:r>
+              <a:rPr lang="en-US" dirty="0" smtClean="0">
+                <a:solidFill>
+                  <a:schemeClr val="tx2">
+                    <a:lumMod val="75000"/>
+                  </a:schemeClr>
+                </a:solidFill>
+                <a:latin typeface="Roboto Light"/>
+                <a:cs typeface="Roboto Light"/>
+              </a:rPr>
+              <a:t>En </a:t>
+            </a:r>
+            <a:r>
+              <a:rPr lang="en-US" dirty="0" err="1" smtClean="0">
+                <a:solidFill>
+                  <a:schemeClr val="tx2">
+                    <a:lumMod val="75000"/>
+                  </a:schemeClr>
+                </a:solidFill>
+                <a:latin typeface="Roboto Light"/>
+                <a:cs typeface="Roboto Light"/>
+              </a:rPr>
+              <a:t>arranque</a:t>
+            </a:r>
+            <a:r>
+              <a:rPr lang="en-US" dirty="0" smtClean="0">
+                <a:solidFill>
+                  <a:schemeClr val="tx2">
+                    <a:lumMod val="75000"/>
+                  </a:schemeClr>
+                </a:solidFill>
+                <a:latin typeface="Roboto Light"/>
+                <a:cs typeface="Roboto Light"/>
+              </a:rPr>
+              <a:t>, rotor en </a:t>
+            </a:r>
+            <a:r>
+              <a:rPr lang="en-US" dirty="0" err="1" smtClean="0">
+                <a:solidFill>
+                  <a:schemeClr val="tx2">
+                    <a:lumMod val="75000"/>
+                  </a:schemeClr>
+                </a:solidFill>
+                <a:latin typeface="Roboto Light"/>
+                <a:cs typeface="Roboto Light"/>
+              </a:rPr>
+              <a:t>reposo</a:t>
+            </a:r>
+            <a:r>
+              <a:rPr lang="en-US" dirty="0" smtClean="0">
+                <a:solidFill>
+                  <a:schemeClr val="tx2">
+                    <a:lumMod val="75000"/>
+                  </a:schemeClr>
+                </a:solidFill>
+                <a:latin typeface="Roboto Light"/>
+                <a:cs typeface="Roboto Light"/>
+              </a:rPr>
+              <a:t>, s=1, </a:t>
+            </a:r>
+            <a:r>
+              <a:rPr lang="en-US" dirty="0" err="1" smtClean="0">
+                <a:solidFill>
+                  <a:schemeClr val="tx2">
+                    <a:lumMod val="75000"/>
+                  </a:schemeClr>
+                </a:solidFill>
+                <a:latin typeface="Roboto Light"/>
+                <a:cs typeface="Roboto Light"/>
+              </a:rPr>
+              <a:t>corriente</a:t>
+            </a:r>
+            <a:r>
+              <a:rPr lang="en-US" dirty="0" smtClean="0">
+                <a:solidFill>
+                  <a:schemeClr val="tx2">
+                    <a:lumMod val="75000"/>
+                  </a:schemeClr>
+                </a:solidFill>
+                <a:latin typeface="Roboto Light"/>
+                <a:cs typeface="Roboto Light"/>
+              </a:rPr>
+              <a:t> </a:t>
+            </a:r>
+            <a:r>
+              <a:rPr lang="en-US" dirty="0" err="1" smtClean="0">
+                <a:solidFill>
+                  <a:schemeClr val="tx2">
+                    <a:lumMod val="75000"/>
+                  </a:schemeClr>
+                </a:solidFill>
+                <a:latin typeface="Roboto Light"/>
+                <a:cs typeface="Roboto Light"/>
+              </a:rPr>
+              <a:t>inducida</a:t>
+            </a:r>
+            <a:r>
+              <a:rPr lang="en-US" dirty="0" smtClean="0">
+                <a:solidFill>
+                  <a:schemeClr val="tx2">
+                    <a:lumMod val="75000"/>
+                  </a:schemeClr>
+                </a:solidFill>
+                <a:latin typeface="Roboto Light"/>
+                <a:cs typeface="Roboto Light"/>
+              </a:rPr>
+              <a:t> </a:t>
+            </a:r>
+            <a:r>
+              <a:rPr lang="en-US" dirty="0" err="1" smtClean="0">
+                <a:solidFill>
+                  <a:schemeClr val="tx2">
+                    <a:lumMod val="75000"/>
+                  </a:schemeClr>
+                </a:solidFill>
+                <a:latin typeface="Roboto Light"/>
+                <a:cs typeface="Roboto Light"/>
+              </a:rPr>
+              <a:t>alta</a:t>
+            </a:r>
+            <a:r>
+              <a:rPr lang="en-US" dirty="0" smtClean="0">
+                <a:solidFill>
+                  <a:schemeClr val="tx2">
+                    <a:lumMod val="75000"/>
+                  </a:schemeClr>
+                </a:solidFill>
+                <a:latin typeface="Roboto Light"/>
+                <a:cs typeface="Roboto Light"/>
+              </a:rPr>
+              <a:t>, </a:t>
+            </a:r>
+            <a:r>
+              <a:rPr lang="en-US" dirty="0" err="1" smtClean="0">
+                <a:solidFill>
+                  <a:schemeClr val="tx2">
+                    <a:lumMod val="75000"/>
+                  </a:schemeClr>
+                </a:solidFill>
+                <a:latin typeface="Roboto Light"/>
+                <a:cs typeface="Roboto Light"/>
+              </a:rPr>
+              <a:t>baja</a:t>
+            </a:r>
+            <a:r>
+              <a:rPr lang="en-US" dirty="0" smtClean="0">
+                <a:solidFill>
+                  <a:schemeClr val="tx2">
+                    <a:lumMod val="75000"/>
+                  </a:schemeClr>
+                </a:solidFill>
+                <a:latin typeface="Roboto Light"/>
+                <a:cs typeface="Roboto Light"/>
+              </a:rPr>
+              <a:t> </a:t>
+            </a:r>
+            <a:r>
+              <a:rPr lang="en-US" dirty="0" err="1" smtClean="0">
+                <a:solidFill>
+                  <a:schemeClr val="tx2">
+                    <a:lumMod val="75000"/>
+                  </a:schemeClr>
+                </a:solidFill>
+                <a:latin typeface="Roboto Light"/>
+                <a:cs typeface="Roboto Light"/>
+              </a:rPr>
+              <a:t>impedancia</a:t>
+            </a:r>
+            <a:r>
+              <a:rPr lang="en-US" dirty="0" smtClean="0">
+                <a:solidFill>
+                  <a:schemeClr val="tx2">
+                    <a:lumMod val="75000"/>
+                  </a:schemeClr>
+                </a:solidFill>
+                <a:latin typeface="Roboto Light"/>
+                <a:cs typeface="Roboto Light"/>
+              </a:rPr>
+              <a:t>, </a:t>
+            </a:r>
+            <a:r>
+              <a:rPr lang="en-US" dirty="0" err="1" smtClean="0">
+                <a:solidFill>
+                  <a:schemeClr val="tx2">
+                    <a:lumMod val="75000"/>
+                  </a:schemeClr>
+                </a:solidFill>
+                <a:latin typeface="Roboto Light"/>
+                <a:cs typeface="Roboto Light"/>
+              </a:rPr>
+              <a:t>corriente</a:t>
+            </a:r>
+            <a:r>
+              <a:rPr lang="en-US" dirty="0" smtClean="0">
+                <a:solidFill>
+                  <a:schemeClr val="tx2">
+                    <a:lumMod val="75000"/>
+                  </a:schemeClr>
+                </a:solidFill>
+                <a:latin typeface="Roboto Light"/>
+                <a:cs typeface="Roboto Light"/>
+              </a:rPr>
+              <a:t> I1 hasta 7 </a:t>
+            </a:r>
+            <a:r>
+              <a:rPr lang="en-US" dirty="0" err="1" smtClean="0">
+                <a:solidFill>
+                  <a:schemeClr val="tx2">
+                    <a:lumMod val="75000"/>
+                  </a:schemeClr>
+                </a:solidFill>
+                <a:latin typeface="Roboto Light"/>
+                <a:cs typeface="Roboto Light"/>
+              </a:rPr>
+              <a:t>veces</a:t>
+            </a:r>
+            <a:r>
+              <a:rPr lang="en-US" dirty="0" smtClean="0">
+                <a:solidFill>
+                  <a:schemeClr val="tx2">
+                    <a:lumMod val="75000"/>
+                  </a:schemeClr>
+                </a:solidFill>
+                <a:latin typeface="Roboto Light"/>
+                <a:cs typeface="Roboto Light"/>
+              </a:rPr>
+              <a:t> </a:t>
+            </a:r>
+            <a:r>
+              <a:rPr lang="en-US" dirty="0" err="1" smtClean="0">
+                <a:solidFill>
+                  <a:schemeClr val="tx2">
+                    <a:lumMod val="75000"/>
+                  </a:schemeClr>
+                </a:solidFill>
+                <a:latin typeface="Roboto Light"/>
+                <a:cs typeface="Roboto Light"/>
+              </a:rPr>
+              <a:t>su</a:t>
+            </a:r>
+            <a:r>
+              <a:rPr lang="en-US" dirty="0" smtClean="0">
+                <a:solidFill>
+                  <a:schemeClr val="tx2">
+                    <a:lumMod val="75000"/>
+                  </a:schemeClr>
+                </a:solidFill>
+                <a:latin typeface="Roboto Light"/>
+                <a:cs typeface="Roboto Light"/>
+              </a:rPr>
+              <a:t> valor nominal, </a:t>
+            </a:r>
+            <a:r>
+              <a:rPr lang="en-US" dirty="0" err="1" smtClean="0">
+                <a:solidFill>
+                  <a:schemeClr val="tx2">
+                    <a:lumMod val="75000"/>
+                  </a:schemeClr>
+                </a:solidFill>
+                <a:latin typeface="Roboto Light"/>
+                <a:cs typeface="Roboto Light"/>
+              </a:rPr>
+              <a:t>consecuencias</a:t>
+            </a:r>
+            <a:endParaRPr lang="en-US" dirty="0">
               <a:solidFill>
                 <a:schemeClr val="tx2">
                   <a:lumMod val="75000"/>
@@ -2624,8 +1860,1094 @@
                   <a:schemeClr val="bg1"/>
                 </a:solidFill>
               </a:rPr>
-              <a:t>1</a:t>
-            </a:r>
+              <a:t>9</a:t>
+            </a:r>
+            <a:endParaRPr lang="es-CL" sz="2000" dirty="0">
+              <a:solidFill>
+                <a:schemeClr val="bg1"/>
+              </a:solidFill>
+            </a:endParaRPr>
+          </a:p>
+        </p:txBody>
+      </p:sp>
+      <p:pic>
+        <p:nvPicPr>
+          <p:cNvPr id="13" name="Imagen 12"/>
+          <p:cNvPicPr>
+            <a:picLocks noChangeAspect="1"/>
+          </p:cNvPicPr>
+          <p:nvPr/>
+        </p:nvPicPr>
+        <p:blipFill>
+          <a:blip r:embed="rId2">
+            <a:extLst>
+              <a:ext uri="{28A0092B-C50C-407E-A947-70E740481C1C}">
+                <a14:useLocalDpi xmlns:a14="http://schemas.microsoft.com/office/drawing/2010/main" val="0"/>
+              </a:ext>
+            </a:extLst>
+          </a:blip>
+          <a:stretch>
+            <a:fillRect/>
+          </a:stretch>
+        </p:blipFill>
+        <p:spPr>
+          <a:xfrm>
+            <a:off x="6240435" y="6596185"/>
+            <a:ext cx="2133898" cy="240280"/>
+          </a:xfrm>
+          <a:prstGeom prst="rect">
+            <a:avLst/>
+          </a:prstGeom>
+        </p:spPr>
+      </p:pic>
+      <p:pic>
+        <p:nvPicPr>
+          <p:cNvPr id="2" name="Imagen 1"/>
+          <p:cNvPicPr>
+            <a:picLocks noChangeAspect="1"/>
+          </p:cNvPicPr>
+          <p:nvPr/>
+        </p:nvPicPr>
+        <p:blipFill>
+          <a:blip r:embed="rId3">
+            <a:extLst>
+              <a:ext uri="{28A0092B-C50C-407E-A947-70E740481C1C}">
+                <a14:useLocalDpi xmlns:a14="http://schemas.microsoft.com/office/drawing/2010/main" val="0"/>
+              </a:ext>
+            </a:extLst>
+          </a:blip>
+          <a:stretch>
+            <a:fillRect/>
+          </a:stretch>
+        </p:blipFill>
+        <p:spPr>
+          <a:xfrm>
+            <a:off x="2664919" y="4469207"/>
+            <a:ext cx="3999497" cy="2009050"/>
+          </a:xfrm>
+          <a:prstGeom prst="rect">
+            <a:avLst/>
+          </a:prstGeom>
+        </p:spPr>
+      </p:pic>
+      <p:pic>
+        <p:nvPicPr>
+          <p:cNvPr id="3" name="Imagen 2"/>
+          <p:cNvPicPr>
+            <a:picLocks noChangeAspect="1"/>
+          </p:cNvPicPr>
+          <p:nvPr/>
+        </p:nvPicPr>
+        <p:blipFill>
+          <a:blip r:embed="rId4">
+            <a:extLst>
+              <a:ext uri="{28A0092B-C50C-407E-A947-70E740481C1C}">
+                <a14:useLocalDpi xmlns:a14="http://schemas.microsoft.com/office/drawing/2010/main" val="0"/>
+              </a:ext>
+            </a:extLst>
+          </a:blip>
+          <a:stretch>
+            <a:fillRect/>
+          </a:stretch>
+        </p:blipFill>
+        <p:spPr>
+          <a:xfrm>
+            <a:off x="6882915" y="2533524"/>
+            <a:ext cx="1657581" cy="895475"/>
+          </a:xfrm>
+          <a:prstGeom prst="rect">
+            <a:avLst/>
+          </a:prstGeom>
+        </p:spPr>
+      </p:pic>
+    </p:spTree>
+    <p:extLst>
+      <p:ext uri="{BB962C8B-B14F-4D97-AF65-F5344CB8AC3E}">
+        <p14:creationId xmlns:p14="http://schemas.microsoft.com/office/powerpoint/2010/main" val="1493431287"/>
+      </p:ext>
+    </p:extLst>
+  </p:cSld>
+  <p:clrMapOvr>
+    <a:masterClrMapping/>
+  </p:clrMapOvr>
+  <p:timing>
+    <p:tnLst>
+      <p:par>
+        <p:cTn id="1" dur="indefinite" restart="never" nodeType="tmRoot"/>
+      </p:par>
+    </p:tnLst>
+  </p:timing>
+</p:sld>
+</file>
+
+<file path=ppt/slides/slide11.xml><?xml version="1.0" encoding="utf-8"?>
+<p:sld xmlns:a="http://schemas.openxmlformats.org/drawingml/2006/main" xmlns:r="http://schemas.openxmlformats.org/officeDocument/2006/relationships" xmlns:p="http://schemas.openxmlformats.org/presentationml/2006/main">
+  <p:cSld>
+    <p:spTree>
+      <p:nvGrpSpPr>
+        <p:cNvPr id="1" name=""/>
+        <p:cNvGrpSpPr/>
+        <p:nvPr/>
+      </p:nvGrpSpPr>
+      <p:grpSpPr>
+        <a:xfrm>
+          <a:off x="0" y="0"/>
+          <a:ext cx="0" cy="0"/>
+          <a:chOff x="0" y="0"/>
+          <a:chExt cx="0" cy="0"/>
+        </a:xfrm>
+      </p:grpSpPr>
+      <p:sp>
+        <p:nvSpPr>
+          <p:cNvPr id="4" name="TextBox 3"/>
+          <p:cNvSpPr txBox="1"/>
+          <p:nvPr/>
+        </p:nvSpPr>
+        <p:spPr>
+          <a:xfrm>
+            <a:off x="343616" y="345178"/>
+            <a:ext cx="5311226" cy="830997"/>
+          </a:xfrm>
+          <a:prstGeom prst="rect">
+            <a:avLst/>
+          </a:prstGeom>
+          <a:noFill/>
+        </p:spPr>
+        <p:txBody>
+          <a:bodyPr wrap="square" rtlCol="0">
+            <a:spAutoFit/>
+          </a:bodyPr>
+          <a:lstStyle/>
+          <a:p>
+            <a:r>
+              <a:rPr lang="es-CL" sz="2400" b="1" dirty="0"/>
+              <a:t>Conceptos básicos del motor y su funcionamiento</a:t>
+            </a:r>
+            <a:endParaRPr lang="en-US" sz="2400" b="1" spc="200" dirty="0">
+              <a:solidFill>
+                <a:schemeClr val="accent2">
+                  <a:lumMod val="75000"/>
+                </a:schemeClr>
+              </a:solidFill>
+              <a:latin typeface="Roboto Medium"/>
+              <a:cs typeface="Roboto Medium"/>
+            </a:endParaRPr>
+          </a:p>
+        </p:txBody>
+      </p:sp>
+      <p:sp>
+        <p:nvSpPr>
+          <p:cNvPr id="6" name="TextBox 5"/>
+          <p:cNvSpPr txBox="1"/>
+          <p:nvPr/>
+        </p:nvSpPr>
+        <p:spPr>
+          <a:xfrm>
+            <a:off x="343617" y="1270301"/>
+            <a:ext cx="4890120" cy="2246769"/>
+          </a:xfrm>
+          <a:prstGeom prst="rect">
+            <a:avLst/>
+          </a:prstGeom>
+          <a:noFill/>
+        </p:spPr>
+        <p:txBody>
+          <a:bodyPr wrap="square" rtlCol="0">
+            <a:spAutoFit/>
+          </a:bodyPr>
+          <a:lstStyle/>
+          <a:p>
+            <a:pPr marL="285750" indent="-285750">
+              <a:buFont typeface="Arial"/>
+              <a:buChar char="•"/>
+            </a:pPr>
+            <a:r>
+              <a:rPr lang="it-IT" dirty="0" smtClean="0">
+                <a:solidFill>
+                  <a:schemeClr val="tx2">
+                    <a:lumMod val="75000"/>
+                  </a:schemeClr>
+                </a:solidFill>
+                <a:latin typeface="Roboto Light"/>
+                <a:cs typeface="Roboto Light"/>
+              </a:rPr>
+              <a:t>Curva típica torque en función de la velocidad</a:t>
+            </a:r>
+          </a:p>
+          <a:p>
+            <a:pPr marL="285750" indent="-285750">
+              <a:buFont typeface="Arial"/>
+              <a:buChar char="•"/>
+            </a:pPr>
+            <a:endParaRPr lang="it-IT" sz="1600" dirty="0" smtClean="0">
+              <a:solidFill>
+                <a:schemeClr val="tx2">
+                  <a:lumMod val="75000"/>
+                </a:schemeClr>
+              </a:solidFill>
+              <a:latin typeface="Roboto Light"/>
+              <a:cs typeface="Roboto Light"/>
+            </a:endParaRPr>
+          </a:p>
+          <a:p>
+            <a:pPr marL="285750" indent="-285750">
+              <a:buFont typeface="Arial"/>
+              <a:buChar char="•"/>
+            </a:pPr>
+            <a:r>
+              <a:rPr lang="it-IT" dirty="0" smtClean="0">
+                <a:solidFill>
+                  <a:schemeClr val="tx2">
+                    <a:lumMod val="75000"/>
+                  </a:schemeClr>
+                </a:solidFill>
+                <a:latin typeface="Roboto Light"/>
+                <a:cs typeface="Roboto Light"/>
+              </a:rPr>
+              <a:t>Los devanados del motor presentan nucleo ferromagnético. Curva de histéresis, campo magnético </a:t>
+            </a:r>
+            <a:r>
+              <a:rPr lang="it-IT" i="1" dirty="0" smtClean="0">
+                <a:solidFill>
+                  <a:schemeClr val="tx2">
+                    <a:lumMod val="75000"/>
+                  </a:schemeClr>
+                </a:solidFill>
+                <a:latin typeface="Roboto Light"/>
+                <a:cs typeface="Roboto Light"/>
+              </a:rPr>
+              <a:t>B</a:t>
+            </a:r>
+            <a:r>
+              <a:rPr lang="it-IT" dirty="0" smtClean="0">
+                <a:solidFill>
+                  <a:schemeClr val="tx2">
+                    <a:lumMod val="75000"/>
+                  </a:schemeClr>
+                </a:solidFill>
+                <a:latin typeface="Roboto Light"/>
+                <a:cs typeface="Roboto Light"/>
+              </a:rPr>
+              <a:t> en función de excitación magnética(corriente)</a:t>
+            </a:r>
+            <a:r>
+              <a:rPr lang="it-IT" i="1" dirty="0" smtClean="0">
+                <a:solidFill>
+                  <a:schemeClr val="tx2">
+                    <a:lumMod val="75000"/>
+                  </a:schemeClr>
+                </a:solidFill>
+                <a:latin typeface="Roboto Light"/>
+                <a:cs typeface="Roboto Light"/>
+              </a:rPr>
+              <a:t> H</a:t>
+            </a:r>
+          </a:p>
+          <a:p>
+            <a:pPr marL="285750" indent="-285750">
+              <a:buFont typeface="Arial"/>
+              <a:buChar char="•"/>
+            </a:pPr>
+            <a:endParaRPr lang="it-IT" sz="1600" dirty="0" smtClean="0">
+              <a:solidFill>
+                <a:schemeClr val="tx2">
+                  <a:lumMod val="75000"/>
+                </a:schemeClr>
+              </a:solidFill>
+              <a:latin typeface="Roboto Light"/>
+              <a:cs typeface="Roboto Light"/>
+            </a:endParaRPr>
+          </a:p>
+        </p:txBody>
+      </p:sp>
+      <p:sp>
+        <p:nvSpPr>
+          <p:cNvPr id="10" name="CuadroTexto 9"/>
+          <p:cNvSpPr txBox="1"/>
+          <p:nvPr/>
+        </p:nvSpPr>
+        <p:spPr>
+          <a:xfrm>
+            <a:off x="8540496" y="6522096"/>
+            <a:ext cx="1207008" cy="400110"/>
+          </a:xfrm>
+          <a:prstGeom prst="rect">
+            <a:avLst/>
+          </a:prstGeom>
+          <a:noFill/>
+        </p:spPr>
+        <p:txBody>
+          <a:bodyPr wrap="square" rtlCol="0">
+            <a:spAutoFit/>
+          </a:bodyPr>
+          <a:lstStyle/>
+          <a:p>
+            <a:r>
+              <a:rPr lang="es-CL" sz="2000" dirty="0" smtClean="0">
+                <a:solidFill>
+                  <a:schemeClr val="bg1"/>
+                </a:solidFill>
+              </a:rPr>
+              <a:t>10</a:t>
+            </a:r>
+            <a:endParaRPr lang="es-CL" sz="2000" dirty="0">
+              <a:solidFill>
+                <a:schemeClr val="bg1"/>
+              </a:solidFill>
+            </a:endParaRPr>
+          </a:p>
+        </p:txBody>
+      </p:sp>
+      <p:pic>
+        <p:nvPicPr>
+          <p:cNvPr id="13" name="Imagen 12"/>
+          <p:cNvPicPr>
+            <a:picLocks noChangeAspect="1"/>
+          </p:cNvPicPr>
+          <p:nvPr/>
+        </p:nvPicPr>
+        <p:blipFill>
+          <a:blip r:embed="rId2">
+            <a:extLst>
+              <a:ext uri="{28A0092B-C50C-407E-A947-70E740481C1C}">
+                <a14:useLocalDpi xmlns:a14="http://schemas.microsoft.com/office/drawing/2010/main" val="0"/>
+              </a:ext>
+            </a:extLst>
+          </a:blip>
+          <a:stretch>
+            <a:fillRect/>
+          </a:stretch>
+        </p:blipFill>
+        <p:spPr>
+          <a:xfrm>
+            <a:off x="6240435" y="6596185"/>
+            <a:ext cx="2133898" cy="240280"/>
+          </a:xfrm>
+          <a:prstGeom prst="rect">
+            <a:avLst/>
+          </a:prstGeom>
+        </p:spPr>
+      </p:pic>
+      <p:pic>
+        <p:nvPicPr>
+          <p:cNvPr id="2" name="Imagen 1"/>
+          <p:cNvPicPr>
+            <a:picLocks noChangeAspect="1"/>
+          </p:cNvPicPr>
+          <p:nvPr/>
+        </p:nvPicPr>
+        <p:blipFill>
+          <a:blip r:embed="rId3">
+            <a:extLst>
+              <a:ext uri="{28A0092B-C50C-407E-A947-70E740481C1C}">
+                <a14:useLocalDpi xmlns:a14="http://schemas.microsoft.com/office/drawing/2010/main" val="0"/>
+              </a:ext>
+            </a:extLst>
+          </a:blip>
+          <a:stretch>
+            <a:fillRect/>
+          </a:stretch>
+        </p:blipFill>
+        <p:spPr>
+          <a:xfrm>
+            <a:off x="5474369" y="1408345"/>
+            <a:ext cx="4032855" cy="3271939"/>
+          </a:xfrm>
+          <a:prstGeom prst="rect">
+            <a:avLst/>
+          </a:prstGeom>
+        </p:spPr>
+      </p:pic>
+      <p:pic>
+        <p:nvPicPr>
+          <p:cNvPr id="3" name="Imagen 2"/>
+          <p:cNvPicPr>
+            <a:picLocks noChangeAspect="1"/>
+          </p:cNvPicPr>
+          <p:nvPr/>
+        </p:nvPicPr>
+        <p:blipFill>
+          <a:blip r:embed="rId4">
+            <a:extLst>
+              <a:ext uri="{28A0092B-C50C-407E-A947-70E740481C1C}">
+                <a14:useLocalDpi xmlns:a14="http://schemas.microsoft.com/office/drawing/2010/main" val="0"/>
+              </a:ext>
+            </a:extLst>
+          </a:blip>
+          <a:stretch>
+            <a:fillRect/>
+          </a:stretch>
+        </p:blipFill>
+        <p:spPr>
+          <a:xfrm>
+            <a:off x="970547" y="3517070"/>
+            <a:ext cx="3352800" cy="2686050"/>
+          </a:xfrm>
+          <a:prstGeom prst="rect">
+            <a:avLst/>
+          </a:prstGeom>
+        </p:spPr>
+      </p:pic>
+    </p:spTree>
+    <p:extLst>
+      <p:ext uri="{BB962C8B-B14F-4D97-AF65-F5344CB8AC3E}">
+        <p14:creationId xmlns:p14="http://schemas.microsoft.com/office/powerpoint/2010/main" val="1028284026"/>
+      </p:ext>
+    </p:extLst>
+  </p:cSld>
+  <p:clrMapOvr>
+    <a:masterClrMapping/>
+  </p:clrMapOvr>
+  <p:timing>
+    <p:tnLst>
+      <p:par>
+        <p:cTn id="1" dur="indefinite" restart="never" nodeType="tmRoot"/>
+      </p:par>
+    </p:tnLst>
+  </p:timing>
+</p:sld>
+</file>
+
+<file path=ppt/slides/slide12.xml><?xml version="1.0" encoding="utf-8"?>
+<p:sld xmlns:a="http://schemas.openxmlformats.org/drawingml/2006/main" xmlns:r="http://schemas.openxmlformats.org/officeDocument/2006/relationships" xmlns:p="http://schemas.openxmlformats.org/presentationml/2006/main">
+  <p:cSld>
+    <p:spTree>
+      <p:nvGrpSpPr>
+        <p:cNvPr id="1" name=""/>
+        <p:cNvGrpSpPr/>
+        <p:nvPr/>
+      </p:nvGrpSpPr>
+      <p:grpSpPr>
+        <a:xfrm>
+          <a:off x="0" y="0"/>
+          <a:ext cx="0" cy="0"/>
+          <a:chOff x="0" y="0"/>
+          <a:chExt cx="0" cy="0"/>
+        </a:xfrm>
+      </p:grpSpPr>
+      <p:sp>
+        <p:nvSpPr>
+          <p:cNvPr id="4" name="TextBox 3"/>
+          <p:cNvSpPr txBox="1"/>
+          <p:nvPr/>
+        </p:nvSpPr>
+        <p:spPr>
+          <a:xfrm>
+            <a:off x="-457351" y="442303"/>
+            <a:ext cx="5639007" cy="830997"/>
+          </a:xfrm>
+          <a:prstGeom prst="rect">
+            <a:avLst/>
+          </a:prstGeom>
+          <a:noFill/>
+        </p:spPr>
+        <p:txBody>
+          <a:bodyPr wrap="square" rtlCol="0">
+            <a:spAutoFit/>
+          </a:bodyPr>
+          <a:lstStyle/>
+          <a:p>
+            <a:pPr lvl="2"/>
+            <a:r>
+              <a:rPr lang="es-CL" sz="2400" b="1" dirty="0"/>
+              <a:t>Fallas más comunes en el motor de inducción</a:t>
+            </a:r>
+          </a:p>
+        </p:txBody>
+      </p:sp>
+      <p:sp>
+        <p:nvSpPr>
+          <p:cNvPr id="6" name="TextBox 5"/>
+          <p:cNvSpPr txBox="1"/>
+          <p:nvPr/>
+        </p:nvSpPr>
+        <p:spPr>
+          <a:xfrm>
+            <a:off x="554299" y="1414107"/>
+            <a:ext cx="8096406" cy="4801314"/>
+          </a:xfrm>
+          <a:prstGeom prst="rect">
+            <a:avLst/>
+          </a:prstGeom>
+          <a:noFill/>
+        </p:spPr>
+        <p:txBody>
+          <a:bodyPr wrap="square" rtlCol="0">
+            <a:spAutoFit/>
+          </a:bodyPr>
+          <a:lstStyle/>
+          <a:p>
+            <a:pPr marL="285750" indent="-285750">
+              <a:buFont typeface="Arial"/>
+              <a:buChar char="•"/>
+            </a:pPr>
+            <a:r>
+              <a:rPr lang="es-CL" dirty="0">
+                <a:solidFill>
+                  <a:schemeClr val="tx2">
+                    <a:lumMod val="75000"/>
+                  </a:schemeClr>
+                </a:solidFill>
+                <a:latin typeface="Roboto Light"/>
+              </a:rPr>
+              <a:t>40 % de los fallos </a:t>
+            </a:r>
+            <a:r>
+              <a:rPr lang="es-CL" dirty="0" smtClean="0">
+                <a:solidFill>
+                  <a:schemeClr val="tx2">
+                    <a:lumMod val="75000"/>
+                  </a:schemeClr>
+                </a:solidFill>
+                <a:latin typeface="Roboto Light"/>
+              </a:rPr>
+              <a:t>corresponde </a:t>
+            </a:r>
+            <a:r>
+              <a:rPr lang="es-CL" dirty="0">
+                <a:solidFill>
+                  <a:schemeClr val="tx2">
+                    <a:lumMod val="75000"/>
+                  </a:schemeClr>
+                </a:solidFill>
+                <a:latin typeface="Roboto Light"/>
+              </a:rPr>
+              <a:t>a anormalidades en los </a:t>
+            </a:r>
+            <a:r>
+              <a:rPr lang="es-CL" dirty="0" smtClean="0">
+                <a:solidFill>
+                  <a:schemeClr val="tx2">
+                    <a:lumMod val="75000"/>
+                  </a:schemeClr>
+                </a:solidFill>
+                <a:latin typeface="Roboto Light"/>
+              </a:rPr>
+              <a:t>rodamientos</a:t>
+            </a:r>
+            <a:br>
+              <a:rPr lang="es-CL" dirty="0" smtClean="0">
+                <a:solidFill>
+                  <a:schemeClr val="tx2">
+                    <a:lumMod val="75000"/>
+                  </a:schemeClr>
+                </a:solidFill>
+                <a:latin typeface="Roboto Light"/>
+              </a:rPr>
+            </a:br>
+            <a:r>
+              <a:rPr lang="es-CL" dirty="0" smtClean="0">
+                <a:solidFill>
+                  <a:schemeClr val="tx2">
+                    <a:lumMod val="75000"/>
+                  </a:schemeClr>
+                </a:solidFill>
+                <a:latin typeface="Roboto Light"/>
+              </a:rPr>
+              <a:t>-Evolución lenta, detección anticipada para evitar daños irreversibles</a:t>
+            </a:r>
+          </a:p>
+          <a:p>
+            <a:pPr marL="285750" indent="-285750">
+              <a:buFont typeface="Arial"/>
+              <a:buChar char="•"/>
+            </a:pPr>
+            <a:endParaRPr lang="it-IT" dirty="0" smtClean="0">
+              <a:solidFill>
+                <a:schemeClr val="tx2">
+                  <a:lumMod val="75000"/>
+                </a:schemeClr>
+              </a:solidFill>
+              <a:latin typeface="Roboto Light"/>
+              <a:cs typeface="Roboto Light"/>
+            </a:endParaRPr>
+          </a:p>
+          <a:p>
+            <a:pPr marL="285750" indent="-285750">
+              <a:buFont typeface="Arial"/>
+              <a:buChar char="•"/>
+            </a:pPr>
+            <a:r>
+              <a:rPr lang="es-CL" dirty="0" smtClean="0">
+                <a:solidFill>
+                  <a:schemeClr val="tx2">
+                    <a:lumMod val="75000"/>
+                  </a:schemeClr>
+                </a:solidFill>
+                <a:latin typeface="Roboto Light"/>
+              </a:rPr>
+              <a:t>40 </a:t>
+            </a:r>
+            <a:r>
+              <a:rPr lang="es-CL" dirty="0">
+                <a:solidFill>
+                  <a:schemeClr val="tx2">
+                    <a:lumMod val="75000"/>
+                  </a:schemeClr>
+                </a:solidFill>
+                <a:latin typeface="Roboto Light"/>
+              </a:rPr>
+              <a:t>% </a:t>
+            </a:r>
+            <a:r>
+              <a:rPr lang="es-CL" dirty="0" smtClean="0">
+                <a:solidFill>
+                  <a:schemeClr val="tx2">
+                    <a:lumMod val="75000"/>
+                  </a:schemeClr>
+                </a:solidFill>
+                <a:latin typeface="Roboto Light"/>
+              </a:rPr>
+              <a:t> </a:t>
+            </a:r>
+            <a:r>
+              <a:rPr lang="es-CL" dirty="0">
+                <a:solidFill>
+                  <a:schemeClr val="tx2">
+                    <a:lumMod val="75000"/>
+                  </a:schemeClr>
+                </a:solidFill>
+                <a:latin typeface="Roboto Light"/>
+              </a:rPr>
+              <a:t>fallos en el </a:t>
+            </a:r>
+            <a:r>
+              <a:rPr lang="es-CL" dirty="0" smtClean="0">
+                <a:solidFill>
+                  <a:schemeClr val="tx2">
+                    <a:lumMod val="75000"/>
+                  </a:schemeClr>
+                </a:solidFill>
+                <a:latin typeface="Roboto Light"/>
+              </a:rPr>
+              <a:t>estator, perdida de aislación</a:t>
+            </a:r>
+            <a:br>
+              <a:rPr lang="es-CL" dirty="0" smtClean="0">
+                <a:solidFill>
+                  <a:schemeClr val="tx2">
+                    <a:lumMod val="75000"/>
+                  </a:schemeClr>
+                </a:solidFill>
+                <a:latin typeface="Roboto Light"/>
+              </a:rPr>
+            </a:br>
+            <a:r>
+              <a:rPr lang="es-CL" dirty="0" smtClean="0">
+                <a:solidFill>
+                  <a:schemeClr val="tx2">
+                    <a:lumMod val="75000"/>
+                  </a:schemeClr>
+                </a:solidFill>
+                <a:latin typeface="Roboto Light"/>
+              </a:rPr>
+              <a:t>-Contacto conductores del estator y carcasa</a:t>
+            </a:r>
+            <a:br>
+              <a:rPr lang="es-CL" dirty="0" smtClean="0">
+                <a:solidFill>
+                  <a:schemeClr val="tx2">
+                    <a:lumMod val="75000"/>
+                  </a:schemeClr>
+                </a:solidFill>
+                <a:latin typeface="Roboto Light"/>
+              </a:rPr>
+            </a:br>
+            <a:r>
+              <a:rPr lang="es-CL" dirty="0" smtClean="0">
+                <a:solidFill>
+                  <a:schemeClr val="tx2">
+                    <a:lumMod val="75000"/>
+                  </a:schemeClr>
+                </a:solidFill>
+                <a:latin typeface="Roboto Light"/>
+              </a:rPr>
+              <a:t>-Fallos entre espiras de una misma bobina</a:t>
+            </a:r>
+            <a:br>
+              <a:rPr lang="es-CL" dirty="0" smtClean="0">
+                <a:solidFill>
+                  <a:schemeClr val="tx2">
+                    <a:lumMod val="75000"/>
+                  </a:schemeClr>
+                </a:solidFill>
+                <a:latin typeface="Roboto Light"/>
+              </a:rPr>
+            </a:br>
+            <a:r>
+              <a:rPr lang="es-CL" dirty="0" smtClean="0">
+                <a:solidFill>
+                  <a:schemeClr val="tx2">
+                    <a:lumMod val="75000"/>
+                  </a:schemeClr>
+                </a:solidFill>
+                <a:latin typeface="Roboto Light"/>
+              </a:rPr>
+              <a:t>-Entre bobinas de una misma fase</a:t>
+            </a:r>
+            <a:br>
+              <a:rPr lang="es-CL" dirty="0" smtClean="0">
+                <a:solidFill>
+                  <a:schemeClr val="tx2">
+                    <a:lumMod val="75000"/>
+                  </a:schemeClr>
+                </a:solidFill>
+                <a:latin typeface="Roboto Light"/>
+              </a:rPr>
+            </a:br>
+            <a:r>
+              <a:rPr lang="es-CL" dirty="0" smtClean="0">
+                <a:solidFill>
+                  <a:schemeClr val="tx2">
+                    <a:lumMod val="75000"/>
+                  </a:schemeClr>
+                </a:solidFill>
+                <a:latin typeface="Roboto Light"/>
+              </a:rPr>
+              <a:t>-Entre bobinas de diferentes fases</a:t>
+            </a:r>
+            <a:br>
+              <a:rPr lang="es-CL" dirty="0" smtClean="0">
+                <a:solidFill>
+                  <a:schemeClr val="tx2">
+                    <a:lumMod val="75000"/>
+                  </a:schemeClr>
+                </a:solidFill>
+                <a:latin typeface="Roboto Light"/>
+              </a:rPr>
+            </a:br>
+            <a:r>
+              <a:rPr lang="es-CL" dirty="0" smtClean="0">
+                <a:solidFill>
+                  <a:schemeClr val="tx2">
+                    <a:lumMod val="75000"/>
+                  </a:schemeClr>
+                </a:solidFill>
+                <a:latin typeface="Roboto Light"/>
+              </a:rPr>
+              <a:t>-Evolución rápida</a:t>
+            </a:r>
+          </a:p>
+          <a:p>
+            <a:endParaRPr lang="es-CL" dirty="0" smtClean="0">
+              <a:solidFill>
+                <a:schemeClr val="tx2">
+                  <a:lumMod val="75000"/>
+                </a:schemeClr>
+              </a:solidFill>
+              <a:latin typeface="Roboto Light"/>
+            </a:endParaRPr>
+          </a:p>
+          <a:p>
+            <a:pPr marL="285750" indent="-285750">
+              <a:buFont typeface="Arial"/>
+              <a:buChar char="•"/>
+            </a:pPr>
+            <a:r>
+              <a:rPr lang="es-CL" dirty="0">
+                <a:solidFill>
+                  <a:schemeClr val="tx2">
+                    <a:lumMod val="75000"/>
+                  </a:schemeClr>
+                </a:solidFill>
+                <a:latin typeface="Roboto Light"/>
+              </a:rPr>
+              <a:t>10 % aproximadamente corresponden a fallos en el </a:t>
+            </a:r>
+            <a:r>
+              <a:rPr lang="es-CL" dirty="0" smtClean="0">
+                <a:solidFill>
+                  <a:schemeClr val="tx2">
+                    <a:lumMod val="75000"/>
+                  </a:schemeClr>
+                </a:solidFill>
+                <a:latin typeface="Roboto Light"/>
+              </a:rPr>
+              <a:t>rotor</a:t>
+            </a:r>
+            <a:br>
+              <a:rPr lang="es-CL" dirty="0" smtClean="0">
+                <a:solidFill>
+                  <a:schemeClr val="tx2">
+                    <a:lumMod val="75000"/>
+                  </a:schemeClr>
+                </a:solidFill>
+                <a:latin typeface="Roboto Light"/>
+              </a:rPr>
+            </a:br>
+            <a:r>
+              <a:rPr lang="es-CL" dirty="0" smtClean="0">
+                <a:solidFill>
+                  <a:schemeClr val="tx2">
+                    <a:lumMod val="75000"/>
+                  </a:schemeClr>
+                </a:solidFill>
+                <a:latin typeface="Roboto Light"/>
+              </a:rPr>
+              <a:t>-</a:t>
+            </a:r>
+            <a:r>
+              <a:rPr lang="es-CL" dirty="0">
+                <a:solidFill>
+                  <a:schemeClr val="tx2">
+                    <a:lumMod val="75000"/>
+                  </a:schemeClr>
+                </a:solidFill>
+                <a:latin typeface="Roboto Light"/>
+              </a:rPr>
+              <a:t>F</a:t>
+            </a:r>
+            <a:r>
+              <a:rPr lang="es-CL" dirty="0" smtClean="0">
+                <a:solidFill>
+                  <a:schemeClr val="tx2">
+                    <a:lumMod val="75000"/>
+                  </a:schemeClr>
+                </a:solidFill>
+                <a:latin typeface="Roboto Light"/>
+              </a:rPr>
+              <a:t>allos </a:t>
+            </a:r>
+            <a:r>
+              <a:rPr lang="es-CL" dirty="0">
+                <a:solidFill>
+                  <a:schemeClr val="tx2">
+                    <a:lumMod val="75000"/>
+                  </a:schemeClr>
+                </a:solidFill>
+                <a:latin typeface="Roboto Light"/>
+              </a:rPr>
+              <a:t>en las barras o anillos de cortocircuito del rotor generalmente consisten en fracturas o </a:t>
+            </a:r>
+            <a:r>
+              <a:rPr lang="es-CL" dirty="0" smtClean="0">
+                <a:solidFill>
+                  <a:schemeClr val="tx2">
+                    <a:lumMod val="75000"/>
+                  </a:schemeClr>
+                </a:solidFill>
+                <a:latin typeface="Roboto Light"/>
+              </a:rPr>
+              <a:t>fisuras</a:t>
+            </a:r>
+            <a:br>
+              <a:rPr lang="es-CL" dirty="0" smtClean="0">
+                <a:solidFill>
+                  <a:schemeClr val="tx2">
+                    <a:lumMod val="75000"/>
+                  </a:schemeClr>
+                </a:solidFill>
+                <a:latin typeface="Roboto Light"/>
+              </a:rPr>
+            </a:br>
+            <a:r>
+              <a:rPr lang="es-CL" dirty="0" smtClean="0">
+                <a:solidFill>
+                  <a:schemeClr val="tx2">
+                    <a:lumMod val="75000"/>
+                  </a:schemeClr>
+                </a:solidFill>
+                <a:latin typeface="Roboto Light"/>
+              </a:rPr>
+              <a:t>-Evolución lenta</a:t>
+            </a:r>
+          </a:p>
+          <a:p>
+            <a:pPr marL="285750" indent="-285750">
+              <a:buFont typeface="Arial"/>
+              <a:buChar char="•"/>
+            </a:pPr>
+            <a:endParaRPr lang="es-CL" dirty="0" smtClean="0">
+              <a:solidFill>
+                <a:schemeClr val="tx2">
+                  <a:lumMod val="75000"/>
+                </a:schemeClr>
+              </a:solidFill>
+              <a:latin typeface="Roboto Light"/>
+            </a:endParaRPr>
+          </a:p>
+          <a:p>
+            <a:pPr marL="285750" indent="-285750">
+              <a:buFont typeface="Arial"/>
+              <a:buChar char="•"/>
+            </a:pPr>
+            <a:r>
+              <a:rPr lang="en-US" dirty="0" smtClean="0">
+                <a:solidFill>
+                  <a:schemeClr val="tx2">
+                    <a:lumMod val="75000"/>
+                  </a:schemeClr>
+                </a:solidFill>
+                <a:latin typeface="Roboto Light"/>
+              </a:rPr>
+              <a:t>El </a:t>
+            </a:r>
+            <a:r>
+              <a:rPr lang="en-US" dirty="0" err="1" smtClean="0">
+                <a:solidFill>
+                  <a:schemeClr val="tx2">
+                    <a:lumMod val="75000"/>
+                  </a:schemeClr>
+                </a:solidFill>
+                <a:latin typeface="Roboto Light"/>
+              </a:rPr>
+              <a:t>resto</a:t>
+            </a:r>
+            <a:r>
+              <a:rPr lang="en-US" dirty="0" smtClean="0">
+                <a:solidFill>
+                  <a:schemeClr val="tx2">
+                    <a:lumMod val="75000"/>
+                  </a:schemeClr>
+                </a:solidFill>
+                <a:latin typeface="Roboto Light"/>
+              </a:rPr>
+              <a:t> de los </a:t>
+            </a:r>
+            <a:r>
+              <a:rPr lang="en-US" dirty="0" err="1" smtClean="0">
+                <a:solidFill>
+                  <a:schemeClr val="tx2">
+                    <a:lumMod val="75000"/>
+                  </a:schemeClr>
+                </a:solidFill>
+                <a:latin typeface="Roboto Light"/>
+              </a:rPr>
+              <a:t>casos</a:t>
+            </a:r>
+            <a:r>
+              <a:rPr lang="en-US" dirty="0" smtClean="0">
+                <a:solidFill>
+                  <a:schemeClr val="tx2">
+                    <a:lumMod val="75000"/>
+                  </a:schemeClr>
+                </a:solidFill>
+                <a:latin typeface="Roboto Light"/>
+              </a:rPr>
+              <a:t> se </a:t>
+            </a:r>
+            <a:r>
+              <a:rPr lang="en-US" dirty="0" err="1" smtClean="0">
+                <a:solidFill>
+                  <a:schemeClr val="tx2">
+                    <a:lumMod val="75000"/>
+                  </a:schemeClr>
+                </a:solidFill>
+                <a:latin typeface="Roboto Light"/>
+              </a:rPr>
+              <a:t>distribuyen</a:t>
+            </a:r>
+            <a:r>
+              <a:rPr lang="en-US" dirty="0" smtClean="0">
+                <a:solidFill>
+                  <a:schemeClr val="tx2">
+                    <a:lumMod val="75000"/>
+                  </a:schemeClr>
+                </a:solidFill>
+                <a:latin typeface="Roboto Light"/>
+              </a:rPr>
+              <a:t> en gran </a:t>
+            </a:r>
+            <a:r>
+              <a:rPr lang="en-US" dirty="0" err="1" smtClean="0">
+                <a:solidFill>
+                  <a:schemeClr val="tx2">
+                    <a:lumMod val="75000"/>
+                  </a:schemeClr>
+                </a:solidFill>
+                <a:latin typeface="Roboto Light"/>
+              </a:rPr>
+              <a:t>variedad</a:t>
+            </a:r>
+            <a:r>
+              <a:rPr lang="en-US" dirty="0" smtClean="0">
+                <a:solidFill>
+                  <a:schemeClr val="tx2">
+                    <a:lumMod val="75000"/>
+                  </a:schemeClr>
+                </a:solidFill>
+                <a:latin typeface="Roboto Light"/>
+              </a:rPr>
+              <a:t> de </a:t>
+            </a:r>
+            <a:r>
+              <a:rPr lang="en-US" dirty="0" err="1" smtClean="0">
+                <a:solidFill>
+                  <a:schemeClr val="tx2">
+                    <a:lumMod val="75000"/>
+                  </a:schemeClr>
+                </a:solidFill>
+                <a:latin typeface="Roboto Light"/>
+              </a:rPr>
+              <a:t>fallos</a:t>
+            </a:r>
+            <a:r>
+              <a:rPr lang="en-US" dirty="0">
+                <a:solidFill>
+                  <a:schemeClr val="tx2">
+                    <a:lumMod val="75000"/>
+                  </a:schemeClr>
+                </a:solidFill>
+                <a:latin typeface="Roboto Light"/>
+              </a:rPr>
+              <a:t/>
+            </a:r>
+            <a:br>
+              <a:rPr lang="en-US" dirty="0">
+                <a:solidFill>
+                  <a:schemeClr val="tx2">
+                    <a:lumMod val="75000"/>
+                  </a:schemeClr>
+                </a:solidFill>
+                <a:latin typeface="Roboto Light"/>
+              </a:rPr>
+            </a:br>
+            <a:endParaRPr lang="es-CL" dirty="0" smtClean="0">
+              <a:solidFill>
+                <a:schemeClr val="tx2">
+                  <a:lumMod val="75000"/>
+                </a:schemeClr>
+              </a:solidFill>
+              <a:latin typeface="Roboto Light"/>
+            </a:endParaRPr>
+          </a:p>
+        </p:txBody>
+      </p:sp>
+      <p:sp>
+        <p:nvSpPr>
+          <p:cNvPr id="10" name="CuadroTexto 9"/>
+          <p:cNvSpPr txBox="1"/>
+          <p:nvPr/>
+        </p:nvSpPr>
+        <p:spPr>
+          <a:xfrm>
+            <a:off x="8540496" y="6522096"/>
+            <a:ext cx="1207008" cy="400110"/>
+          </a:xfrm>
+          <a:prstGeom prst="rect">
+            <a:avLst/>
+          </a:prstGeom>
+          <a:noFill/>
+        </p:spPr>
+        <p:txBody>
+          <a:bodyPr wrap="square" rtlCol="0">
+            <a:spAutoFit/>
+          </a:bodyPr>
+          <a:lstStyle/>
+          <a:p>
+            <a:r>
+              <a:rPr lang="es-CL" sz="2000" dirty="0" smtClean="0">
+                <a:solidFill>
+                  <a:schemeClr val="bg1"/>
+                </a:solidFill>
+              </a:rPr>
+              <a:t>11</a:t>
+            </a:r>
+            <a:endParaRPr lang="es-CL" sz="2000" dirty="0">
+              <a:solidFill>
+                <a:schemeClr val="bg1"/>
+              </a:solidFill>
+            </a:endParaRPr>
           </a:p>
         </p:txBody>
       </p:sp>
@@ -2662,7 +2984,6906 @@
     </p:spTree>
     <p:extLst>
       <p:ext uri="{BB962C8B-B14F-4D97-AF65-F5344CB8AC3E}">
+        <p14:creationId xmlns:p14="http://schemas.microsoft.com/office/powerpoint/2010/main" val="2455442582"/>
+      </p:ext>
+    </p:extLst>
+  </p:cSld>
+  <p:clrMapOvr>
+    <a:masterClrMapping/>
+  </p:clrMapOvr>
+  <p:timing>
+    <p:tnLst>
+      <p:par>
+        <p:cTn id="1" dur="indefinite" restart="never" nodeType="tmRoot"/>
+      </p:par>
+    </p:tnLst>
+  </p:timing>
+</p:sld>
+</file>
+
+<file path=ppt/slides/slide13.xml><?xml version="1.0" encoding="utf-8"?>
+<p:sld xmlns:a="http://schemas.openxmlformats.org/drawingml/2006/main" xmlns:r="http://schemas.openxmlformats.org/officeDocument/2006/relationships" xmlns:p="http://schemas.openxmlformats.org/presentationml/2006/main">
+  <p:cSld>
+    <p:spTree>
+      <p:nvGrpSpPr>
+        <p:cNvPr id="1" name=""/>
+        <p:cNvGrpSpPr/>
+        <p:nvPr/>
+      </p:nvGrpSpPr>
+      <p:grpSpPr>
+        <a:xfrm>
+          <a:off x="0" y="0"/>
+          <a:ext cx="0" cy="0"/>
+          <a:chOff x="0" y="0"/>
+          <a:chExt cx="0" cy="0"/>
+        </a:xfrm>
+      </p:grpSpPr>
+      <p:sp>
+        <p:nvSpPr>
+          <p:cNvPr id="4" name="TextBox 3"/>
+          <p:cNvSpPr txBox="1"/>
+          <p:nvPr/>
+        </p:nvSpPr>
+        <p:spPr>
+          <a:xfrm>
+            <a:off x="-409225" y="358114"/>
+            <a:ext cx="7098783" cy="830997"/>
+          </a:xfrm>
+          <a:prstGeom prst="rect">
+            <a:avLst/>
+          </a:prstGeom>
+          <a:noFill/>
+        </p:spPr>
+        <p:txBody>
+          <a:bodyPr wrap="square" rtlCol="0">
+            <a:spAutoFit/>
+          </a:bodyPr>
+          <a:lstStyle/>
+          <a:p>
+            <a:pPr lvl="2"/>
+            <a:r>
+              <a:rPr lang="es-CL" sz="2400" b="1" dirty="0"/>
+              <a:t>Efecto de la presencia de armónicos en el motor de inducción</a:t>
+            </a:r>
+            <a:endParaRPr lang="es-CL" sz="2400" b="1" dirty="0"/>
+          </a:p>
+        </p:txBody>
+      </p:sp>
+      <p:sp>
+        <p:nvSpPr>
+          <p:cNvPr id="6" name="TextBox 5"/>
+          <p:cNvSpPr txBox="1"/>
+          <p:nvPr/>
+        </p:nvSpPr>
+        <p:spPr>
+          <a:xfrm>
+            <a:off x="668357" y="1570518"/>
+            <a:ext cx="6639027" cy="3693319"/>
+          </a:xfrm>
+          <a:prstGeom prst="rect">
+            <a:avLst/>
+          </a:prstGeom>
+          <a:noFill/>
+        </p:spPr>
+        <p:txBody>
+          <a:bodyPr wrap="square" rtlCol="0">
+            <a:spAutoFit/>
+          </a:bodyPr>
+          <a:lstStyle/>
+          <a:p>
+            <a:pPr marL="285750" indent="-285750">
+              <a:buFont typeface="Arial"/>
+              <a:buChar char="•"/>
+            </a:pPr>
+            <a:r>
+              <a:rPr lang="es-CL" dirty="0">
+                <a:solidFill>
+                  <a:schemeClr val="tx2">
+                    <a:lumMod val="75000"/>
+                  </a:schemeClr>
+                </a:solidFill>
+                <a:latin typeface="Roboto Light"/>
+              </a:rPr>
+              <a:t>A</a:t>
+            </a:r>
+            <a:r>
+              <a:rPr lang="es-CL" dirty="0" smtClean="0">
+                <a:solidFill>
+                  <a:schemeClr val="tx2">
+                    <a:lumMod val="75000"/>
+                  </a:schemeClr>
+                </a:solidFill>
+                <a:latin typeface="Roboto Light"/>
+              </a:rPr>
+              <a:t>umento </a:t>
+            </a:r>
+            <a:r>
+              <a:rPr lang="es-CL" dirty="0">
+                <a:solidFill>
+                  <a:schemeClr val="tx2">
+                    <a:lumMod val="75000"/>
+                  </a:schemeClr>
+                </a:solidFill>
+                <a:latin typeface="Roboto Light"/>
+              </a:rPr>
+              <a:t>de la temperatura de operación, debido al aumento de las pérdidas en el fierro y en el </a:t>
+            </a:r>
+            <a:r>
+              <a:rPr lang="es-CL" dirty="0" smtClean="0">
+                <a:solidFill>
+                  <a:schemeClr val="tx2">
+                    <a:lumMod val="75000"/>
+                  </a:schemeClr>
+                </a:solidFill>
+                <a:latin typeface="Roboto Light"/>
+              </a:rPr>
+              <a:t>cobre</a:t>
+            </a:r>
+          </a:p>
+          <a:p>
+            <a:pPr marL="285750" indent="-285750">
+              <a:buFont typeface="Arial"/>
+              <a:buChar char="•"/>
+            </a:pPr>
+            <a:endParaRPr lang="es-CL" dirty="0" smtClean="0">
+              <a:solidFill>
+                <a:schemeClr val="tx2">
+                  <a:lumMod val="75000"/>
+                </a:schemeClr>
+              </a:solidFill>
+              <a:latin typeface="Roboto Light"/>
+            </a:endParaRPr>
+          </a:p>
+          <a:p>
+            <a:pPr marL="285750" indent="-285750">
+              <a:buFont typeface="Arial"/>
+              <a:buChar char="•"/>
+            </a:pPr>
+            <a:endParaRPr lang="it-IT" dirty="0" smtClean="0">
+              <a:solidFill>
+                <a:schemeClr val="tx2">
+                  <a:lumMod val="75000"/>
+                </a:schemeClr>
+              </a:solidFill>
+              <a:latin typeface="Roboto Light"/>
+              <a:cs typeface="Roboto Light"/>
+            </a:endParaRPr>
+          </a:p>
+          <a:p>
+            <a:pPr marL="285750" indent="-285750">
+              <a:buFont typeface="Arial"/>
+              <a:buChar char="•"/>
+            </a:pPr>
+            <a:r>
+              <a:rPr lang="es-CL" dirty="0">
+                <a:solidFill>
+                  <a:schemeClr val="tx2">
+                    <a:lumMod val="75000"/>
+                  </a:schemeClr>
+                </a:solidFill>
+                <a:latin typeface="Roboto Light"/>
+              </a:rPr>
+              <a:t>A</a:t>
+            </a:r>
+            <a:r>
+              <a:rPr lang="es-CL" dirty="0" smtClean="0">
+                <a:solidFill>
+                  <a:schemeClr val="tx2">
+                    <a:lumMod val="75000"/>
+                  </a:schemeClr>
+                </a:solidFill>
+                <a:latin typeface="Roboto Light"/>
+              </a:rPr>
+              <a:t>fectan </a:t>
+            </a:r>
+            <a:r>
+              <a:rPr lang="es-CL" dirty="0">
+                <a:solidFill>
+                  <a:schemeClr val="tx2">
+                    <a:lumMod val="75000"/>
+                  </a:schemeClr>
+                </a:solidFill>
+                <a:latin typeface="Roboto Light"/>
+              </a:rPr>
+              <a:t>el torque de la máquina, pudiendo generar ruido </a:t>
+            </a:r>
+            <a:r>
+              <a:rPr lang="es-CL" dirty="0" smtClean="0">
+                <a:solidFill>
+                  <a:schemeClr val="tx2">
+                    <a:lumMod val="75000"/>
+                  </a:schemeClr>
+                </a:solidFill>
+                <a:latin typeface="Roboto Light"/>
+              </a:rPr>
+              <a:t>audible, </a:t>
+            </a:r>
+            <a:r>
+              <a:rPr lang="es-CL" dirty="0">
+                <a:solidFill>
+                  <a:schemeClr val="tx2">
+                    <a:lumMod val="75000"/>
+                  </a:schemeClr>
+                </a:solidFill>
+                <a:latin typeface="Roboto Light"/>
+              </a:rPr>
+              <a:t>puede ocasionar pulsaciones de torque, fatiga de material y hasta resonancias mecánicas de la </a:t>
+            </a:r>
+            <a:r>
+              <a:rPr lang="es-CL" dirty="0" smtClean="0">
+                <a:solidFill>
+                  <a:schemeClr val="tx2">
+                    <a:lumMod val="75000"/>
+                  </a:schemeClr>
+                </a:solidFill>
+                <a:latin typeface="Roboto Light"/>
+              </a:rPr>
+              <a:t>máquina</a:t>
+            </a:r>
+          </a:p>
+          <a:p>
+            <a:pPr marL="285750" indent="-285750">
+              <a:buFont typeface="Arial"/>
+              <a:buChar char="•"/>
+            </a:pPr>
+            <a:endParaRPr lang="es-CL" dirty="0" smtClean="0">
+              <a:solidFill>
+                <a:schemeClr val="tx2">
+                  <a:lumMod val="75000"/>
+                </a:schemeClr>
+              </a:solidFill>
+              <a:latin typeface="Roboto Light"/>
+            </a:endParaRPr>
+          </a:p>
+          <a:p>
+            <a:pPr marL="285750" indent="-285750">
+              <a:buFont typeface="Arial"/>
+              <a:buChar char="•"/>
+            </a:pPr>
+            <a:endParaRPr lang="it-IT" dirty="0" smtClean="0">
+              <a:solidFill>
+                <a:schemeClr val="tx2">
+                  <a:lumMod val="75000"/>
+                </a:schemeClr>
+              </a:solidFill>
+              <a:latin typeface="Roboto Light"/>
+              <a:cs typeface="Roboto Light"/>
+            </a:endParaRPr>
+          </a:p>
+          <a:p>
+            <a:pPr marL="285750" indent="-285750">
+              <a:buFont typeface="Arial"/>
+              <a:buChar char="•"/>
+            </a:pPr>
+            <a:r>
+              <a:rPr lang="es-CL" dirty="0">
+                <a:solidFill>
+                  <a:schemeClr val="tx2">
+                    <a:lumMod val="75000"/>
+                  </a:schemeClr>
+                </a:solidFill>
+                <a:latin typeface="Roboto Light"/>
+              </a:rPr>
+              <a:t>Durante disturbios transitorios y cuando opera fuera de su rango normal (sobrecarga o vacío) puede aumentar considerablemente la contribución </a:t>
+            </a:r>
+            <a:r>
+              <a:rPr lang="es-CL" dirty="0" smtClean="0">
+                <a:solidFill>
+                  <a:schemeClr val="tx2">
+                    <a:lumMod val="75000"/>
+                  </a:schemeClr>
+                </a:solidFill>
+                <a:latin typeface="Roboto Light"/>
+              </a:rPr>
+              <a:t>armónica</a:t>
+            </a:r>
+            <a:endParaRPr lang="es-CL" dirty="0">
+              <a:solidFill>
+                <a:schemeClr val="tx2">
+                  <a:lumMod val="75000"/>
+                </a:schemeClr>
+              </a:solidFill>
+              <a:latin typeface="Roboto Light"/>
+            </a:endParaRPr>
+          </a:p>
+          <a:p>
+            <a:pPr marL="285750" indent="-285750">
+              <a:buFont typeface="Arial"/>
+              <a:buChar char="•"/>
+            </a:pPr>
+            <a:endParaRPr lang="en-US" dirty="0">
+              <a:solidFill>
+                <a:schemeClr val="tx2">
+                  <a:lumMod val="75000"/>
+                </a:schemeClr>
+              </a:solidFill>
+              <a:latin typeface="Roboto Light"/>
+              <a:cs typeface="Roboto Light"/>
+            </a:endParaRPr>
+          </a:p>
+        </p:txBody>
+      </p:sp>
+      <p:sp>
+        <p:nvSpPr>
+          <p:cNvPr id="10" name="CuadroTexto 9"/>
+          <p:cNvSpPr txBox="1"/>
+          <p:nvPr/>
+        </p:nvSpPr>
+        <p:spPr>
+          <a:xfrm>
+            <a:off x="8540496" y="6522096"/>
+            <a:ext cx="1207008" cy="400110"/>
+          </a:xfrm>
+          <a:prstGeom prst="rect">
+            <a:avLst/>
+          </a:prstGeom>
+          <a:noFill/>
+        </p:spPr>
+        <p:txBody>
+          <a:bodyPr wrap="square" rtlCol="0">
+            <a:spAutoFit/>
+          </a:bodyPr>
+          <a:lstStyle/>
+          <a:p>
+            <a:r>
+              <a:rPr lang="es-CL" sz="2000" dirty="0" smtClean="0">
+                <a:solidFill>
+                  <a:schemeClr val="bg1"/>
+                </a:solidFill>
+              </a:rPr>
+              <a:t>12</a:t>
+            </a:r>
+            <a:endParaRPr lang="es-CL" sz="2000" dirty="0">
+              <a:solidFill>
+                <a:schemeClr val="bg1"/>
+              </a:solidFill>
+            </a:endParaRPr>
+          </a:p>
+        </p:txBody>
+      </p:sp>
+      <p:pic>
+        <p:nvPicPr>
+          <p:cNvPr id="13" name="Imagen 12"/>
+          <p:cNvPicPr>
+            <a:picLocks noChangeAspect="1"/>
+          </p:cNvPicPr>
+          <p:nvPr/>
+        </p:nvPicPr>
+        <p:blipFill>
+          <a:blip r:embed="rId2">
+            <a:extLst>
+              <a:ext uri="{28A0092B-C50C-407E-A947-70E740481C1C}">
+                <a14:useLocalDpi xmlns:a14="http://schemas.microsoft.com/office/drawing/2010/main" val="0"/>
+              </a:ext>
+            </a:extLst>
+          </a:blip>
+          <a:stretch>
+            <a:fillRect/>
+          </a:stretch>
+        </p:blipFill>
+        <p:spPr>
+          <a:xfrm>
+            <a:off x="6240435" y="6596185"/>
+            <a:ext cx="2133898" cy="240280"/>
+          </a:xfrm>
+          <a:prstGeom prst="rect">
+            <a:avLst/>
+          </a:prstGeom>
+        </p:spPr>
+      </p:pic>
+    </p:spTree>
+    <p:extLst>
+      <p:ext uri="{BB962C8B-B14F-4D97-AF65-F5344CB8AC3E}">
+        <p14:creationId xmlns:p14="http://schemas.microsoft.com/office/powerpoint/2010/main" val="3696862008"/>
+      </p:ext>
+    </p:extLst>
+  </p:cSld>
+  <p:clrMapOvr>
+    <a:masterClrMapping/>
+  </p:clrMapOvr>
+  <p:timing>
+    <p:tnLst>
+      <p:par>
+        <p:cTn id="1" dur="indefinite" restart="never" nodeType="tmRoot"/>
+      </p:par>
+    </p:tnLst>
+  </p:timing>
+</p:sld>
+</file>
+
+<file path=ppt/slides/slide14.xml><?xml version="1.0" encoding="utf-8"?>
+<p:sld xmlns:a="http://schemas.openxmlformats.org/drawingml/2006/main" xmlns:r="http://schemas.openxmlformats.org/officeDocument/2006/relationships" xmlns:p="http://schemas.openxmlformats.org/presentationml/2006/main">
+  <p:cSld>
+    <p:spTree>
+      <p:nvGrpSpPr>
+        <p:cNvPr id="1" name=""/>
+        <p:cNvGrpSpPr/>
+        <p:nvPr/>
+      </p:nvGrpSpPr>
+      <p:grpSpPr>
+        <a:xfrm>
+          <a:off x="0" y="0"/>
+          <a:ext cx="0" cy="0"/>
+          <a:chOff x="0" y="0"/>
+          <a:chExt cx="0" cy="0"/>
+        </a:xfrm>
+      </p:grpSpPr>
+      <p:sp>
+        <p:nvSpPr>
+          <p:cNvPr id="4" name="TextBox 3"/>
+          <p:cNvSpPr txBox="1"/>
+          <p:nvPr/>
+        </p:nvSpPr>
+        <p:spPr>
+          <a:xfrm>
+            <a:off x="-373129" y="419654"/>
+            <a:ext cx="6918308" cy="461665"/>
+          </a:xfrm>
+          <a:prstGeom prst="rect">
+            <a:avLst/>
+          </a:prstGeom>
+          <a:noFill/>
+        </p:spPr>
+        <p:txBody>
+          <a:bodyPr wrap="square" rtlCol="0">
+            <a:spAutoFit/>
+          </a:bodyPr>
+          <a:lstStyle/>
+          <a:p>
+            <a:pPr lvl="2"/>
+            <a:r>
+              <a:rPr lang="es-CL" sz="2400" b="1" dirty="0"/>
+              <a:t>Componentes y funcionamiento de un VdF</a:t>
+            </a:r>
+            <a:endParaRPr lang="es-CL" sz="2400" b="1" dirty="0"/>
+          </a:p>
+        </p:txBody>
+      </p:sp>
+      <p:sp>
+        <p:nvSpPr>
+          <p:cNvPr id="6" name="TextBox 5"/>
+          <p:cNvSpPr txBox="1"/>
+          <p:nvPr/>
+        </p:nvSpPr>
+        <p:spPr>
+          <a:xfrm>
+            <a:off x="578362" y="1233634"/>
+            <a:ext cx="7962134" cy="1323439"/>
+          </a:xfrm>
+          <a:prstGeom prst="rect">
+            <a:avLst/>
+          </a:prstGeom>
+          <a:noFill/>
+        </p:spPr>
+        <p:txBody>
+          <a:bodyPr wrap="square" rtlCol="0">
+            <a:spAutoFit/>
+          </a:bodyPr>
+          <a:lstStyle/>
+          <a:p>
+            <a:pPr marL="285750" indent="-285750">
+              <a:buFont typeface="Arial"/>
+              <a:buChar char="•"/>
+            </a:pPr>
+            <a:r>
+              <a:rPr lang="it-IT" sz="1600" dirty="0" smtClean="0">
+                <a:solidFill>
+                  <a:schemeClr val="tx2">
+                    <a:lumMod val="75000"/>
+                  </a:schemeClr>
+                </a:solidFill>
+                <a:latin typeface="Roboto Light"/>
+                <a:cs typeface="Roboto Light"/>
+              </a:rPr>
+              <a:t>Sistema basado en electrónica, para el control de velocidad de giro</a:t>
+            </a:r>
+          </a:p>
+          <a:p>
+            <a:pPr marL="285750" indent="-285750">
+              <a:buFont typeface="Arial"/>
+              <a:buChar char="•"/>
+            </a:pPr>
+            <a:endParaRPr lang="it-IT" sz="1600" dirty="0" smtClean="0">
+              <a:solidFill>
+                <a:schemeClr val="tx2">
+                  <a:lumMod val="75000"/>
+                </a:schemeClr>
+              </a:solidFill>
+              <a:latin typeface="Roboto Light"/>
+              <a:cs typeface="Roboto Light"/>
+            </a:endParaRPr>
+          </a:p>
+          <a:p>
+            <a:pPr marL="285750" indent="-285750">
+              <a:buFont typeface="Arial"/>
+              <a:buChar char="•"/>
+            </a:pPr>
+            <a:r>
+              <a:rPr lang="it-IT" sz="1600" dirty="0" smtClean="0">
+                <a:solidFill>
+                  <a:schemeClr val="tx2">
+                    <a:lumMod val="75000"/>
+                  </a:schemeClr>
+                </a:solidFill>
+                <a:latin typeface="Roboto Light"/>
+                <a:cs typeface="Roboto Light"/>
+              </a:rPr>
+              <a:t>Durante arranque proporciona baja tensión y frecuencia, evitando sobrecorrientes</a:t>
+            </a:r>
+          </a:p>
+          <a:p>
+            <a:pPr marL="285750" indent="-285750">
+              <a:buFont typeface="Arial"/>
+              <a:buChar char="•"/>
+            </a:pPr>
+            <a:endParaRPr lang="it-IT" sz="1600" dirty="0" smtClean="0">
+              <a:solidFill>
+                <a:schemeClr val="tx2">
+                  <a:lumMod val="75000"/>
+                </a:schemeClr>
+              </a:solidFill>
+              <a:latin typeface="Roboto Light"/>
+              <a:cs typeface="Roboto Light"/>
+            </a:endParaRPr>
+          </a:p>
+          <a:p>
+            <a:pPr marL="285750" indent="-285750">
+              <a:buFont typeface="Arial"/>
+              <a:buChar char="•"/>
+            </a:pPr>
+            <a:r>
+              <a:rPr lang="it-IT" sz="1600" dirty="0" smtClean="0">
+                <a:solidFill>
+                  <a:schemeClr val="tx2">
+                    <a:lumMod val="75000"/>
+                  </a:schemeClr>
+                </a:solidFill>
+                <a:latin typeface="Roboto Light"/>
+                <a:cs typeface="Roboto Light"/>
+              </a:rPr>
+              <a:t>Se compone principalmente de 2 etapas, una rectificadora y una inversora</a:t>
+            </a:r>
+            <a:endParaRPr lang="en-US" sz="1600" dirty="0">
+              <a:solidFill>
+                <a:schemeClr val="tx2">
+                  <a:lumMod val="75000"/>
+                </a:schemeClr>
+              </a:solidFill>
+              <a:latin typeface="Roboto Light"/>
+              <a:cs typeface="Roboto Light"/>
+            </a:endParaRPr>
+          </a:p>
+        </p:txBody>
+      </p:sp>
+      <p:sp>
+        <p:nvSpPr>
+          <p:cNvPr id="10" name="CuadroTexto 9"/>
+          <p:cNvSpPr txBox="1"/>
+          <p:nvPr/>
+        </p:nvSpPr>
+        <p:spPr>
+          <a:xfrm>
+            <a:off x="8540496" y="6522096"/>
+            <a:ext cx="1207008" cy="400110"/>
+          </a:xfrm>
+          <a:prstGeom prst="rect">
+            <a:avLst/>
+          </a:prstGeom>
+          <a:noFill/>
+        </p:spPr>
+        <p:txBody>
+          <a:bodyPr wrap="square" rtlCol="0">
+            <a:spAutoFit/>
+          </a:bodyPr>
+          <a:lstStyle/>
+          <a:p>
+            <a:r>
+              <a:rPr lang="es-CL" sz="2000" dirty="0" smtClean="0">
+                <a:solidFill>
+                  <a:schemeClr val="bg1"/>
+                </a:solidFill>
+              </a:rPr>
+              <a:t>13</a:t>
+            </a:r>
+            <a:endParaRPr lang="es-CL" sz="2000" dirty="0">
+              <a:solidFill>
+                <a:schemeClr val="bg1"/>
+              </a:solidFill>
+            </a:endParaRPr>
+          </a:p>
+        </p:txBody>
+      </p:sp>
+      <p:pic>
+        <p:nvPicPr>
+          <p:cNvPr id="13" name="Imagen 12"/>
+          <p:cNvPicPr>
+            <a:picLocks noChangeAspect="1"/>
+          </p:cNvPicPr>
+          <p:nvPr/>
+        </p:nvPicPr>
+        <p:blipFill>
+          <a:blip r:embed="rId2">
+            <a:extLst>
+              <a:ext uri="{28A0092B-C50C-407E-A947-70E740481C1C}">
+                <a14:useLocalDpi xmlns:a14="http://schemas.microsoft.com/office/drawing/2010/main" val="0"/>
+              </a:ext>
+            </a:extLst>
+          </a:blip>
+          <a:stretch>
+            <a:fillRect/>
+          </a:stretch>
+        </p:blipFill>
+        <p:spPr>
+          <a:xfrm>
+            <a:off x="6240435" y="6596185"/>
+            <a:ext cx="2133898" cy="240280"/>
+          </a:xfrm>
+          <a:prstGeom prst="rect">
+            <a:avLst/>
+          </a:prstGeom>
+        </p:spPr>
+      </p:pic>
+      <p:pic>
+        <p:nvPicPr>
+          <p:cNvPr id="3" name="Imagen 2"/>
+          <p:cNvPicPr>
+            <a:picLocks noChangeAspect="1"/>
+          </p:cNvPicPr>
+          <p:nvPr/>
+        </p:nvPicPr>
+        <p:blipFill>
+          <a:blip r:embed="rId3">
+            <a:extLst>
+              <a:ext uri="{28A0092B-C50C-407E-A947-70E740481C1C}">
+                <a14:useLocalDpi xmlns:a14="http://schemas.microsoft.com/office/drawing/2010/main" val="0"/>
+              </a:ext>
+            </a:extLst>
+          </a:blip>
+          <a:stretch>
+            <a:fillRect/>
+          </a:stretch>
+        </p:blipFill>
+        <p:spPr>
+          <a:xfrm>
+            <a:off x="1061802" y="2726966"/>
+            <a:ext cx="6797249" cy="3795130"/>
+          </a:xfrm>
+          <a:prstGeom prst="rect">
+            <a:avLst/>
+          </a:prstGeom>
+        </p:spPr>
+      </p:pic>
+    </p:spTree>
+    <p:extLst>
+      <p:ext uri="{BB962C8B-B14F-4D97-AF65-F5344CB8AC3E}">
+        <p14:creationId xmlns:p14="http://schemas.microsoft.com/office/powerpoint/2010/main" val="2662108992"/>
+      </p:ext>
+    </p:extLst>
+  </p:cSld>
+  <p:clrMapOvr>
+    <a:masterClrMapping/>
+  </p:clrMapOvr>
+  <p:timing>
+    <p:tnLst>
+      <p:par>
+        <p:cTn id="1" dur="indefinite" restart="never" nodeType="tmRoot"/>
+      </p:par>
+    </p:tnLst>
+  </p:timing>
+</p:sld>
+</file>
+
+<file path=ppt/slides/slide15.xml><?xml version="1.0" encoding="utf-8"?>
+<p:sld xmlns:a="http://schemas.openxmlformats.org/drawingml/2006/main" xmlns:r="http://schemas.openxmlformats.org/officeDocument/2006/relationships" xmlns:p="http://schemas.openxmlformats.org/presentationml/2006/main">
+  <p:cSld>
+    <p:spTree>
+      <p:nvGrpSpPr>
+        <p:cNvPr id="1" name=""/>
+        <p:cNvGrpSpPr/>
+        <p:nvPr/>
+      </p:nvGrpSpPr>
+      <p:grpSpPr>
+        <a:xfrm>
+          <a:off x="0" y="0"/>
+          <a:ext cx="0" cy="0"/>
+          <a:chOff x="0" y="0"/>
+          <a:chExt cx="0" cy="0"/>
+        </a:xfrm>
+      </p:grpSpPr>
+      <p:sp>
+        <p:nvSpPr>
+          <p:cNvPr id="4" name="TextBox 3"/>
+          <p:cNvSpPr txBox="1"/>
+          <p:nvPr/>
+        </p:nvSpPr>
+        <p:spPr>
+          <a:xfrm>
+            <a:off x="-373129" y="419654"/>
+            <a:ext cx="6918308" cy="461665"/>
+          </a:xfrm>
+          <a:prstGeom prst="rect">
+            <a:avLst/>
+          </a:prstGeom>
+          <a:noFill/>
+        </p:spPr>
+        <p:txBody>
+          <a:bodyPr wrap="square" rtlCol="0">
+            <a:spAutoFit/>
+          </a:bodyPr>
+          <a:lstStyle/>
+          <a:p>
+            <a:pPr lvl="2"/>
+            <a:r>
+              <a:rPr lang="es-CL" sz="2400" b="1" dirty="0"/>
+              <a:t>Ventajas del uso del VdF</a:t>
+            </a:r>
+          </a:p>
+        </p:txBody>
+      </p:sp>
+      <p:sp>
+        <p:nvSpPr>
+          <p:cNvPr id="6" name="TextBox 5"/>
+          <p:cNvSpPr txBox="1"/>
+          <p:nvPr/>
+        </p:nvSpPr>
+        <p:spPr>
+          <a:xfrm>
+            <a:off x="578362" y="1546455"/>
+            <a:ext cx="7795971" cy="3662541"/>
+          </a:xfrm>
+          <a:prstGeom prst="rect">
+            <a:avLst/>
+          </a:prstGeom>
+          <a:noFill/>
+        </p:spPr>
+        <p:txBody>
+          <a:bodyPr wrap="square" rtlCol="0">
+            <a:spAutoFit/>
+          </a:bodyPr>
+          <a:lstStyle/>
+          <a:p>
+            <a:pPr marL="285750" indent="-285750">
+              <a:buFont typeface="Arial"/>
+              <a:buChar char="•"/>
+            </a:pPr>
+            <a:r>
+              <a:rPr lang="it-IT" dirty="0" smtClean="0">
+                <a:solidFill>
+                  <a:schemeClr val="tx2">
+                    <a:lumMod val="75000"/>
+                  </a:schemeClr>
+                </a:solidFill>
+                <a:latin typeface="Roboto Light"/>
+                <a:cs typeface="Roboto Light"/>
+              </a:rPr>
+              <a:t>Se evitan sobrecorrientes</a:t>
+            </a:r>
+          </a:p>
+          <a:p>
+            <a:pPr marL="285750" indent="-285750">
+              <a:buFont typeface="Arial"/>
+              <a:buChar char="•"/>
+            </a:pPr>
+            <a:endParaRPr lang="it-IT" dirty="0" smtClean="0">
+              <a:solidFill>
+                <a:schemeClr val="tx2">
+                  <a:lumMod val="75000"/>
+                </a:schemeClr>
+              </a:solidFill>
+              <a:latin typeface="Roboto Light"/>
+              <a:cs typeface="Roboto Light"/>
+            </a:endParaRPr>
+          </a:p>
+          <a:p>
+            <a:pPr marL="285750" indent="-285750">
+              <a:buFont typeface="Arial"/>
+              <a:buChar char="•"/>
+            </a:pPr>
+            <a:r>
+              <a:rPr lang="it-IT" dirty="0" smtClean="0">
+                <a:solidFill>
+                  <a:schemeClr val="tx2">
+                    <a:lumMod val="75000"/>
+                  </a:schemeClr>
+                </a:solidFill>
+                <a:latin typeface="Roboto Light"/>
+                <a:cs typeface="Roboto Light"/>
+              </a:rPr>
+              <a:t>Permite controlar plenamente las aceleraciones y frenados del motor, mediante uso de rampas de aceleración/desaceleración</a:t>
+            </a:r>
+          </a:p>
+          <a:p>
+            <a:pPr marL="285750" indent="-285750">
+              <a:buFont typeface="Arial"/>
+              <a:buChar char="•"/>
+            </a:pPr>
+            <a:endParaRPr lang="it-IT" dirty="0" smtClean="0">
+              <a:solidFill>
+                <a:schemeClr val="tx2">
+                  <a:lumMod val="75000"/>
+                </a:schemeClr>
+              </a:solidFill>
+              <a:latin typeface="Roboto Light"/>
+              <a:cs typeface="Roboto Light"/>
+            </a:endParaRPr>
+          </a:p>
+          <a:p>
+            <a:pPr marL="285750" indent="-285750">
+              <a:buFont typeface="Arial"/>
+              <a:buChar char="•"/>
+            </a:pPr>
+            <a:r>
+              <a:rPr lang="it-IT" dirty="0" smtClean="0">
+                <a:solidFill>
+                  <a:schemeClr val="tx2">
+                    <a:lumMod val="75000"/>
+                  </a:schemeClr>
+                </a:solidFill>
+                <a:latin typeface="Roboto Light"/>
+                <a:cs typeface="Roboto Light"/>
+              </a:rPr>
+              <a:t>Proteje al motor y la carga de eventos de la red de alimentación</a:t>
+            </a:r>
+          </a:p>
+          <a:p>
+            <a:pPr marL="285750" indent="-285750">
+              <a:buFont typeface="Arial"/>
+              <a:buChar char="•"/>
+            </a:pPr>
+            <a:endParaRPr lang="it-IT" dirty="0">
+              <a:solidFill>
+                <a:schemeClr val="tx2">
+                  <a:lumMod val="75000"/>
+                </a:schemeClr>
+              </a:solidFill>
+              <a:latin typeface="Roboto Light"/>
+              <a:cs typeface="Roboto Light"/>
+            </a:endParaRPr>
+          </a:p>
+          <a:p>
+            <a:pPr marL="285750" indent="-285750">
+              <a:buFont typeface="Arial"/>
+              <a:buChar char="•"/>
+            </a:pPr>
+            <a:r>
+              <a:rPr lang="it-IT" dirty="0" smtClean="0">
+                <a:solidFill>
+                  <a:schemeClr val="tx2">
+                    <a:lumMod val="75000"/>
+                  </a:schemeClr>
+                </a:solidFill>
+                <a:latin typeface="Roboto Light"/>
+                <a:cs typeface="Roboto Light"/>
+              </a:rPr>
+              <a:t>Entrega la energía dosificada y de forma óptima</a:t>
+            </a:r>
+          </a:p>
+          <a:p>
+            <a:pPr marL="285750" indent="-285750">
+              <a:buFont typeface="Arial"/>
+              <a:buChar char="•"/>
+            </a:pPr>
+            <a:endParaRPr lang="it-IT" dirty="0">
+              <a:solidFill>
+                <a:schemeClr val="tx2">
+                  <a:lumMod val="75000"/>
+                </a:schemeClr>
+              </a:solidFill>
+              <a:latin typeface="Roboto Light"/>
+              <a:cs typeface="Roboto Light"/>
+            </a:endParaRPr>
+          </a:p>
+          <a:p>
+            <a:pPr marL="285750" indent="-285750">
+              <a:buFont typeface="Arial"/>
+              <a:buChar char="•"/>
+            </a:pPr>
+            <a:r>
+              <a:rPr lang="it-IT" dirty="0" smtClean="0">
+                <a:solidFill>
+                  <a:schemeClr val="tx2">
+                    <a:lumMod val="75000"/>
+                  </a:schemeClr>
+                </a:solidFill>
+                <a:latin typeface="Roboto Light"/>
+                <a:cs typeface="Roboto Light"/>
+              </a:rPr>
+              <a:t>Da mayor vida útil al motor, debido a que los devanados no experimentan sobrecorrientes, por tanto la aislación no  sufre daños por sobre temperatura</a:t>
+            </a:r>
+          </a:p>
+          <a:p>
+            <a:pPr marL="285750" indent="-285750">
+              <a:buFont typeface="Arial"/>
+              <a:buChar char="•"/>
+            </a:pPr>
+            <a:endParaRPr lang="en-US" sz="1600" dirty="0">
+              <a:solidFill>
+                <a:schemeClr val="tx2">
+                  <a:lumMod val="75000"/>
+                </a:schemeClr>
+              </a:solidFill>
+              <a:latin typeface="Roboto Light"/>
+              <a:cs typeface="Roboto Light"/>
+            </a:endParaRPr>
+          </a:p>
+        </p:txBody>
+      </p:sp>
+      <p:sp>
+        <p:nvSpPr>
+          <p:cNvPr id="10" name="CuadroTexto 9"/>
+          <p:cNvSpPr txBox="1"/>
+          <p:nvPr/>
+        </p:nvSpPr>
+        <p:spPr>
+          <a:xfrm>
+            <a:off x="8540496" y="6522096"/>
+            <a:ext cx="1207008" cy="400110"/>
+          </a:xfrm>
+          <a:prstGeom prst="rect">
+            <a:avLst/>
+          </a:prstGeom>
+          <a:noFill/>
+        </p:spPr>
+        <p:txBody>
+          <a:bodyPr wrap="square" rtlCol="0">
+            <a:spAutoFit/>
+          </a:bodyPr>
+          <a:lstStyle/>
+          <a:p>
+            <a:r>
+              <a:rPr lang="es-CL" sz="2000" dirty="0" smtClean="0">
+                <a:solidFill>
+                  <a:schemeClr val="bg1"/>
+                </a:solidFill>
+              </a:rPr>
+              <a:t>14</a:t>
+            </a:r>
+            <a:endParaRPr lang="es-CL" sz="2000" dirty="0">
+              <a:solidFill>
+                <a:schemeClr val="bg1"/>
+              </a:solidFill>
+            </a:endParaRPr>
+          </a:p>
+        </p:txBody>
+      </p:sp>
+      <p:pic>
+        <p:nvPicPr>
+          <p:cNvPr id="13" name="Imagen 12"/>
+          <p:cNvPicPr>
+            <a:picLocks noChangeAspect="1"/>
+          </p:cNvPicPr>
+          <p:nvPr/>
+        </p:nvPicPr>
+        <p:blipFill>
+          <a:blip r:embed="rId2">
+            <a:extLst>
+              <a:ext uri="{28A0092B-C50C-407E-A947-70E740481C1C}">
+                <a14:useLocalDpi xmlns:a14="http://schemas.microsoft.com/office/drawing/2010/main" val="0"/>
+              </a:ext>
+            </a:extLst>
+          </a:blip>
+          <a:stretch>
+            <a:fillRect/>
+          </a:stretch>
+        </p:blipFill>
+        <p:spPr>
+          <a:xfrm>
+            <a:off x="6240435" y="6596185"/>
+            <a:ext cx="2133898" cy="240280"/>
+          </a:xfrm>
+          <a:prstGeom prst="rect">
+            <a:avLst/>
+          </a:prstGeom>
+        </p:spPr>
+      </p:pic>
+    </p:spTree>
+    <p:extLst>
+      <p:ext uri="{BB962C8B-B14F-4D97-AF65-F5344CB8AC3E}">
+        <p14:creationId xmlns:p14="http://schemas.microsoft.com/office/powerpoint/2010/main" val="2193505672"/>
+      </p:ext>
+    </p:extLst>
+  </p:cSld>
+  <p:clrMapOvr>
+    <a:masterClrMapping/>
+  </p:clrMapOvr>
+  <p:timing>
+    <p:tnLst>
+      <p:par>
+        <p:cTn id="1" dur="indefinite" restart="never" nodeType="tmRoot"/>
+      </p:par>
+    </p:tnLst>
+  </p:timing>
+</p:sld>
+</file>
+
+<file path=ppt/slides/slide16.xml><?xml version="1.0" encoding="utf-8"?>
+<p:sld xmlns:a="http://schemas.openxmlformats.org/drawingml/2006/main" xmlns:r="http://schemas.openxmlformats.org/officeDocument/2006/relationships" xmlns:p="http://schemas.openxmlformats.org/presentationml/2006/main">
+  <p:cSld>
+    <p:spTree>
+      <p:nvGrpSpPr>
+        <p:cNvPr id="1" name=""/>
+        <p:cNvGrpSpPr/>
+        <p:nvPr/>
+      </p:nvGrpSpPr>
+      <p:grpSpPr>
+        <a:xfrm>
+          <a:off x="0" y="0"/>
+          <a:ext cx="0" cy="0"/>
+          <a:chOff x="0" y="0"/>
+          <a:chExt cx="0" cy="0"/>
+        </a:xfrm>
+      </p:grpSpPr>
+      <p:sp>
+        <p:nvSpPr>
+          <p:cNvPr id="4" name="TextBox 3"/>
+          <p:cNvSpPr txBox="1"/>
+          <p:nvPr/>
+        </p:nvSpPr>
+        <p:spPr>
+          <a:xfrm>
+            <a:off x="-84372" y="366153"/>
+            <a:ext cx="6918308" cy="461665"/>
+          </a:xfrm>
+          <a:prstGeom prst="rect">
+            <a:avLst/>
+          </a:prstGeom>
+          <a:noFill/>
+        </p:spPr>
+        <p:txBody>
+          <a:bodyPr wrap="square" rtlCol="0">
+            <a:spAutoFit/>
+          </a:bodyPr>
+          <a:lstStyle/>
+          <a:p>
+            <a:pPr lvl="1"/>
+            <a:r>
+              <a:rPr lang="es-CL" sz="2400" b="1" dirty="0"/>
+              <a:t>Registrador de Variables Eléctricas SAMTE</a:t>
+            </a:r>
+          </a:p>
+        </p:txBody>
+      </p:sp>
+      <p:sp>
+        <p:nvSpPr>
+          <p:cNvPr id="6" name="TextBox 5"/>
+          <p:cNvSpPr txBox="1"/>
+          <p:nvPr/>
+        </p:nvSpPr>
+        <p:spPr>
+          <a:xfrm>
+            <a:off x="313668" y="827818"/>
+            <a:ext cx="8469384" cy="3785652"/>
+          </a:xfrm>
+          <a:prstGeom prst="rect">
+            <a:avLst/>
+          </a:prstGeom>
+          <a:noFill/>
+        </p:spPr>
+        <p:txBody>
+          <a:bodyPr wrap="square" rtlCol="0">
+            <a:spAutoFit/>
+          </a:bodyPr>
+          <a:lstStyle/>
+          <a:p>
+            <a:pPr marL="285750" indent="-285750">
+              <a:buFont typeface="Arial"/>
+              <a:buChar char="•"/>
+            </a:pPr>
+            <a:r>
+              <a:rPr lang="es-CL" sz="1600" dirty="0">
+                <a:solidFill>
+                  <a:schemeClr val="tx2">
+                    <a:lumMod val="75000"/>
+                  </a:schemeClr>
+                </a:solidFill>
+                <a:latin typeface="Roboto Light"/>
+                <a:cs typeface="Roboto Light"/>
+              </a:rPr>
+              <a:t>Sistema Adquisición y Medición de Transientes </a:t>
+            </a:r>
+            <a:r>
+              <a:rPr lang="es-CL" sz="1600" dirty="0" smtClean="0">
+                <a:solidFill>
+                  <a:schemeClr val="tx2">
+                    <a:lumMod val="75000"/>
+                  </a:schemeClr>
+                </a:solidFill>
+                <a:latin typeface="Roboto Light"/>
+                <a:cs typeface="Roboto Light"/>
+              </a:rPr>
+              <a:t>Eléctricas</a:t>
+            </a:r>
+          </a:p>
+          <a:p>
+            <a:pPr marL="285750" indent="-285750">
+              <a:buFont typeface="Arial"/>
+              <a:buChar char="•"/>
+            </a:pPr>
+            <a:endParaRPr lang="it-IT" sz="1600" dirty="0" smtClean="0">
+              <a:solidFill>
+                <a:schemeClr val="tx2">
+                  <a:lumMod val="75000"/>
+                </a:schemeClr>
+              </a:solidFill>
+              <a:latin typeface="Roboto Light"/>
+              <a:cs typeface="Roboto Light"/>
+            </a:endParaRPr>
+          </a:p>
+          <a:p>
+            <a:pPr marL="285750" indent="-285750">
+              <a:buFont typeface="Arial"/>
+              <a:buChar char="•"/>
+            </a:pPr>
+            <a:r>
+              <a:rPr lang="it-IT" sz="1600" dirty="0" smtClean="0">
+                <a:solidFill>
+                  <a:schemeClr val="tx2">
+                    <a:lumMod val="75000"/>
+                  </a:schemeClr>
+                </a:solidFill>
+                <a:latin typeface="Roboto Light"/>
+                <a:cs typeface="Roboto Light"/>
+              </a:rPr>
+              <a:t>Compuesto por una unidad electrónica y un notebook</a:t>
+            </a:r>
+          </a:p>
+          <a:p>
+            <a:pPr marL="285750" indent="-285750">
+              <a:buFont typeface="Arial"/>
+              <a:buChar char="•"/>
+            </a:pPr>
+            <a:endParaRPr lang="it-IT" sz="1600" dirty="0" smtClean="0">
+              <a:solidFill>
+                <a:schemeClr val="tx2">
+                  <a:lumMod val="75000"/>
+                </a:schemeClr>
+              </a:solidFill>
+              <a:latin typeface="Roboto Light"/>
+              <a:cs typeface="Roboto Light"/>
+            </a:endParaRPr>
+          </a:p>
+          <a:p>
+            <a:pPr marL="285750" indent="-285750">
+              <a:buFont typeface="Arial"/>
+              <a:buChar char="•"/>
+            </a:pPr>
+            <a:r>
+              <a:rPr lang="es-CL" sz="1600" dirty="0" smtClean="0">
+                <a:solidFill>
+                  <a:schemeClr val="tx2">
+                    <a:lumMod val="75000"/>
+                  </a:schemeClr>
+                </a:solidFill>
+                <a:latin typeface="Roboto Light"/>
+                <a:cs typeface="Roboto Light"/>
+              </a:rPr>
+              <a:t>Tres </a:t>
+            </a:r>
+            <a:r>
+              <a:rPr lang="es-CL" sz="1600" dirty="0">
+                <a:solidFill>
+                  <a:schemeClr val="tx2">
+                    <a:lumMod val="75000"/>
+                  </a:schemeClr>
+                </a:solidFill>
+                <a:latin typeface="Roboto Light"/>
+                <a:cs typeface="Roboto Light"/>
+              </a:rPr>
+              <a:t>canales de tensión (fases R, S y T) y cuatro de corriente (fases R, S, T y neutro). Los primeros tienen un rango de 400 [V rms], y los segundos disponen de rangos de 5 y 25 [A rms</a:t>
+            </a:r>
+            <a:r>
+              <a:rPr lang="es-CL" sz="1600" dirty="0" smtClean="0">
+                <a:solidFill>
+                  <a:schemeClr val="tx2">
+                    <a:lumMod val="75000"/>
+                  </a:schemeClr>
+                </a:solidFill>
+                <a:latin typeface="Roboto Light"/>
+                <a:cs typeface="Roboto Light"/>
+              </a:rPr>
+              <a:t>]</a:t>
+            </a:r>
+          </a:p>
+          <a:p>
+            <a:pPr marL="285750" indent="-285750">
+              <a:buFont typeface="Arial"/>
+              <a:buChar char="•"/>
+            </a:pPr>
+            <a:endParaRPr lang="es-CL" sz="1600" dirty="0">
+              <a:solidFill>
+                <a:schemeClr val="tx2">
+                  <a:lumMod val="75000"/>
+                </a:schemeClr>
+              </a:solidFill>
+              <a:latin typeface="Roboto Light"/>
+              <a:cs typeface="Roboto Light"/>
+            </a:endParaRPr>
+          </a:p>
+          <a:p>
+            <a:pPr marL="285750" indent="-285750">
+              <a:buFont typeface="Arial"/>
+              <a:buChar char="•"/>
+            </a:pPr>
+            <a:r>
+              <a:rPr lang="es-CL" sz="1600" dirty="0" smtClean="0">
+                <a:solidFill>
+                  <a:schemeClr val="tx2">
+                    <a:lumMod val="75000"/>
+                  </a:schemeClr>
+                </a:solidFill>
+                <a:latin typeface="Roboto Light"/>
+                <a:cs typeface="Roboto Light"/>
+              </a:rPr>
+              <a:t>Permite </a:t>
+            </a:r>
+            <a:r>
+              <a:rPr lang="es-CL" sz="1600" dirty="0">
+                <a:solidFill>
+                  <a:schemeClr val="tx2">
+                    <a:lumMod val="75000"/>
+                  </a:schemeClr>
+                </a:solidFill>
+                <a:latin typeface="Roboto Light"/>
+                <a:cs typeface="Roboto Light"/>
+              </a:rPr>
+              <a:t>visualizar formas de onda y contenido armónico de las tensiones y las corrientes, capturar y visualizar transientes, medir frecuencia, valores RMS, potencias activas, reactivas, aparentes</a:t>
+            </a:r>
+            <a:r>
+              <a:rPr lang="es-CL" sz="1600" dirty="0" smtClean="0">
+                <a:solidFill>
+                  <a:schemeClr val="tx2">
+                    <a:lumMod val="75000"/>
+                  </a:schemeClr>
+                </a:solidFill>
+                <a:latin typeface="Roboto Light"/>
+                <a:cs typeface="Roboto Light"/>
+              </a:rPr>
+              <a:t>,</a:t>
+            </a:r>
+            <a:br>
+              <a:rPr lang="es-CL" sz="1600" dirty="0" smtClean="0">
+                <a:solidFill>
+                  <a:schemeClr val="tx2">
+                    <a:lumMod val="75000"/>
+                  </a:schemeClr>
+                </a:solidFill>
+                <a:latin typeface="Roboto Light"/>
+                <a:cs typeface="Roboto Light"/>
+              </a:rPr>
+            </a:br>
+            <a:r>
+              <a:rPr lang="es-CL" sz="1600" dirty="0" smtClean="0">
+                <a:solidFill>
+                  <a:schemeClr val="tx2">
+                    <a:lumMod val="75000"/>
+                  </a:schemeClr>
+                </a:solidFill>
+                <a:latin typeface="Roboto Light"/>
+                <a:cs typeface="Roboto Light"/>
+              </a:rPr>
+              <a:t>medir </a:t>
+            </a:r>
+            <a:r>
+              <a:rPr lang="es-CL" sz="1600" dirty="0">
+                <a:solidFill>
+                  <a:schemeClr val="tx2">
+                    <a:lumMod val="75000"/>
+                  </a:schemeClr>
+                </a:solidFill>
+                <a:latin typeface="Roboto Light"/>
+                <a:cs typeface="Roboto Light"/>
+              </a:rPr>
+              <a:t>componentes </a:t>
+            </a:r>
+            <a:r>
+              <a:rPr lang="es-CL" sz="1600" dirty="0" smtClean="0">
+                <a:solidFill>
+                  <a:schemeClr val="tx2">
+                    <a:lumMod val="75000"/>
+                  </a:schemeClr>
+                </a:solidFill>
+                <a:latin typeface="Roboto Light"/>
+                <a:cs typeface="Roboto Light"/>
+              </a:rPr>
+              <a:t>simétricas</a:t>
+            </a:r>
+            <a:r>
+              <a:rPr lang="es-CL" sz="1600" dirty="0">
+                <a:solidFill>
+                  <a:schemeClr val="tx2">
+                    <a:lumMod val="75000"/>
+                  </a:schemeClr>
+                </a:solidFill>
+                <a:latin typeface="Roboto Light"/>
+                <a:cs typeface="Roboto Light"/>
+              </a:rPr>
+              <a:t/>
+            </a:r>
+            <a:br>
+              <a:rPr lang="es-CL" sz="1600" dirty="0">
+                <a:solidFill>
+                  <a:schemeClr val="tx2">
+                    <a:lumMod val="75000"/>
+                  </a:schemeClr>
+                </a:solidFill>
+                <a:latin typeface="Roboto Light"/>
+                <a:cs typeface="Roboto Light"/>
+              </a:rPr>
+            </a:br>
+            <a:r>
+              <a:rPr lang="es-CL" sz="1600" dirty="0" smtClean="0">
+                <a:solidFill>
+                  <a:schemeClr val="tx2">
+                    <a:lumMod val="75000"/>
+                  </a:schemeClr>
+                </a:solidFill>
+                <a:latin typeface="Roboto Light"/>
+                <a:cs typeface="Roboto Light"/>
+              </a:rPr>
+              <a:t>factores </a:t>
+            </a:r>
+            <a:r>
+              <a:rPr lang="es-CL" sz="1600" dirty="0">
+                <a:solidFill>
+                  <a:schemeClr val="tx2">
+                    <a:lumMod val="75000"/>
+                  </a:schemeClr>
+                </a:solidFill>
+                <a:latin typeface="Roboto Light"/>
+                <a:cs typeface="Roboto Light"/>
+              </a:rPr>
+              <a:t>de potencia y el </a:t>
+            </a:r>
+            <a:r>
+              <a:rPr lang="es-CL" sz="1600" dirty="0" smtClean="0">
+                <a:solidFill>
+                  <a:schemeClr val="tx2">
+                    <a:lumMod val="75000"/>
+                  </a:schemeClr>
+                </a:solidFill>
+                <a:latin typeface="Roboto Light"/>
+                <a:cs typeface="Roboto Light"/>
+              </a:rPr>
+              <a:t>nivel</a:t>
+            </a:r>
+            <a:br>
+              <a:rPr lang="es-CL" sz="1600" dirty="0" smtClean="0">
+                <a:solidFill>
+                  <a:schemeClr val="tx2">
+                    <a:lumMod val="75000"/>
+                  </a:schemeClr>
+                </a:solidFill>
+                <a:latin typeface="Roboto Light"/>
+                <a:cs typeface="Roboto Light"/>
+              </a:rPr>
+            </a:br>
+            <a:r>
+              <a:rPr lang="es-CL" sz="1600" dirty="0" smtClean="0">
+                <a:solidFill>
+                  <a:schemeClr val="tx2">
+                    <a:lumMod val="75000"/>
+                  </a:schemeClr>
+                </a:solidFill>
+                <a:latin typeface="Roboto Light"/>
+                <a:cs typeface="Roboto Light"/>
+              </a:rPr>
+              <a:t>de </a:t>
+            </a:r>
+            <a:r>
+              <a:rPr lang="es-CL" sz="1600" dirty="0">
+                <a:solidFill>
+                  <a:schemeClr val="tx2">
+                    <a:lumMod val="75000"/>
+                  </a:schemeClr>
+                </a:solidFill>
+                <a:latin typeface="Roboto Light"/>
+                <a:cs typeface="Roboto Light"/>
+              </a:rPr>
+              <a:t>distorsión armónica de </a:t>
+            </a:r>
+            <a:r>
+              <a:rPr lang="es-CL" sz="1600" dirty="0" smtClean="0">
+                <a:solidFill>
+                  <a:schemeClr val="tx2">
+                    <a:lumMod val="75000"/>
+                  </a:schemeClr>
+                </a:solidFill>
+                <a:latin typeface="Roboto Light"/>
+                <a:cs typeface="Roboto Light"/>
+              </a:rPr>
+              <a:t>las</a:t>
+            </a:r>
+            <a:br>
+              <a:rPr lang="es-CL" sz="1600" dirty="0" smtClean="0">
+                <a:solidFill>
+                  <a:schemeClr val="tx2">
+                    <a:lumMod val="75000"/>
+                  </a:schemeClr>
+                </a:solidFill>
+                <a:latin typeface="Roboto Light"/>
+                <a:cs typeface="Roboto Light"/>
+              </a:rPr>
+            </a:br>
+            <a:r>
+              <a:rPr lang="es-CL" sz="1600" dirty="0" smtClean="0">
+                <a:solidFill>
+                  <a:schemeClr val="tx2">
+                    <a:lumMod val="75000"/>
+                  </a:schemeClr>
+                </a:solidFill>
+                <a:latin typeface="Roboto Light"/>
+                <a:cs typeface="Roboto Light"/>
+              </a:rPr>
+              <a:t>variables</a:t>
+            </a:r>
+            <a:endParaRPr lang="en-US" sz="1600" dirty="0">
+              <a:solidFill>
+                <a:schemeClr val="tx2">
+                  <a:lumMod val="75000"/>
+                </a:schemeClr>
+              </a:solidFill>
+              <a:latin typeface="Roboto Light"/>
+              <a:cs typeface="Roboto Light"/>
+            </a:endParaRPr>
+          </a:p>
+        </p:txBody>
+      </p:sp>
+      <p:sp>
+        <p:nvSpPr>
+          <p:cNvPr id="10" name="CuadroTexto 9"/>
+          <p:cNvSpPr txBox="1"/>
+          <p:nvPr/>
+        </p:nvSpPr>
+        <p:spPr>
+          <a:xfrm>
+            <a:off x="8540496" y="6522096"/>
+            <a:ext cx="1207008" cy="400110"/>
+          </a:xfrm>
+          <a:prstGeom prst="rect">
+            <a:avLst/>
+          </a:prstGeom>
+          <a:noFill/>
+        </p:spPr>
+        <p:txBody>
+          <a:bodyPr wrap="square" rtlCol="0">
+            <a:spAutoFit/>
+          </a:bodyPr>
+          <a:lstStyle/>
+          <a:p>
+            <a:r>
+              <a:rPr lang="es-CL" sz="2000" dirty="0" smtClean="0">
+                <a:solidFill>
+                  <a:schemeClr val="bg1"/>
+                </a:solidFill>
+              </a:rPr>
+              <a:t>15</a:t>
+            </a:r>
+            <a:endParaRPr lang="es-CL" sz="2000" dirty="0">
+              <a:solidFill>
+                <a:schemeClr val="bg1"/>
+              </a:solidFill>
+            </a:endParaRPr>
+          </a:p>
+        </p:txBody>
+      </p:sp>
+      <p:pic>
+        <p:nvPicPr>
+          <p:cNvPr id="13" name="Imagen 12"/>
+          <p:cNvPicPr>
+            <a:picLocks noChangeAspect="1"/>
+          </p:cNvPicPr>
+          <p:nvPr/>
+        </p:nvPicPr>
+        <p:blipFill>
+          <a:blip r:embed="rId2">
+            <a:extLst>
+              <a:ext uri="{28A0092B-C50C-407E-A947-70E740481C1C}">
+                <a14:useLocalDpi xmlns:a14="http://schemas.microsoft.com/office/drawing/2010/main" val="0"/>
+              </a:ext>
+            </a:extLst>
+          </a:blip>
+          <a:stretch>
+            <a:fillRect/>
+          </a:stretch>
+        </p:blipFill>
+        <p:spPr>
+          <a:xfrm>
+            <a:off x="6240435" y="6596185"/>
+            <a:ext cx="2133898" cy="240280"/>
+          </a:xfrm>
+          <a:prstGeom prst="rect">
+            <a:avLst/>
+          </a:prstGeom>
+        </p:spPr>
+      </p:pic>
+      <p:pic>
+        <p:nvPicPr>
+          <p:cNvPr id="2" name="Imagen 1"/>
+          <p:cNvPicPr>
+            <a:picLocks noChangeAspect="1"/>
+          </p:cNvPicPr>
+          <p:nvPr/>
+        </p:nvPicPr>
+        <p:blipFill>
+          <a:blip r:embed="rId3">
+            <a:extLst>
+              <a:ext uri="{28A0092B-C50C-407E-A947-70E740481C1C}">
+                <a14:useLocalDpi xmlns:a14="http://schemas.microsoft.com/office/drawing/2010/main" val="0"/>
+              </a:ext>
+            </a:extLst>
+          </a:blip>
+          <a:stretch>
+            <a:fillRect/>
+          </a:stretch>
+        </p:blipFill>
+        <p:spPr>
+          <a:xfrm>
+            <a:off x="4288924" y="3534935"/>
+            <a:ext cx="4592659" cy="2491517"/>
+          </a:xfrm>
+          <a:prstGeom prst="rect">
+            <a:avLst/>
+          </a:prstGeom>
+        </p:spPr>
+      </p:pic>
+      <p:pic>
+        <p:nvPicPr>
+          <p:cNvPr id="3" name="Imagen 2"/>
+          <p:cNvPicPr>
+            <a:picLocks noChangeAspect="1"/>
+          </p:cNvPicPr>
+          <p:nvPr/>
+        </p:nvPicPr>
+        <p:blipFill>
+          <a:blip r:embed="rId4">
+            <a:extLst>
+              <a:ext uri="{28A0092B-C50C-407E-A947-70E740481C1C}">
+                <a14:useLocalDpi xmlns:a14="http://schemas.microsoft.com/office/drawing/2010/main" val="0"/>
+              </a:ext>
+            </a:extLst>
+          </a:blip>
+          <a:stretch>
+            <a:fillRect/>
+          </a:stretch>
+        </p:blipFill>
+        <p:spPr>
+          <a:xfrm>
+            <a:off x="-1" y="4559968"/>
+            <a:ext cx="3915801" cy="2036217"/>
+          </a:xfrm>
+          <a:prstGeom prst="rect">
+            <a:avLst/>
+          </a:prstGeom>
+        </p:spPr>
+      </p:pic>
+    </p:spTree>
+    <p:extLst>
+      <p:ext uri="{BB962C8B-B14F-4D97-AF65-F5344CB8AC3E}">
+        <p14:creationId xmlns:p14="http://schemas.microsoft.com/office/powerpoint/2010/main" val="965623641"/>
+      </p:ext>
+    </p:extLst>
+  </p:cSld>
+  <p:clrMapOvr>
+    <a:masterClrMapping/>
+  </p:clrMapOvr>
+  <p:timing>
+    <p:tnLst>
+      <p:par>
+        <p:cTn id="1" dur="indefinite" restart="never" nodeType="tmRoot"/>
+      </p:par>
+    </p:tnLst>
+  </p:timing>
+</p:sld>
+</file>
+
+<file path=ppt/slides/slide17.xml><?xml version="1.0" encoding="utf-8"?>
+<p:sld xmlns:a="http://schemas.openxmlformats.org/drawingml/2006/main" xmlns:r="http://schemas.openxmlformats.org/officeDocument/2006/relationships" xmlns:p="http://schemas.openxmlformats.org/presentationml/2006/main">
+  <p:cSld>
+    <p:spTree>
+      <p:nvGrpSpPr>
+        <p:cNvPr id="1" name=""/>
+        <p:cNvGrpSpPr/>
+        <p:nvPr/>
+      </p:nvGrpSpPr>
+      <p:grpSpPr>
+        <a:xfrm>
+          <a:off x="0" y="0"/>
+          <a:ext cx="0" cy="0"/>
+          <a:chOff x="0" y="0"/>
+          <a:chExt cx="0" cy="0"/>
+        </a:xfrm>
+      </p:grpSpPr>
+      <p:sp>
+        <p:nvSpPr>
+          <p:cNvPr id="4" name="TextBox 3"/>
+          <p:cNvSpPr txBox="1"/>
+          <p:nvPr/>
+        </p:nvSpPr>
+        <p:spPr>
+          <a:xfrm>
+            <a:off x="-373129" y="419654"/>
+            <a:ext cx="6918308" cy="461665"/>
+          </a:xfrm>
+          <a:prstGeom prst="rect">
+            <a:avLst/>
+          </a:prstGeom>
+          <a:noFill/>
+        </p:spPr>
+        <p:txBody>
+          <a:bodyPr wrap="square" rtlCol="0">
+            <a:spAutoFit/>
+          </a:bodyPr>
+          <a:lstStyle/>
+          <a:p>
+            <a:pPr lvl="2"/>
+            <a:r>
+              <a:rPr lang="es-CL" sz="2400" b="1" dirty="0"/>
+              <a:t>Software Simulink de MATLAB</a:t>
+            </a:r>
+          </a:p>
+        </p:txBody>
+      </p:sp>
+      <p:sp>
+        <p:nvSpPr>
+          <p:cNvPr id="6" name="TextBox 5"/>
+          <p:cNvSpPr txBox="1"/>
+          <p:nvPr/>
+        </p:nvSpPr>
+        <p:spPr>
+          <a:xfrm>
+            <a:off x="578362" y="1546455"/>
+            <a:ext cx="7795971" cy="4216539"/>
+          </a:xfrm>
+          <a:prstGeom prst="rect">
+            <a:avLst/>
+          </a:prstGeom>
+          <a:noFill/>
+        </p:spPr>
+        <p:txBody>
+          <a:bodyPr wrap="square" rtlCol="0">
+            <a:spAutoFit/>
+          </a:bodyPr>
+          <a:lstStyle/>
+          <a:p>
+            <a:pPr marL="285750" indent="-285750">
+              <a:buFont typeface="Arial"/>
+              <a:buChar char="•"/>
+            </a:pPr>
+            <a:r>
+              <a:rPr lang="es-CL" dirty="0">
+                <a:solidFill>
+                  <a:schemeClr val="tx2">
+                    <a:lumMod val="75000"/>
+                  </a:schemeClr>
+                </a:solidFill>
+                <a:latin typeface="Roboto Light"/>
+                <a:cs typeface="Roboto Light"/>
+              </a:rPr>
+              <a:t>MATLAB (abreviatura de MATrix LABoratory, "laboratorio de matrices") es una herramienta de software matemático, el cual cuenta con múltiples toolbox que trabajan sobre </a:t>
+            </a:r>
+            <a:r>
+              <a:rPr lang="es-CL" dirty="0" smtClean="0">
+                <a:solidFill>
+                  <a:schemeClr val="tx2">
+                    <a:lumMod val="75000"/>
+                  </a:schemeClr>
+                </a:solidFill>
+                <a:latin typeface="Roboto Light"/>
+                <a:cs typeface="Roboto Light"/>
+              </a:rPr>
+              <a:t>este</a:t>
+            </a:r>
+          </a:p>
+          <a:p>
+            <a:pPr marL="285750" indent="-285750">
+              <a:buFont typeface="Arial"/>
+              <a:buChar char="•"/>
+            </a:pPr>
+            <a:endParaRPr lang="es-CL" dirty="0">
+              <a:solidFill>
+                <a:schemeClr val="tx2">
+                  <a:lumMod val="75000"/>
+                </a:schemeClr>
+              </a:solidFill>
+              <a:latin typeface="Roboto Light"/>
+              <a:cs typeface="Roboto Light"/>
+            </a:endParaRPr>
+          </a:p>
+          <a:p>
+            <a:pPr marL="285750" indent="-285750">
+              <a:buFont typeface="Arial"/>
+              <a:buChar char="•"/>
+            </a:pPr>
+            <a:r>
+              <a:rPr lang="es-CL" dirty="0">
+                <a:solidFill>
+                  <a:schemeClr val="tx2">
+                    <a:lumMod val="75000"/>
+                  </a:schemeClr>
+                </a:solidFill>
+                <a:latin typeface="Roboto Light"/>
+                <a:cs typeface="Roboto Light"/>
+              </a:rPr>
+              <a:t>Simulink es un entorno de programación visual, que funciona sobre el entorno de programación </a:t>
+            </a:r>
+            <a:r>
+              <a:rPr lang="es-CL" dirty="0" smtClean="0">
+                <a:solidFill>
+                  <a:schemeClr val="tx2">
+                    <a:lumMod val="75000"/>
+                  </a:schemeClr>
+                </a:solidFill>
+                <a:latin typeface="Roboto Light"/>
+                <a:cs typeface="Roboto Light"/>
+              </a:rPr>
+              <a:t>MATLAB</a:t>
+            </a:r>
+          </a:p>
+          <a:p>
+            <a:pPr marL="285750" indent="-285750">
+              <a:buFont typeface="Arial"/>
+              <a:buChar char="•"/>
+            </a:pPr>
+            <a:endParaRPr lang="es-CL" dirty="0">
+              <a:solidFill>
+                <a:schemeClr val="tx2">
+                  <a:lumMod val="75000"/>
+                </a:schemeClr>
+              </a:solidFill>
+              <a:latin typeface="Roboto Light"/>
+              <a:cs typeface="Roboto Light"/>
+            </a:endParaRPr>
+          </a:p>
+          <a:p>
+            <a:pPr marL="285750" indent="-285750">
+              <a:buFont typeface="Arial"/>
+              <a:buChar char="•"/>
+            </a:pPr>
+            <a:r>
+              <a:rPr lang="es-CL" dirty="0" smtClean="0">
+                <a:solidFill>
+                  <a:schemeClr val="tx2">
+                    <a:lumMod val="75000"/>
+                  </a:schemeClr>
+                </a:solidFill>
+                <a:latin typeface="Roboto Light"/>
+                <a:cs typeface="Roboto Light"/>
+              </a:rPr>
+              <a:t>Será </a:t>
+            </a:r>
+            <a:r>
+              <a:rPr lang="es-CL" dirty="0">
+                <a:solidFill>
+                  <a:schemeClr val="tx2">
+                    <a:lumMod val="75000"/>
+                  </a:schemeClr>
+                </a:solidFill>
+                <a:latin typeface="Roboto Light"/>
+                <a:cs typeface="Roboto Light"/>
+              </a:rPr>
+              <a:t>utilizado para modelar y simular las situaciones de estudio mediante diagramas de bloque, estos bloques se obtienen de la </a:t>
+            </a:r>
+            <a:r>
+              <a:rPr lang="es-CL" dirty="0" smtClean="0">
+                <a:solidFill>
+                  <a:schemeClr val="tx2">
+                    <a:lumMod val="75000"/>
+                  </a:schemeClr>
+                </a:solidFill>
+                <a:latin typeface="Roboto Light"/>
+                <a:cs typeface="Roboto Light"/>
+              </a:rPr>
+              <a:t>librería</a:t>
+            </a:r>
+          </a:p>
+          <a:p>
+            <a:pPr marL="285750" indent="-285750">
+              <a:buFont typeface="Arial"/>
+              <a:buChar char="•"/>
+            </a:pPr>
+            <a:endParaRPr lang="es-CL" dirty="0">
+              <a:solidFill>
+                <a:schemeClr val="tx2">
+                  <a:lumMod val="75000"/>
+                </a:schemeClr>
+              </a:solidFill>
+              <a:latin typeface="Roboto Light"/>
+              <a:cs typeface="Roboto Light"/>
+            </a:endParaRPr>
+          </a:p>
+          <a:p>
+            <a:pPr marL="285750" indent="-285750">
+              <a:buFont typeface="Arial"/>
+              <a:buChar char="•"/>
+            </a:pPr>
+            <a:r>
+              <a:rPr lang="es-CL" dirty="0">
+                <a:solidFill>
+                  <a:schemeClr val="tx2">
+                    <a:lumMod val="75000"/>
+                  </a:schemeClr>
+                </a:solidFill>
+                <a:latin typeface="Roboto Light"/>
+              </a:rPr>
+              <a:t>Las variables eléctricas de estudio son de fácil acceso dentro del software y los modelos de las librerías bastante completos, razones por las cuales se utilizará </a:t>
+            </a:r>
+            <a:r>
+              <a:rPr lang="es-CL" dirty="0" smtClean="0">
+                <a:solidFill>
+                  <a:schemeClr val="tx2">
+                    <a:lumMod val="75000"/>
+                  </a:schemeClr>
+                </a:solidFill>
+                <a:latin typeface="Roboto Light"/>
+              </a:rPr>
+              <a:t>Simulink</a:t>
+            </a:r>
+            <a:endParaRPr lang="es-CL" dirty="0">
+              <a:solidFill>
+                <a:schemeClr val="tx2">
+                  <a:lumMod val="75000"/>
+                </a:schemeClr>
+              </a:solidFill>
+              <a:latin typeface="Roboto Light"/>
+            </a:endParaRPr>
+          </a:p>
+          <a:p>
+            <a:pPr marL="285750" indent="-285750">
+              <a:buFont typeface="Arial"/>
+              <a:buChar char="•"/>
+            </a:pPr>
+            <a:endParaRPr lang="it-IT" dirty="0" smtClean="0">
+              <a:solidFill>
+                <a:schemeClr val="tx2">
+                  <a:lumMod val="75000"/>
+                </a:schemeClr>
+              </a:solidFill>
+              <a:latin typeface="Roboto Light"/>
+              <a:cs typeface="Roboto Light"/>
+            </a:endParaRPr>
+          </a:p>
+          <a:p>
+            <a:pPr marL="285750" indent="-285750">
+              <a:buFont typeface="Arial"/>
+              <a:buChar char="•"/>
+            </a:pPr>
+            <a:endParaRPr lang="en-US" sz="1600" dirty="0">
+              <a:solidFill>
+                <a:schemeClr val="tx2">
+                  <a:lumMod val="75000"/>
+                </a:schemeClr>
+              </a:solidFill>
+              <a:latin typeface="Roboto Light"/>
+              <a:cs typeface="Roboto Light"/>
+            </a:endParaRPr>
+          </a:p>
+        </p:txBody>
+      </p:sp>
+      <p:sp>
+        <p:nvSpPr>
+          <p:cNvPr id="10" name="CuadroTexto 9"/>
+          <p:cNvSpPr txBox="1"/>
+          <p:nvPr/>
+        </p:nvSpPr>
+        <p:spPr>
+          <a:xfrm>
+            <a:off x="8540496" y="6522096"/>
+            <a:ext cx="1207008" cy="400110"/>
+          </a:xfrm>
+          <a:prstGeom prst="rect">
+            <a:avLst/>
+          </a:prstGeom>
+          <a:noFill/>
+        </p:spPr>
+        <p:txBody>
+          <a:bodyPr wrap="square" rtlCol="0">
+            <a:spAutoFit/>
+          </a:bodyPr>
+          <a:lstStyle/>
+          <a:p>
+            <a:r>
+              <a:rPr lang="es-CL" sz="2000" dirty="0" smtClean="0">
+                <a:solidFill>
+                  <a:schemeClr val="bg1"/>
+                </a:solidFill>
+              </a:rPr>
+              <a:t>16</a:t>
+            </a:r>
+            <a:endParaRPr lang="es-CL" sz="2000" dirty="0">
+              <a:solidFill>
+                <a:schemeClr val="bg1"/>
+              </a:solidFill>
+            </a:endParaRPr>
+          </a:p>
+        </p:txBody>
+      </p:sp>
+      <p:pic>
+        <p:nvPicPr>
+          <p:cNvPr id="13" name="Imagen 12"/>
+          <p:cNvPicPr>
+            <a:picLocks noChangeAspect="1"/>
+          </p:cNvPicPr>
+          <p:nvPr/>
+        </p:nvPicPr>
+        <p:blipFill>
+          <a:blip r:embed="rId2">
+            <a:extLst>
+              <a:ext uri="{28A0092B-C50C-407E-A947-70E740481C1C}">
+                <a14:useLocalDpi xmlns:a14="http://schemas.microsoft.com/office/drawing/2010/main" val="0"/>
+              </a:ext>
+            </a:extLst>
+          </a:blip>
+          <a:stretch>
+            <a:fillRect/>
+          </a:stretch>
+        </p:blipFill>
+        <p:spPr>
+          <a:xfrm>
+            <a:off x="6240435" y="6596185"/>
+            <a:ext cx="2133898" cy="240280"/>
+          </a:xfrm>
+          <a:prstGeom prst="rect">
+            <a:avLst/>
+          </a:prstGeom>
+        </p:spPr>
+      </p:pic>
+    </p:spTree>
+    <p:extLst>
+      <p:ext uri="{BB962C8B-B14F-4D97-AF65-F5344CB8AC3E}">
+        <p14:creationId xmlns:p14="http://schemas.microsoft.com/office/powerpoint/2010/main" val="801187588"/>
+      </p:ext>
+    </p:extLst>
+  </p:cSld>
+  <p:clrMapOvr>
+    <a:masterClrMapping/>
+  </p:clrMapOvr>
+  <p:timing>
+    <p:tnLst>
+      <p:par>
+        <p:cTn id="1" dur="indefinite" restart="never" nodeType="tmRoot"/>
+      </p:par>
+    </p:tnLst>
+  </p:timing>
+</p:sld>
+</file>
+
+<file path=ppt/slides/slide18.xml><?xml version="1.0" encoding="utf-8"?>
+<p:sld xmlns:a="http://schemas.openxmlformats.org/drawingml/2006/main" xmlns:r="http://schemas.openxmlformats.org/officeDocument/2006/relationships" xmlns:p="http://schemas.openxmlformats.org/presentationml/2006/main">
+  <p:cSld>
+    <p:spTree>
+      <p:nvGrpSpPr>
+        <p:cNvPr id="1" name=""/>
+        <p:cNvGrpSpPr/>
+        <p:nvPr/>
+      </p:nvGrpSpPr>
+      <p:grpSpPr>
+        <a:xfrm>
+          <a:off x="0" y="0"/>
+          <a:ext cx="0" cy="0"/>
+          <a:chOff x="0" y="0"/>
+          <a:chExt cx="0" cy="0"/>
+        </a:xfrm>
+      </p:grpSpPr>
+      <p:sp>
+        <p:nvSpPr>
+          <p:cNvPr id="10" name="CuadroTexto 9"/>
+          <p:cNvSpPr txBox="1"/>
+          <p:nvPr/>
+        </p:nvSpPr>
+        <p:spPr>
+          <a:xfrm>
+            <a:off x="8540496" y="6522096"/>
+            <a:ext cx="1207008" cy="400110"/>
+          </a:xfrm>
+          <a:prstGeom prst="rect">
+            <a:avLst/>
+          </a:prstGeom>
+          <a:noFill/>
+        </p:spPr>
+        <p:txBody>
+          <a:bodyPr wrap="square" rtlCol="0">
+            <a:spAutoFit/>
+          </a:bodyPr>
+          <a:lstStyle/>
+          <a:p>
+            <a:r>
+              <a:rPr lang="es-CL" sz="2000" dirty="0" smtClean="0">
+                <a:solidFill>
+                  <a:schemeClr val="bg1"/>
+                </a:solidFill>
+              </a:rPr>
+              <a:t>17</a:t>
+            </a:r>
+            <a:endParaRPr lang="es-CL" sz="2000" dirty="0">
+              <a:solidFill>
+                <a:schemeClr val="bg1"/>
+              </a:solidFill>
+            </a:endParaRPr>
+          </a:p>
+        </p:txBody>
+      </p:sp>
+      <p:pic>
+        <p:nvPicPr>
+          <p:cNvPr id="13" name="Imagen 12"/>
+          <p:cNvPicPr>
+            <a:picLocks noChangeAspect="1"/>
+          </p:cNvPicPr>
+          <p:nvPr/>
+        </p:nvPicPr>
+        <p:blipFill>
+          <a:blip r:embed="rId2">
+            <a:extLst>
+              <a:ext uri="{28A0092B-C50C-407E-A947-70E740481C1C}">
+                <a14:useLocalDpi xmlns:a14="http://schemas.microsoft.com/office/drawing/2010/main" val="0"/>
+              </a:ext>
+            </a:extLst>
+          </a:blip>
+          <a:stretch>
+            <a:fillRect/>
+          </a:stretch>
+        </p:blipFill>
+        <p:spPr>
+          <a:xfrm>
+            <a:off x="6240435" y="6596185"/>
+            <a:ext cx="2133898" cy="240280"/>
+          </a:xfrm>
+          <a:prstGeom prst="rect">
+            <a:avLst/>
+          </a:prstGeom>
+        </p:spPr>
+      </p:pic>
+      <p:sp>
+        <p:nvSpPr>
+          <p:cNvPr id="2" name="CuadroTexto 1"/>
+          <p:cNvSpPr txBox="1"/>
+          <p:nvPr/>
+        </p:nvSpPr>
+        <p:spPr>
+          <a:xfrm>
+            <a:off x="1455821" y="2875548"/>
+            <a:ext cx="6268452" cy="461665"/>
+          </a:xfrm>
+          <a:prstGeom prst="rect">
+            <a:avLst/>
+          </a:prstGeom>
+          <a:noFill/>
+        </p:spPr>
+        <p:txBody>
+          <a:bodyPr wrap="square" rtlCol="0">
+            <a:spAutoFit/>
+          </a:bodyPr>
+          <a:lstStyle/>
+          <a:p>
+            <a:pPr algn="ctr"/>
+            <a:r>
+              <a:rPr lang="es-CL" sz="2400" b="1" i="1" dirty="0"/>
+              <a:t>M</a:t>
+            </a:r>
+            <a:r>
+              <a:rPr lang="es-CL" sz="2400" b="1" i="1" dirty="0" smtClean="0"/>
+              <a:t>uchas gracias por su atención</a:t>
+            </a:r>
+            <a:endParaRPr lang="es-CL" sz="2400" b="1" i="1" dirty="0"/>
+          </a:p>
+        </p:txBody>
+      </p:sp>
+    </p:spTree>
+    <p:extLst>
+      <p:ext uri="{BB962C8B-B14F-4D97-AF65-F5344CB8AC3E}">
+        <p14:creationId xmlns:p14="http://schemas.microsoft.com/office/powerpoint/2010/main" val="1348840145"/>
+      </p:ext>
+    </p:extLst>
+  </p:cSld>
+  <p:clrMapOvr>
+    <a:masterClrMapping/>
+  </p:clrMapOvr>
+  <p:timing>
+    <p:tnLst>
+      <p:par>
+        <p:cTn id="1" dur="indefinite" restart="never" nodeType="tmRoot"/>
+      </p:par>
+    </p:tnLst>
+  </p:timing>
+</p:sld>
+</file>
+
+<file path=ppt/slides/slide2.xml><?xml version="1.0" encoding="utf-8"?>
+<p:sld xmlns:a="http://schemas.openxmlformats.org/drawingml/2006/main" xmlns:r="http://schemas.openxmlformats.org/officeDocument/2006/relationships" xmlns:p="http://schemas.openxmlformats.org/presentationml/2006/main">
+  <p:cSld>
+    <p:spTree>
+      <p:nvGrpSpPr>
+        <p:cNvPr id="1" name=""/>
+        <p:cNvGrpSpPr/>
+        <p:nvPr/>
+      </p:nvGrpSpPr>
+      <p:grpSpPr>
+        <a:xfrm>
+          <a:off x="0" y="0"/>
+          <a:ext cx="0" cy="0"/>
+          <a:chOff x="0" y="0"/>
+          <a:chExt cx="0" cy="0"/>
+        </a:xfrm>
+      </p:grpSpPr>
+      <p:sp>
+        <p:nvSpPr>
+          <p:cNvPr id="4" name="TextBox 3"/>
+          <p:cNvSpPr txBox="1"/>
+          <p:nvPr/>
+        </p:nvSpPr>
+        <p:spPr>
+          <a:xfrm>
+            <a:off x="601428" y="755104"/>
+            <a:ext cx="3855049" cy="369332"/>
+          </a:xfrm>
+          <a:prstGeom prst="rect">
+            <a:avLst/>
+          </a:prstGeom>
+          <a:noFill/>
+        </p:spPr>
+        <p:txBody>
+          <a:bodyPr wrap="square" rtlCol="0">
+            <a:spAutoFit/>
+          </a:bodyPr>
+          <a:lstStyle/>
+          <a:p>
+            <a:r>
+              <a:rPr lang="es-CL" b="1" dirty="0"/>
+              <a:t>Objetivo general</a:t>
+            </a:r>
+          </a:p>
+        </p:txBody>
+      </p:sp>
+      <p:sp>
+        <p:nvSpPr>
+          <p:cNvPr id="5" name="TextBox 4"/>
+          <p:cNvSpPr txBox="1"/>
+          <p:nvPr/>
+        </p:nvSpPr>
+        <p:spPr>
+          <a:xfrm>
+            <a:off x="879152" y="1196706"/>
+            <a:ext cx="6366875" cy="1200329"/>
+          </a:xfrm>
+          <a:prstGeom prst="rect">
+            <a:avLst/>
+          </a:prstGeom>
+          <a:noFill/>
+        </p:spPr>
+        <p:txBody>
+          <a:bodyPr wrap="square" rtlCol="0">
+            <a:spAutoFit/>
+          </a:bodyPr>
+          <a:lstStyle/>
+          <a:p>
+            <a:pPr lvl="0"/>
+            <a:r>
+              <a:rPr lang="es-CL" dirty="0">
+                <a:solidFill>
+                  <a:schemeClr val="tx2">
+                    <a:lumMod val="75000"/>
+                  </a:schemeClr>
+                </a:solidFill>
+              </a:rPr>
+              <a:t>Bajo ambiente de Simulación y Práctico, estudiar el motor de inducción con su respuesta espectral, analizando su comportamiento en accionamientos con </a:t>
+            </a:r>
+            <a:r>
+              <a:rPr lang="es-CL" dirty="0" smtClean="0">
+                <a:solidFill>
+                  <a:schemeClr val="tx2">
+                    <a:lumMod val="75000"/>
+                  </a:schemeClr>
+                </a:solidFill>
+              </a:rPr>
+              <a:t>VdF </a:t>
+            </a:r>
+            <a:r>
+              <a:rPr lang="es-CL" dirty="0">
+                <a:solidFill>
+                  <a:schemeClr val="tx2">
+                    <a:lumMod val="75000"/>
+                  </a:schemeClr>
+                </a:solidFill>
+              </a:rPr>
+              <a:t>y posibles situaciones de falla.</a:t>
+            </a:r>
+          </a:p>
+        </p:txBody>
+      </p:sp>
+      <p:sp>
+        <p:nvSpPr>
+          <p:cNvPr id="6" name="TextBox 5"/>
+          <p:cNvSpPr txBox="1"/>
+          <p:nvPr/>
+        </p:nvSpPr>
+        <p:spPr>
+          <a:xfrm>
+            <a:off x="879152" y="3024669"/>
+            <a:ext cx="6639027" cy="2862322"/>
+          </a:xfrm>
+          <a:prstGeom prst="rect">
+            <a:avLst/>
+          </a:prstGeom>
+          <a:noFill/>
+        </p:spPr>
+        <p:txBody>
+          <a:bodyPr wrap="square" rtlCol="0">
+            <a:spAutoFit/>
+          </a:bodyPr>
+          <a:lstStyle/>
+          <a:p>
+            <a:pPr marL="285750" lvl="0" indent="-285750">
+              <a:buFont typeface="Arial"/>
+              <a:buChar char="•"/>
+            </a:pPr>
+            <a:r>
+              <a:rPr lang="es-CL" dirty="0" smtClean="0">
+                <a:solidFill>
+                  <a:schemeClr val="tx2">
+                    <a:lumMod val="75000"/>
+                  </a:schemeClr>
+                </a:solidFill>
+                <a:latin typeface="+mj-lt"/>
+              </a:rPr>
+              <a:t>Estudiar </a:t>
+            </a:r>
+            <a:r>
+              <a:rPr lang="es-CL" dirty="0">
+                <a:solidFill>
+                  <a:schemeClr val="tx2">
+                    <a:lumMod val="75000"/>
+                  </a:schemeClr>
+                </a:solidFill>
+                <a:latin typeface="+mj-lt"/>
+              </a:rPr>
+              <a:t>bajo simulación el comportamiento del motor de inducción con y sin </a:t>
+            </a:r>
+            <a:r>
+              <a:rPr lang="es-CL" dirty="0" smtClean="0">
+                <a:solidFill>
+                  <a:schemeClr val="tx2">
+                    <a:lumMod val="75000"/>
+                  </a:schemeClr>
+                </a:solidFill>
+                <a:latin typeface="+mj-lt"/>
+              </a:rPr>
+              <a:t>VdF</a:t>
+            </a:r>
+            <a:r>
+              <a:rPr lang="es-CL" dirty="0">
+                <a:solidFill>
+                  <a:schemeClr val="tx2">
+                    <a:lumMod val="75000"/>
+                  </a:schemeClr>
+                </a:solidFill>
+                <a:latin typeface="+mj-lt"/>
+              </a:rPr>
+              <a:t>, analizando su respuesta espectral y su contenido armónico</a:t>
+            </a:r>
+            <a:r>
+              <a:rPr lang="es-CL" dirty="0" smtClean="0">
+                <a:solidFill>
+                  <a:schemeClr val="tx2">
+                    <a:lumMod val="75000"/>
+                  </a:schemeClr>
+                </a:solidFill>
+                <a:latin typeface="+mj-lt"/>
+              </a:rPr>
+              <a:t>.</a:t>
+            </a:r>
+          </a:p>
+          <a:p>
+            <a:pPr marL="285750" lvl="0" indent="-285750">
+              <a:buFont typeface="Arial"/>
+              <a:buChar char="•"/>
+            </a:pPr>
+            <a:endParaRPr lang="it-IT" dirty="0" smtClean="0">
+              <a:solidFill>
+                <a:schemeClr val="tx2">
+                  <a:lumMod val="75000"/>
+                </a:schemeClr>
+              </a:solidFill>
+              <a:latin typeface="+mj-lt"/>
+              <a:cs typeface="Roboto Light"/>
+            </a:endParaRPr>
+          </a:p>
+          <a:p>
+            <a:pPr marL="285750" lvl="0" indent="-285750">
+              <a:buFont typeface="Arial"/>
+              <a:buChar char="•"/>
+            </a:pPr>
+            <a:r>
+              <a:rPr lang="es-CL" dirty="0" smtClean="0">
+                <a:solidFill>
+                  <a:schemeClr val="tx2">
+                    <a:lumMod val="75000"/>
+                  </a:schemeClr>
+                </a:solidFill>
+                <a:latin typeface="+mj-lt"/>
+              </a:rPr>
+              <a:t>Estudiar </a:t>
+            </a:r>
+            <a:r>
+              <a:rPr lang="es-CL" dirty="0">
+                <a:solidFill>
+                  <a:schemeClr val="tx2">
+                    <a:lumMod val="75000"/>
+                  </a:schemeClr>
+                </a:solidFill>
+                <a:latin typeface="+mj-lt"/>
+              </a:rPr>
+              <a:t>en forma práctica el comportamiento del motor de inducción, para contrastar las simulaciones.</a:t>
+            </a:r>
+          </a:p>
+          <a:p>
+            <a:pPr marL="285750" indent="-285750">
+              <a:buFont typeface="Arial"/>
+              <a:buChar char="•"/>
+            </a:pPr>
+            <a:endParaRPr lang="it-IT" dirty="0" smtClean="0">
+              <a:solidFill>
+                <a:schemeClr val="tx2">
+                  <a:lumMod val="75000"/>
+                </a:schemeClr>
+              </a:solidFill>
+              <a:latin typeface="+mj-lt"/>
+              <a:cs typeface="Roboto Light"/>
+            </a:endParaRPr>
+          </a:p>
+          <a:p>
+            <a:pPr marL="285750" indent="-285750">
+              <a:buFont typeface="Arial"/>
+              <a:buChar char="•"/>
+            </a:pPr>
+            <a:r>
+              <a:rPr lang="es-CL" dirty="0">
+                <a:solidFill>
+                  <a:schemeClr val="tx2">
+                    <a:lumMod val="75000"/>
+                  </a:schemeClr>
+                </a:solidFill>
+                <a:latin typeface="+mj-lt"/>
+              </a:rPr>
+              <a:t>Verificar en situaciones de falla, las variaciones en el espectro de las corrientes, y poder verificar que es lo que está ocurriendo en la máquina.</a:t>
+            </a:r>
+            <a:endParaRPr lang="en-US" dirty="0">
+              <a:solidFill>
+                <a:schemeClr val="tx2">
+                  <a:lumMod val="75000"/>
+                </a:schemeClr>
+              </a:solidFill>
+              <a:latin typeface="+mj-lt"/>
+              <a:cs typeface="Roboto Light"/>
+            </a:endParaRPr>
+          </a:p>
+        </p:txBody>
+      </p:sp>
+      <p:sp>
+        <p:nvSpPr>
+          <p:cNvPr id="10" name="CuadroTexto 9"/>
+          <p:cNvSpPr txBox="1"/>
+          <p:nvPr/>
+        </p:nvSpPr>
+        <p:spPr>
+          <a:xfrm>
+            <a:off x="8540496" y="6522096"/>
+            <a:ext cx="1207008" cy="400110"/>
+          </a:xfrm>
+          <a:prstGeom prst="rect">
+            <a:avLst/>
+          </a:prstGeom>
+          <a:noFill/>
+        </p:spPr>
+        <p:txBody>
+          <a:bodyPr wrap="square" rtlCol="0">
+            <a:spAutoFit/>
+          </a:bodyPr>
+          <a:lstStyle/>
+          <a:p>
+            <a:r>
+              <a:rPr lang="es-CL" sz="2000" dirty="0">
+                <a:solidFill>
+                  <a:schemeClr val="bg1"/>
+                </a:solidFill>
+              </a:rPr>
+              <a:t>1</a:t>
+            </a:r>
+          </a:p>
+        </p:txBody>
+      </p:sp>
+      <p:pic>
+        <p:nvPicPr>
+          <p:cNvPr id="13" name="Imagen 12"/>
+          <p:cNvPicPr>
+            <a:picLocks noChangeAspect="1"/>
+          </p:cNvPicPr>
+          <p:nvPr/>
+        </p:nvPicPr>
+        <p:blipFill>
+          <a:blip r:embed="rId2">
+            <a:extLst>
+              <a:ext uri="{28A0092B-C50C-407E-A947-70E740481C1C}">
+                <a14:useLocalDpi xmlns:a14="http://schemas.microsoft.com/office/drawing/2010/main" val="0"/>
+              </a:ext>
+            </a:extLst>
+          </a:blip>
+          <a:stretch>
+            <a:fillRect/>
+          </a:stretch>
+        </p:blipFill>
+        <p:spPr>
+          <a:xfrm>
+            <a:off x="6240435" y="6596185"/>
+            <a:ext cx="2133898" cy="240280"/>
+          </a:xfrm>
+          <a:prstGeom prst="rect">
+            <a:avLst/>
+          </a:prstGeom>
+        </p:spPr>
+      </p:pic>
+      <p:sp>
+        <p:nvSpPr>
+          <p:cNvPr id="7" name="TextBox 3"/>
+          <p:cNvSpPr txBox="1"/>
+          <p:nvPr/>
+        </p:nvSpPr>
+        <p:spPr>
+          <a:xfrm>
+            <a:off x="601427" y="2541575"/>
+            <a:ext cx="3855049" cy="338554"/>
+          </a:xfrm>
+          <a:prstGeom prst="rect">
+            <a:avLst/>
+          </a:prstGeom>
+          <a:noFill/>
+        </p:spPr>
+        <p:txBody>
+          <a:bodyPr wrap="square" rtlCol="0">
+            <a:spAutoFit/>
+          </a:bodyPr>
+          <a:lstStyle/>
+          <a:p>
+            <a:r>
+              <a:rPr lang="es-CL" sz="1600" b="1" dirty="0" smtClean="0"/>
+              <a:t>Objetivos específicos</a:t>
+            </a:r>
+            <a:endParaRPr lang="es-CL" sz="1600" b="1" dirty="0"/>
+          </a:p>
+        </p:txBody>
+      </p:sp>
+    </p:spTree>
+    <p:extLst>
+      <p:ext uri="{BB962C8B-B14F-4D97-AF65-F5344CB8AC3E}">
         <p14:creationId xmlns:p14="http://schemas.microsoft.com/office/powerpoint/2010/main" val="3726788573"/>
+      </p:ext>
+    </p:extLst>
+  </p:cSld>
+  <p:clrMapOvr>
+    <a:masterClrMapping/>
+  </p:clrMapOvr>
+  <p:timing>
+    <p:tnLst>
+      <p:par>
+        <p:cTn id="1" dur="indefinite" restart="never" nodeType="tmRoot"/>
+      </p:par>
+    </p:tnLst>
+  </p:timing>
+</p:sld>
+</file>
+
+<file path=ppt/slides/slide3.xml><?xml version="1.0" encoding="utf-8"?>
+<p:sld xmlns:a="http://schemas.openxmlformats.org/drawingml/2006/main" xmlns:r="http://schemas.openxmlformats.org/officeDocument/2006/relationships" xmlns:p="http://schemas.openxmlformats.org/presentationml/2006/main">
+  <p:cSld>
+    <p:spTree>
+      <p:nvGrpSpPr>
+        <p:cNvPr id="1" name=""/>
+        <p:cNvGrpSpPr/>
+        <p:nvPr/>
+      </p:nvGrpSpPr>
+      <p:grpSpPr>
+        <a:xfrm>
+          <a:off x="0" y="0"/>
+          <a:ext cx="0" cy="0"/>
+          <a:chOff x="0" y="0"/>
+          <a:chExt cx="0" cy="0"/>
+        </a:xfrm>
+      </p:grpSpPr>
+      <p:sp>
+        <p:nvSpPr>
+          <p:cNvPr id="4" name="TextBox 3"/>
+          <p:cNvSpPr txBox="1"/>
+          <p:nvPr/>
+        </p:nvSpPr>
+        <p:spPr>
+          <a:xfrm>
+            <a:off x="0" y="514964"/>
+            <a:ext cx="3855049" cy="400110"/>
+          </a:xfrm>
+          <a:prstGeom prst="rect">
+            <a:avLst/>
+          </a:prstGeom>
+          <a:noFill/>
+        </p:spPr>
+        <p:txBody>
+          <a:bodyPr wrap="square" rtlCol="0">
+            <a:spAutoFit/>
+          </a:bodyPr>
+          <a:lstStyle/>
+          <a:p>
+            <a:pPr lvl="1"/>
+            <a:r>
+              <a:rPr lang="es-CL" sz="2000" b="1" dirty="0"/>
+              <a:t>Descripción </a:t>
+            </a:r>
+            <a:r>
+              <a:rPr lang="es-CL" sz="2000" b="1" dirty="0" smtClean="0"/>
+              <a:t>del </a:t>
+            </a:r>
+            <a:r>
+              <a:rPr lang="es-CL" sz="2000" b="1" dirty="0"/>
+              <a:t>estudio</a:t>
+            </a:r>
+          </a:p>
+        </p:txBody>
+      </p:sp>
+      <p:sp>
+        <p:nvSpPr>
+          <p:cNvPr id="6" name="TextBox 5"/>
+          <p:cNvSpPr txBox="1"/>
+          <p:nvPr/>
+        </p:nvSpPr>
+        <p:spPr>
+          <a:xfrm>
+            <a:off x="879152" y="1115129"/>
+            <a:ext cx="6929343" cy="5078313"/>
+          </a:xfrm>
+          <a:prstGeom prst="rect">
+            <a:avLst/>
+          </a:prstGeom>
+          <a:noFill/>
+        </p:spPr>
+        <p:txBody>
+          <a:bodyPr wrap="square" rtlCol="0">
+            <a:spAutoFit/>
+          </a:bodyPr>
+          <a:lstStyle/>
+          <a:p>
+            <a:pPr marL="285750" indent="-285750">
+              <a:buFont typeface="Arial"/>
+              <a:buChar char="•"/>
+            </a:pPr>
+            <a:r>
+              <a:rPr lang="es-CL" dirty="0" smtClean="0">
+                <a:solidFill>
+                  <a:schemeClr val="tx2">
+                    <a:lumMod val="75000"/>
+                  </a:schemeClr>
+                </a:solidFill>
+                <a:latin typeface="+mj-lt"/>
+              </a:rPr>
+              <a:t>Seleccionar motor del laboratorio con el cual trabajar.</a:t>
+            </a:r>
+          </a:p>
+          <a:p>
+            <a:pPr marL="285750" indent="-285750">
+              <a:buFont typeface="Arial"/>
+              <a:buChar char="•"/>
+            </a:pPr>
+            <a:endParaRPr lang="es-CL" dirty="0" smtClean="0">
+              <a:solidFill>
+                <a:schemeClr val="tx2">
+                  <a:lumMod val="75000"/>
+                </a:schemeClr>
+              </a:solidFill>
+              <a:latin typeface="+mj-lt"/>
+            </a:endParaRPr>
+          </a:p>
+          <a:p>
+            <a:pPr marL="285750" indent="-285750">
+              <a:buFont typeface="Arial"/>
+              <a:buChar char="•"/>
+            </a:pPr>
+            <a:r>
+              <a:rPr lang="es-CL" dirty="0">
+                <a:solidFill>
+                  <a:schemeClr val="tx2">
+                    <a:lumMod val="75000"/>
+                  </a:schemeClr>
+                </a:solidFill>
+                <a:latin typeface="+mj-lt"/>
+              </a:rPr>
+              <a:t>O</a:t>
+            </a:r>
+            <a:r>
+              <a:rPr lang="es-CL" dirty="0" smtClean="0">
+                <a:solidFill>
+                  <a:schemeClr val="tx2">
+                    <a:lumMod val="75000"/>
+                  </a:schemeClr>
+                </a:solidFill>
+                <a:latin typeface="+mj-lt"/>
+              </a:rPr>
+              <a:t>btener parámetros </a:t>
+            </a:r>
+            <a:r>
+              <a:rPr lang="es-CL" dirty="0">
+                <a:solidFill>
+                  <a:schemeClr val="tx2">
+                    <a:lumMod val="75000"/>
+                  </a:schemeClr>
+                </a:solidFill>
+                <a:latin typeface="+mj-lt"/>
+              </a:rPr>
+              <a:t>del motor de </a:t>
+            </a:r>
+            <a:r>
+              <a:rPr lang="es-CL" dirty="0" smtClean="0">
+                <a:solidFill>
+                  <a:schemeClr val="tx2">
+                    <a:lumMod val="75000"/>
+                  </a:schemeClr>
+                </a:solidFill>
+                <a:latin typeface="+mj-lt"/>
+              </a:rPr>
+              <a:t>inducción, ensayos </a:t>
+            </a:r>
+            <a:r>
+              <a:rPr lang="es-CL" dirty="0">
+                <a:solidFill>
+                  <a:schemeClr val="tx2">
+                    <a:lumMod val="75000"/>
+                  </a:schemeClr>
+                </a:solidFill>
+                <a:latin typeface="+mj-lt"/>
+              </a:rPr>
+              <a:t>de vacío y rotor bloqueado</a:t>
+            </a:r>
+            <a:r>
+              <a:rPr lang="es-CL" dirty="0" smtClean="0">
+                <a:solidFill>
+                  <a:schemeClr val="tx2">
+                    <a:lumMod val="75000"/>
+                  </a:schemeClr>
+                </a:solidFill>
+                <a:latin typeface="+mj-lt"/>
+              </a:rPr>
+              <a:t>.</a:t>
+            </a:r>
+          </a:p>
+          <a:p>
+            <a:pPr marL="285750" indent="-285750">
+              <a:buFont typeface="Arial"/>
+              <a:buChar char="•"/>
+            </a:pPr>
+            <a:endParaRPr lang="es-CL" dirty="0" smtClean="0">
+              <a:solidFill>
+                <a:schemeClr val="tx2">
+                  <a:lumMod val="75000"/>
+                </a:schemeClr>
+              </a:solidFill>
+              <a:latin typeface="+mj-lt"/>
+            </a:endParaRPr>
+          </a:p>
+          <a:p>
+            <a:pPr marL="285750" indent="-285750">
+              <a:buFont typeface="Arial"/>
+              <a:buChar char="•"/>
+            </a:pPr>
+            <a:r>
+              <a:rPr lang="it-IT" dirty="0" smtClean="0">
+                <a:solidFill>
+                  <a:schemeClr val="tx2">
+                    <a:lumMod val="75000"/>
+                  </a:schemeClr>
+                </a:solidFill>
+                <a:latin typeface="+mj-lt"/>
+                <a:cs typeface="Roboto Light"/>
+              </a:rPr>
+              <a:t>Utilizar instrumentos de medición para registrar variables.</a:t>
+            </a:r>
+          </a:p>
+          <a:p>
+            <a:pPr marL="285750" indent="-285750">
+              <a:buFont typeface="Arial"/>
+              <a:buChar char="•"/>
+            </a:pPr>
+            <a:endParaRPr lang="it-IT" dirty="0">
+              <a:solidFill>
+                <a:schemeClr val="tx2">
+                  <a:lumMod val="75000"/>
+                </a:schemeClr>
+              </a:solidFill>
+              <a:latin typeface="+mj-lt"/>
+              <a:cs typeface="Roboto Light"/>
+            </a:endParaRPr>
+          </a:p>
+          <a:p>
+            <a:pPr marL="285750" indent="-285750">
+              <a:buFont typeface="Arial"/>
+              <a:buChar char="•"/>
+            </a:pPr>
+            <a:r>
+              <a:rPr lang="it-IT" dirty="0" smtClean="0">
+                <a:solidFill>
+                  <a:schemeClr val="tx2">
+                    <a:lumMod val="75000"/>
+                  </a:schemeClr>
+                </a:solidFill>
+                <a:latin typeface="+mj-lt"/>
+                <a:cs typeface="Roboto Light"/>
+              </a:rPr>
+              <a:t>Estimar la curva de saturación del motor.</a:t>
+            </a:r>
+          </a:p>
+          <a:p>
+            <a:pPr marL="285750" indent="-285750">
+              <a:buFont typeface="Arial"/>
+              <a:buChar char="•"/>
+            </a:pPr>
+            <a:endParaRPr lang="it-IT" dirty="0">
+              <a:solidFill>
+                <a:schemeClr val="tx2">
+                  <a:lumMod val="75000"/>
+                </a:schemeClr>
+              </a:solidFill>
+              <a:latin typeface="+mj-lt"/>
+              <a:cs typeface="Roboto Light"/>
+            </a:endParaRPr>
+          </a:p>
+          <a:p>
+            <a:pPr marL="285750" indent="-285750">
+              <a:buFont typeface="Arial"/>
+              <a:buChar char="•"/>
+            </a:pPr>
+            <a:r>
+              <a:rPr lang="it-IT" dirty="0" smtClean="0">
+                <a:solidFill>
+                  <a:schemeClr val="tx2">
+                    <a:lumMod val="75000"/>
+                  </a:schemeClr>
+                </a:solidFill>
+                <a:latin typeface="+mj-lt"/>
+                <a:cs typeface="Roboto Light"/>
+              </a:rPr>
+              <a:t>Tener en consideración cuales son las fallas más relevantes.</a:t>
+            </a:r>
+          </a:p>
+          <a:p>
+            <a:pPr marL="285750" indent="-285750">
+              <a:buFont typeface="Arial"/>
+              <a:buChar char="•"/>
+            </a:pPr>
+            <a:endParaRPr lang="it-IT" dirty="0">
+              <a:solidFill>
+                <a:schemeClr val="tx2">
+                  <a:lumMod val="75000"/>
+                </a:schemeClr>
+              </a:solidFill>
+              <a:latin typeface="+mj-lt"/>
+              <a:cs typeface="Roboto Light"/>
+            </a:endParaRPr>
+          </a:p>
+          <a:p>
+            <a:pPr marL="285750" indent="-285750">
+              <a:buFont typeface="Arial"/>
+              <a:buChar char="•"/>
+            </a:pPr>
+            <a:r>
+              <a:rPr lang="it-IT" dirty="0" smtClean="0">
+                <a:solidFill>
+                  <a:schemeClr val="tx2">
+                    <a:lumMod val="75000"/>
+                  </a:schemeClr>
+                </a:solidFill>
+                <a:latin typeface="+mj-lt"/>
+                <a:cs typeface="Roboto Light"/>
+              </a:rPr>
+              <a:t>Seleccionar VdF a utilizar, saber sus parámetros para simular.</a:t>
+            </a:r>
+          </a:p>
+          <a:p>
+            <a:pPr marL="285750" indent="-285750">
+              <a:buFont typeface="Arial"/>
+              <a:buChar char="•"/>
+            </a:pPr>
+            <a:endParaRPr lang="it-IT" dirty="0">
+              <a:solidFill>
+                <a:schemeClr val="tx2">
+                  <a:lumMod val="75000"/>
+                </a:schemeClr>
+              </a:solidFill>
+              <a:latin typeface="+mj-lt"/>
+              <a:cs typeface="Roboto Light"/>
+            </a:endParaRPr>
+          </a:p>
+          <a:p>
+            <a:pPr marL="285750" indent="-285750">
+              <a:buFont typeface="Arial"/>
+              <a:buChar char="•"/>
+            </a:pPr>
+            <a:r>
+              <a:rPr lang="it-IT" dirty="0" smtClean="0">
+                <a:solidFill>
+                  <a:schemeClr val="tx2">
+                    <a:lumMod val="75000"/>
+                  </a:schemeClr>
+                </a:solidFill>
+                <a:latin typeface="+mj-lt"/>
+                <a:cs typeface="Roboto Light"/>
+              </a:rPr>
+              <a:t>Con todos los datos para el modelo, simular situaciones  de interés.</a:t>
+            </a:r>
+          </a:p>
+          <a:p>
+            <a:pPr marL="285750" indent="-285750">
+              <a:buFont typeface="Arial"/>
+              <a:buChar char="•"/>
+            </a:pPr>
+            <a:endParaRPr lang="it-IT" dirty="0">
+              <a:solidFill>
+                <a:schemeClr val="tx2">
+                  <a:lumMod val="75000"/>
+                </a:schemeClr>
+              </a:solidFill>
+              <a:latin typeface="+mj-lt"/>
+              <a:cs typeface="Roboto Light"/>
+            </a:endParaRPr>
+          </a:p>
+          <a:p>
+            <a:pPr marL="285750" indent="-285750">
+              <a:buFont typeface="Arial"/>
+              <a:buChar char="•"/>
+            </a:pPr>
+            <a:r>
+              <a:rPr lang="it-IT" dirty="0" smtClean="0">
+                <a:solidFill>
+                  <a:schemeClr val="tx2">
+                    <a:lumMod val="75000"/>
+                  </a:schemeClr>
+                </a:solidFill>
+                <a:latin typeface="+mj-lt"/>
+                <a:cs typeface="Roboto Light"/>
+              </a:rPr>
+              <a:t>Contrastar espectro armónico de simulaciones con parte práctica.</a:t>
+            </a:r>
+          </a:p>
+          <a:p>
+            <a:pPr marL="285750" indent="-285750">
+              <a:buFont typeface="Arial"/>
+              <a:buChar char="•"/>
+            </a:pPr>
+            <a:endParaRPr lang="it-IT" dirty="0">
+              <a:solidFill>
+                <a:schemeClr val="tx2">
+                  <a:lumMod val="75000"/>
+                </a:schemeClr>
+              </a:solidFill>
+              <a:latin typeface="+mj-lt"/>
+              <a:cs typeface="Roboto Light"/>
+            </a:endParaRPr>
+          </a:p>
+          <a:p>
+            <a:pPr marL="285750" indent="-285750">
+              <a:buFont typeface="Arial"/>
+              <a:buChar char="•"/>
+            </a:pPr>
+            <a:r>
+              <a:rPr lang="it-IT" dirty="0" smtClean="0">
+                <a:solidFill>
+                  <a:schemeClr val="tx2">
+                    <a:lumMod val="75000"/>
+                  </a:schemeClr>
+                </a:solidFill>
+                <a:latin typeface="+mj-lt"/>
+                <a:cs typeface="Roboto Light"/>
+              </a:rPr>
+              <a:t>Conclusiones y discusiones respecto a los resultados obtenidos.</a:t>
+            </a:r>
+            <a:endParaRPr lang="en-US" sz="1600" dirty="0">
+              <a:latin typeface="+mj-lt"/>
+              <a:cs typeface="Roboto Light"/>
+            </a:endParaRPr>
+          </a:p>
+        </p:txBody>
+      </p:sp>
+      <p:sp>
+        <p:nvSpPr>
+          <p:cNvPr id="10" name="CuadroTexto 9"/>
+          <p:cNvSpPr txBox="1"/>
+          <p:nvPr/>
+        </p:nvSpPr>
+        <p:spPr>
+          <a:xfrm>
+            <a:off x="8540496" y="6522096"/>
+            <a:ext cx="1207008" cy="400110"/>
+          </a:xfrm>
+          <a:prstGeom prst="rect">
+            <a:avLst/>
+          </a:prstGeom>
+          <a:noFill/>
+        </p:spPr>
+        <p:txBody>
+          <a:bodyPr wrap="square" rtlCol="0">
+            <a:spAutoFit/>
+          </a:bodyPr>
+          <a:lstStyle/>
+          <a:p>
+            <a:r>
+              <a:rPr lang="es-CL" sz="2000" dirty="0">
+                <a:solidFill>
+                  <a:schemeClr val="bg1"/>
+                </a:solidFill>
+              </a:rPr>
+              <a:t>2</a:t>
+            </a:r>
+            <a:endParaRPr lang="es-CL" sz="2000" dirty="0">
+              <a:solidFill>
+                <a:schemeClr val="bg1"/>
+              </a:solidFill>
+            </a:endParaRPr>
+          </a:p>
+        </p:txBody>
+      </p:sp>
+      <p:pic>
+        <p:nvPicPr>
+          <p:cNvPr id="13" name="Imagen 12"/>
+          <p:cNvPicPr>
+            <a:picLocks noChangeAspect="1"/>
+          </p:cNvPicPr>
+          <p:nvPr/>
+        </p:nvPicPr>
+        <p:blipFill>
+          <a:blip r:embed="rId2">
+            <a:extLst>
+              <a:ext uri="{28A0092B-C50C-407E-A947-70E740481C1C}">
+                <a14:useLocalDpi xmlns:a14="http://schemas.microsoft.com/office/drawing/2010/main" val="0"/>
+              </a:ext>
+            </a:extLst>
+          </a:blip>
+          <a:stretch>
+            <a:fillRect/>
+          </a:stretch>
+        </p:blipFill>
+        <p:spPr>
+          <a:xfrm>
+            <a:off x="6240435" y="6596185"/>
+            <a:ext cx="2133898" cy="240280"/>
+          </a:xfrm>
+          <a:prstGeom prst="rect">
+            <a:avLst/>
+          </a:prstGeom>
+        </p:spPr>
+      </p:pic>
+    </p:spTree>
+    <p:extLst>
+      <p:ext uri="{BB962C8B-B14F-4D97-AF65-F5344CB8AC3E}">
+        <p14:creationId xmlns:p14="http://schemas.microsoft.com/office/powerpoint/2010/main" val="330372197"/>
+      </p:ext>
+    </p:extLst>
+  </p:cSld>
+  <p:clrMapOvr>
+    <a:masterClrMapping/>
+  </p:clrMapOvr>
+  <p:timing>
+    <p:tnLst>
+      <p:par>
+        <p:cTn id="1" dur="indefinite" restart="never" nodeType="tmRoot"/>
+      </p:par>
+    </p:tnLst>
+  </p:timing>
+</p:sld>
+</file>
+
+<file path=ppt/slides/slide4.xml><?xml version="1.0" encoding="utf-8"?>
+<p:sld xmlns:a="http://schemas.openxmlformats.org/drawingml/2006/main" xmlns:r="http://schemas.openxmlformats.org/officeDocument/2006/relationships" xmlns:p="http://schemas.openxmlformats.org/presentationml/2006/main">
+  <p:cSld>
+    <p:spTree>
+      <p:nvGrpSpPr>
+        <p:cNvPr id="1" name=""/>
+        <p:cNvGrpSpPr/>
+        <p:nvPr/>
+      </p:nvGrpSpPr>
+      <p:grpSpPr>
+        <a:xfrm>
+          <a:off x="0" y="0"/>
+          <a:ext cx="0" cy="0"/>
+          <a:chOff x="0" y="0"/>
+          <a:chExt cx="0" cy="0"/>
+        </a:xfrm>
+      </p:grpSpPr>
+      <p:sp>
+        <p:nvSpPr>
+          <p:cNvPr id="4" name="TextBox 3"/>
+          <p:cNvSpPr txBox="1"/>
+          <p:nvPr/>
+        </p:nvSpPr>
+        <p:spPr>
+          <a:xfrm>
+            <a:off x="601428" y="750500"/>
+            <a:ext cx="3855049" cy="461665"/>
+          </a:xfrm>
+          <a:prstGeom prst="rect">
+            <a:avLst/>
+          </a:prstGeom>
+          <a:noFill/>
+        </p:spPr>
+        <p:txBody>
+          <a:bodyPr wrap="square" rtlCol="0">
+            <a:spAutoFit/>
+          </a:bodyPr>
+          <a:lstStyle/>
+          <a:p>
+            <a:r>
+              <a:rPr lang="es-CL" sz="2400" b="1" dirty="0"/>
+              <a:t>Marco Teórico</a:t>
+            </a:r>
+            <a:endParaRPr lang="en-US" sz="2400" b="1" spc="200" dirty="0">
+              <a:solidFill>
+                <a:schemeClr val="accent2">
+                  <a:lumMod val="75000"/>
+                </a:schemeClr>
+              </a:solidFill>
+              <a:latin typeface="Roboto Medium"/>
+              <a:cs typeface="Roboto Medium"/>
+            </a:endParaRPr>
+          </a:p>
+        </p:txBody>
+      </p:sp>
+      <p:sp>
+        <p:nvSpPr>
+          <p:cNvPr id="5" name="TextBox 4"/>
+          <p:cNvSpPr txBox="1"/>
+          <p:nvPr/>
+        </p:nvSpPr>
+        <p:spPr>
+          <a:xfrm>
+            <a:off x="940509" y="1440720"/>
+            <a:ext cx="7433824" cy="5909310"/>
+          </a:xfrm>
+          <a:prstGeom prst="rect">
+            <a:avLst/>
+          </a:prstGeom>
+          <a:noFill/>
+        </p:spPr>
+        <p:txBody>
+          <a:bodyPr wrap="square" rtlCol="0">
+            <a:spAutoFit/>
+          </a:bodyPr>
+          <a:lstStyle/>
+          <a:p>
+            <a:pPr marL="342900" indent="-342900">
+              <a:buFont typeface="+mj-lt"/>
+              <a:buAutoNum type="arabicPeriod"/>
+            </a:pPr>
+            <a:r>
+              <a:rPr lang="it-IT" dirty="0" smtClean="0">
+                <a:solidFill>
+                  <a:schemeClr val="tx2">
+                    <a:lumMod val="75000"/>
+                  </a:schemeClr>
+                </a:solidFill>
+                <a:latin typeface="+mj-lt"/>
+                <a:cs typeface="Roboto Light"/>
+              </a:rPr>
+              <a:t>Variables eléctricas de estudio</a:t>
+            </a:r>
+            <a:br>
+              <a:rPr lang="it-IT" dirty="0" smtClean="0">
+                <a:solidFill>
+                  <a:schemeClr val="tx2">
+                    <a:lumMod val="75000"/>
+                  </a:schemeClr>
+                </a:solidFill>
+                <a:latin typeface="+mj-lt"/>
+                <a:cs typeface="Roboto Light"/>
+              </a:rPr>
+            </a:br>
+            <a:r>
+              <a:rPr lang="it-IT" dirty="0" smtClean="0">
+                <a:solidFill>
+                  <a:schemeClr val="tx2">
+                    <a:lumMod val="75000"/>
+                  </a:schemeClr>
+                </a:solidFill>
+                <a:latin typeface="+mj-lt"/>
+                <a:cs typeface="Roboto Light"/>
+              </a:rPr>
+              <a:t>-Armónicos</a:t>
+            </a:r>
+            <a:br>
+              <a:rPr lang="it-IT" dirty="0" smtClean="0">
+                <a:solidFill>
+                  <a:schemeClr val="tx2">
+                    <a:lumMod val="75000"/>
+                  </a:schemeClr>
+                </a:solidFill>
+                <a:latin typeface="+mj-lt"/>
+                <a:cs typeface="Roboto Light"/>
+              </a:rPr>
+            </a:br>
+            <a:r>
+              <a:rPr lang="it-IT" dirty="0" smtClean="0">
+                <a:solidFill>
+                  <a:schemeClr val="tx2">
+                    <a:lumMod val="75000"/>
+                  </a:schemeClr>
+                </a:solidFill>
+                <a:latin typeface="+mj-lt"/>
+                <a:cs typeface="Roboto Light"/>
+              </a:rPr>
+              <a:t>-Transitorios</a:t>
+            </a:r>
+            <a:br>
+              <a:rPr lang="it-IT" dirty="0" smtClean="0">
+                <a:solidFill>
+                  <a:schemeClr val="tx2">
+                    <a:lumMod val="75000"/>
+                  </a:schemeClr>
+                </a:solidFill>
+                <a:latin typeface="+mj-lt"/>
+                <a:cs typeface="Roboto Light"/>
+              </a:rPr>
+            </a:br>
+            <a:r>
+              <a:rPr lang="it-IT" dirty="0" smtClean="0">
+                <a:solidFill>
+                  <a:schemeClr val="tx2">
+                    <a:lumMod val="75000"/>
+                  </a:schemeClr>
+                </a:solidFill>
+                <a:latin typeface="+mj-lt"/>
+                <a:cs typeface="Roboto Light"/>
+              </a:rPr>
+              <a:t>-Componentes simétricas</a:t>
+            </a:r>
+          </a:p>
+          <a:p>
+            <a:pPr marL="342900" indent="-342900">
+              <a:buFont typeface="+mj-lt"/>
+              <a:buAutoNum type="arabicPeriod"/>
+            </a:pPr>
+            <a:endParaRPr lang="it-IT" dirty="0">
+              <a:solidFill>
+                <a:schemeClr val="tx2">
+                  <a:lumMod val="75000"/>
+                </a:schemeClr>
+              </a:solidFill>
+              <a:latin typeface="+mj-lt"/>
+              <a:cs typeface="Roboto Light"/>
+            </a:endParaRPr>
+          </a:p>
+          <a:p>
+            <a:pPr marL="342900" indent="-342900">
+              <a:buFont typeface="+mj-lt"/>
+              <a:buAutoNum type="arabicPeriod"/>
+            </a:pPr>
+            <a:r>
+              <a:rPr lang="it-IT" dirty="0" smtClean="0">
+                <a:solidFill>
+                  <a:schemeClr val="tx2">
+                    <a:lumMod val="75000"/>
+                  </a:schemeClr>
+                </a:solidFill>
+                <a:latin typeface="+mj-lt"/>
+                <a:cs typeface="Roboto Light"/>
+              </a:rPr>
+              <a:t>Conceptos relevantes del motor de inducción</a:t>
+            </a:r>
+            <a:br>
+              <a:rPr lang="it-IT" dirty="0" smtClean="0">
+                <a:solidFill>
+                  <a:schemeClr val="tx2">
+                    <a:lumMod val="75000"/>
+                  </a:schemeClr>
+                </a:solidFill>
+                <a:latin typeface="+mj-lt"/>
+                <a:cs typeface="Roboto Light"/>
+              </a:rPr>
+            </a:br>
+            <a:r>
+              <a:rPr lang="it-IT" dirty="0" smtClean="0">
+                <a:solidFill>
+                  <a:schemeClr val="tx2">
+                    <a:lumMod val="75000"/>
+                  </a:schemeClr>
+                </a:solidFill>
+                <a:latin typeface="+mj-lt"/>
+                <a:cs typeface="Roboto Light"/>
+              </a:rPr>
+              <a:t>-Conceptos básicos del motor y su funcionamientos</a:t>
+            </a:r>
+            <a:br>
+              <a:rPr lang="it-IT" dirty="0" smtClean="0">
+                <a:solidFill>
+                  <a:schemeClr val="tx2">
+                    <a:lumMod val="75000"/>
+                  </a:schemeClr>
+                </a:solidFill>
+                <a:latin typeface="+mj-lt"/>
+                <a:cs typeface="Roboto Light"/>
+              </a:rPr>
+            </a:br>
+            <a:r>
+              <a:rPr lang="it-IT" dirty="0" smtClean="0">
+                <a:solidFill>
+                  <a:schemeClr val="tx2">
+                    <a:lumMod val="75000"/>
+                  </a:schemeClr>
+                </a:solidFill>
+                <a:latin typeface="+mj-lt"/>
+                <a:cs typeface="Roboto Light"/>
+              </a:rPr>
+              <a:t>-Fallas más comunes</a:t>
+            </a:r>
+            <a:br>
+              <a:rPr lang="it-IT" dirty="0" smtClean="0">
+                <a:solidFill>
+                  <a:schemeClr val="tx2">
+                    <a:lumMod val="75000"/>
+                  </a:schemeClr>
+                </a:solidFill>
+                <a:latin typeface="+mj-lt"/>
+                <a:cs typeface="Roboto Light"/>
+              </a:rPr>
+            </a:br>
+            <a:r>
+              <a:rPr lang="it-IT" dirty="0" smtClean="0">
+                <a:solidFill>
+                  <a:schemeClr val="tx2">
+                    <a:lumMod val="75000"/>
+                  </a:schemeClr>
+                </a:solidFill>
+                <a:latin typeface="+mj-lt"/>
+                <a:cs typeface="Roboto Light"/>
+              </a:rPr>
+              <a:t>-Efectos de la presencia de armónicos</a:t>
+            </a:r>
+          </a:p>
+          <a:p>
+            <a:pPr marL="342900" indent="-342900">
+              <a:buFont typeface="+mj-lt"/>
+              <a:buAutoNum type="arabicPeriod"/>
+            </a:pPr>
+            <a:endParaRPr lang="it-IT" dirty="0">
+              <a:solidFill>
+                <a:schemeClr val="tx2">
+                  <a:lumMod val="75000"/>
+                </a:schemeClr>
+              </a:solidFill>
+              <a:latin typeface="+mj-lt"/>
+              <a:cs typeface="Roboto Light"/>
+            </a:endParaRPr>
+          </a:p>
+          <a:p>
+            <a:pPr marL="342900" indent="-342900">
+              <a:buFont typeface="+mj-lt"/>
+              <a:buAutoNum type="arabicPeriod"/>
+            </a:pPr>
+            <a:r>
+              <a:rPr lang="it-IT" dirty="0" smtClean="0">
+                <a:solidFill>
+                  <a:schemeClr val="tx2">
+                    <a:lumMod val="75000"/>
+                  </a:schemeClr>
+                </a:solidFill>
+                <a:latin typeface="+mj-lt"/>
+                <a:cs typeface="Roboto Light"/>
+              </a:rPr>
+              <a:t>Aspectos generales del Variador de Frecuencia (VdF)</a:t>
+            </a:r>
+            <a:br>
+              <a:rPr lang="it-IT" dirty="0" smtClean="0">
+                <a:solidFill>
+                  <a:schemeClr val="tx2">
+                    <a:lumMod val="75000"/>
+                  </a:schemeClr>
+                </a:solidFill>
+                <a:latin typeface="+mj-lt"/>
+                <a:cs typeface="Roboto Light"/>
+              </a:rPr>
+            </a:br>
+            <a:r>
+              <a:rPr lang="it-IT" dirty="0" smtClean="0">
+                <a:solidFill>
+                  <a:schemeClr val="tx2">
+                    <a:lumMod val="75000"/>
+                  </a:schemeClr>
+                </a:solidFill>
+                <a:latin typeface="+mj-lt"/>
+                <a:cs typeface="Roboto Light"/>
+              </a:rPr>
+              <a:t>-Componentes y funcionamiento</a:t>
+            </a:r>
+            <a:br>
+              <a:rPr lang="it-IT" dirty="0" smtClean="0">
+                <a:solidFill>
+                  <a:schemeClr val="tx2">
+                    <a:lumMod val="75000"/>
+                  </a:schemeClr>
+                </a:solidFill>
+                <a:latin typeface="+mj-lt"/>
+                <a:cs typeface="Roboto Light"/>
+              </a:rPr>
+            </a:br>
+            <a:r>
+              <a:rPr lang="it-IT" dirty="0" smtClean="0">
+                <a:solidFill>
+                  <a:schemeClr val="tx2">
+                    <a:lumMod val="75000"/>
+                  </a:schemeClr>
+                </a:solidFill>
+                <a:latin typeface="+mj-lt"/>
+                <a:cs typeface="Roboto Light"/>
+              </a:rPr>
+              <a:t>-Ventajas del uso del VdF</a:t>
+            </a:r>
+          </a:p>
+          <a:p>
+            <a:pPr marL="342900" indent="-342900">
+              <a:buFont typeface="+mj-lt"/>
+              <a:buAutoNum type="arabicPeriod"/>
+            </a:pPr>
+            <a:endParaRPr lang="it-IT" dirty="0">
+              <a:solidFill>
+                <a:schemeClr val="tx2">
+                  <a:lumMod val="75000"/>
+                </a:schemeClr>
+              </a:solidFill>
+              <a:latin typeface="+mj-lt"/>
+              <a:cs typeface="Roboto Light"/>
+            </a:endParaRPr>
+          </a:p>
+          <a:p>
+            <a:pPr marL="342900" indent="-342900">
+              <a:buFont typeface="+mj-lt"/>
+              <a:buAutoNum type="arabicPeriod"/>
+            </a:pPr>
+            <a:r>
+              <a:rPr lang="it-IT" dirty="0" smtClean="0">
+                <a:solidFill>
+                  <a:schemeClr val="tx2">
+                    <a:lumMod val="75000"/>
+                  </a:schemeClr>
+                </a:solidFill>
+                <a:latin typeface="+mj-lt"/>
+                <a:cs typeface="Roboto Light"/>
+              </a:rPr>
+              <a:t>Registrador de variables eléctricas SAMTE</a:t>
+            </a:r>
+          </a:p>
+          <a:p>
+            <a:pPr marL="342900" indent="-342900">
+              <a:buFont typeface="+mj-lt"/>
+              <a:buAutoNum type="arabicPeriod"/>
+            </a:pPr>
+            <a:endParaRPr lang="it-IT" dirty="0">
+              <a:solidFill>
+                <a:schemeClr val="tx2">
+                  <a:lumMod val="75000"/>
+                </a:schemeClr>
+              </a:solidFill>
+              <a:latin typeface="+mj-lt"/>
+              <a:cs typeface="Roboto Light"/>
+            </a:endParaRPr>
+          </a:p>
+          <a:p>
+            <a:pPr marL="342900" indent="-342900">
+              <a:buFont typeface="+mj-lt"/>
+              <a:buAutoNum type="arabicPeriod"/>
+            </a:pPr>
+            <a:r>
+              <a:rPr lang="it-IT" dirty="0" smtClean="0">
+                <a:solidFill>
+                  <a:schemeClr val="tx2">
+                    <a:lumMod val="75000"/>
+                  </a:schemeClr>
+                </a:solidFill>
+                <a:latin typeface="+mj-lt"/>
+                <a:cs typeface="Roboto Light"/>
+              </a:rPr>
+              <a:t>Software Simulink de MATLAB</a:t>
+            </a:r>
+            <a:endParaRPr lang="en-US" dirty="0">
+              <a:solidFill>
+                <a:schemeClr val="tx2">
+                  <a:lumMod val="75000"/>
+                </a:schemeClr>
+              </a:solidFill>
+              <a:latin typeface="+mj-lt"/>
+              <a:cs typeface="Roboto Light"/>
+            </a:endParaRPr>
+          </a:p>
+          <a:p>
+            <a:pPr lvl="1"/>
+            <a:endParaRPr lang="en-US" dirty="0" smtClean="0">
+              <a:latin typeface="+mj-lt"/>
+              <a:cs typeface="Roboto Light"/>
+            </a:endParaRPr>
+          </a:p>
+          <a:p>
+            <a:pPr lvl="1"/>
+            <a:endParaRPr lang="en-US" dirty="0">
+              <a:latin typeface="+mj-lt"/>
+              <a:cs typeface="Roboto Light"/>
+            </a:endParaRPr>
+          </a:p>
+          <a:p>
+            <a:pPr lvl="1"/>
+            <a:endParaRPr lang="en-US" dirty="0" smtClean="0">
+              <a:latin typeface="+mj-lt"/>
+              <a:cs typeface="Roboto Light"/>
+            </a:endParaRPr>
+          </a:p>
+          <a:p>
+            <a:pPr lvl="1"/>
+            <a:endParaRPr lang="en-US" dirty="0">
+              <a:latin typeface="+mj-lt"/>
+              <a:cs typeface="Roboto Light"/>
+            </a:endParaRPr>
+          </a:p>
+        </p:txBody>
+      </p:sp>
+      <p:sp>
+        <p:nvSpPr>
+          <p:cNvPr id="10" name="CuadroTexto 9"/>
+          <p:cNvSpPr txBox="1"/>
+          <p:nvPr/>
+        </p:nvSpPr>
+        <p:spPr>
+          <a:xfrm>
+            <a:off x="8540496" y="6522096"/>
+            <a:ext cx="1207008" cy="400110"/>
+          </a:xfrm>
+          <a:prstGeom prst="rect">
+            <a:avLst/>
+          </a:prstGeom>
+          <a:noFill/>
+        </p:spPr>
+        <p:txBody>
+          <a:bodyPr wrap="square" rtlCol="0">
+            <a:spAutoFit/>
+          </a:bodyPr>
+          <a:lstStyle/>
+          <a:p>
+            <a:r>
+              <a:rPr lang="es-CL" sz="2000" dirty="0">
+                <a:solidFill>
+                  <a:schemeClr val="bg1"/>
+                </a:solidFill>
+              </a:rPr>
+              <a:t>3</a:t>
+            </a:r>
+            <a:endParaRPr lang="es-CL" sz="2000" dirty="0">
+              <a:solidFill>
+                <a:schemeClr val="bg1"/>
+              </a:solidFill>
+            </a:endParaRPr>
+          </a:p>
+        </p:txBody>
+      </p:sp>
+      <p:pic>
+        <p:nvPicPr>
+          <p:cNvPr id="13" name="Imagen 12"/>
+          <p:cNvPicPr>
+            <a:picLocks noChangeAspect="1"/>
+          </p:cNvPicPr>
+          <p:nvPr/>
+        </p:nvPicPr>
+        <p:blipFill>
+          <a:blip r:embed="rId2">
+            <a:extLst>
+              <a:ext uri="{28A0092B-C50C-407E-A947-70E740481C1C}">
+                <a14:useLocalDpi xmlns:a14="http://schemas.microsoft.com/office/drawing/2010/main" val="0"/>
+              </a:ext>
+            </a:extLst>
+          </a:blip>
+          <a:stretch>
+            <a:fillRect/>
+          </a:stretch>
+        </p:blipFill>
+        <p:spPr>
+          <a:xfrm>
+            <a:off x="6240435" y="6596185"/>
+            <a:ext cx="2133898" cy="240280"/>
+          </a:xfrm>
+          <a:prstGeom prst="rect">
+            <a:avLst/>
+          </a:prstGeom>
+        </p:spPr>
+      </p:pic>
+    </p:spTree>
+    <p:extLst>
+      <p:ext uri="{BB962C8B-B14F-4D97-AF65-F5344CB8AC3E}">
+        <p14:creationId xmlns:p14="http://schemas.microsoft.com/office/powerpoint/2010/main" val="2938392987"/>
+      </p:ext>
+    </p:extLst>
+  </p:cSld>
+  <p:clrMapOvr>
+    <a:masterClrMapping/>
+  </p:clrMapOvr>
+  <p:timing>
+    <p:tnLst>
+      <p:par>
+        <p:cTn id="1" dur="indefinite" restart="never" nodeType="tmRoot"/>
+      </p:par>
+    </p:tnLst>
+  </p:timing>
+</p:sld>
+</file>
+
+<file path=ppt/slides/slide5.xml><?xml version="1.0" encoding="utf-8"?>
+<p:sld xmlns:a="http://schemas.openxmlformats.org/drawingml/2006/main" xmlns:r="http://schemas.openxmlformats.org/officeDocument/2006/relationships" xmlns:p="http://schemas.openxmlformats.org/presentationml/2006/main">
+  <p:cSld>
+    <p:spTree>
+      <p:nvGrpSpPr>
+        <p:cNvPr id="1" name=""/>
+        <p:cNvGrpSpPr/>
+        <p:nvPr/>
+      </p:nvGrpSpPr>
+      <p:grpSpPr>
+        <a:xfrm>
+          <a:off x="0" y="0"/>
+          <a:ext cx="0" cy="0"/>
+          <a:chOff x="0" y="0"/>
+          <a:chExt cx="0" cy="0"/>
+        </a:xfrm>
+      </p:grpSpPr>
+      <p:sp>
+        <p:nvSpPr>
+          <p:cNvPr id="4" name="TextBox 3"/>
+          <p:cNvSpPr txBox="1"/>
+          <p:nvPr/>
+        </p:nvSpPr>
+        <p:spPr>
+          <a:xfrm>
+            <a:off x="601428" y="507992"/>
+            <a:ext cx="3855049" cy="461665"/>
+          </a:xfrm>
+          <a:prstGeom prst="rect">
+            <a:avLst/>
+          </a:prstGeom>
+          <a:noFill/>
+        </p:spPr>
+        <p:txBody>
+          <a:bodyPr wrap="square" rtlCol="0">
+            <a:spAutoFit/>
+          </a:bodyPr>
+          <a:lstStyle/>
+          <a:p>
+            <a:r>
+              <a:rPr lang="es-CL" sz="2400" b="1" dirty="0"/>
+              <a:t>Armónicos</a:t>
+            </a:r>
+            <a:endParaRPr lang="en-US" sz="2400" b="1" spc="200" dirty="0">
+              <a:latin typeface="Roboto Medium"/>
+              <a:cs typeface="Roboto Medium"/>
+            </a:endParaRPr>
+          </a:p>
+        </p:txBody>
+      </p:sp>
+      <mc:AlternateContent xmlns:mc="http://schemas.openxmlformats.org/markup-compatibility/2006">
+        <mc:Choice xmlns:a14="http://schemas.microsoft.com/office/drawing/2010/main" Requires="a14">
+          <p:sp>
+            <p:nvSpPr>
+              <p:cNvPr id="6" name="TextBox 5"/>
+              <p:cNvSpPr txBox="1"/>
+              <p:nvPr/>
+            </p:nvSpPr>
+            <p:spPr>
+              <a:xfrm>
+                <a:off x="313668" y="1208889"/>
+                <a:ext cx="7867806" cy="3693319"/>
+              </a:xfrm>
+              <a:prstGeom prst="rect">
+                <a:avLst/>
+              </a:prstGeom>
+              <a:noFill/>
+            </p:spPr>
+            <p:txBody>
+              <a:bodyPr wrap="square" rtlCol="0">
+                <a:spAutoFit/>
+              </a:bodyPr>
+              <a:lstStyle/>
+              <a:p>
+                <a:pPr marL="285750" indent="-285750">
+                  <a:buFont typeface="Arial"/>
+                  <a:buChar char="•"/>
+                </a:pPr>
+                <a:r>
+                  <a:rPr lang="it-IT" dirty="0" smtClean="0">
+                    <a:solidFill>
+                      <a:schemeClr val="tx2">
+                        <a:lumMod val="75000"/>
+                      </a:schemeClr>
+                    </a:solidFill>
+                    <a:latin typeface="+mj-lt"/>
+                    <a:cs typeface="Roboto Light"/>
+                  </a:rPr>
+                  <a:t>Formas de onda </a:t>
+                </a:r>
+                <a:r>
+                  <a:rPr lang="it-IT" dirty="0">
+                    <a:solidFill>
+                      <a:schemeClr val="tx2">
+                        <a:lumMod val="75000"/>
+                      </a:schemeClr>
+                    </a:solidFill>
+                    <a:latin typeface="+mj-lt"/>
+                    <a:cs typeface="Roboto Light"/>
+                  </a:rPr>
+                  <a:t>n</a:t>
+                </a:r>
+                <a:r>
+                  <a:rPr lang="it-IT" dirty="0" smtClean="0">
+                    <a:solidFill>
+                      <a:schemeClr val="tx2">
+                        <a:lumMod val="75000"/>
+                      </a:schemeClr>
+                    </a:solidFill>
+                    <a:latin typeface="+mj-lt"/>
+                    <a:cs typeface="Roboto Light"/>
+                  </a:rPr>
+                  <a:t>o sinusoidales, </a:t>
+                </a:r>
+                <a:r>
+                  <a:rPr lang="it-IT" dirty="0">
+                    <a:solidFill>
+                      <a:schemeClr val="tx2">
+                        <a:lumMod val="75000"/>
+                      </a:schemeClr>
+                    </a:solidFill>
+                    <a:latin typeface="+mj-lt"/>
+                    <a:cs typeface="Roboto Light"/>
+                  </a:rPr>
+                  <a:t>c</a:t>
+                </a:r>
+                <a:r>
+                  <a:rPr lang="it-IT" dirty="0" smtClean="0">
+                    <a:solidFill>
+                      <a:schemeClr val="tx2">
+                        <a:lumMod val="75000"/>
+                      </a:schemeClr>
+                    </a:solidFill>
+                    <a:latin typeface="+mj-lt"/>
+                    <a:cs typeface="Roboto Light"/>
+                  </a:rPr>
+                  <a:t>argas no linenales como computadores, UPS, convertidores, dispositivos electrónicos, saturación.</a:t>
+                </a:r>
+              </a:p>
+              <a:p>
+                <a:pPr marL="285750" indent="-285750">
+                  <a:buFont typeface="Arial"/>
+                  <a:buChar char="•"/>
+                </a:pPr>
+                <a:endParaRPr lang="it-IT" dirty="0" smtClean="0">
+                  <a:solidFill>
+                    <a:schemeClr val="tx2">
+                      <a:lumMod val="75000"/>
+                    </a:schemeClr>
+                  </a:solidFill>
+                  <a:latin typeface="+mj-lt"/>
+                  <a:cs typeface="Roboto Light"/>
+                </a:endParaRPr>
+              </a:p>
+              <a:p>
+                <a:pPr marL="285750" indent="-285750">
+                  <a:buFont typeface="Arial"/>
+                  <a:buChar char="•"/>
+                </a:pPr>
+                <a:r>
+                  <a:rPr lang="it-IT" dirty="0" smtClean="0">
+                    <a:solidFill>
+                      <a:schemeClr val="tx2">
+                        <a:lumMod val="75000"/>
+                      </a:schemeClr>
+                    </a:solidFill>
+                    <a:latin typeface="+mj-lt"/>
+                    <a:cs typeface="Roboto Light"/>
+                  </a:rPr>
+                  <a:t>Representación matemática para trabajar</a:t>
+                </a:r>
+              </a:p>
+              <a:p>
+                <a:pPr marL="285750" indent="-285750">
+                  <a:buFont typeface="Arial"/>
+                  <a:buChar char="•"/>
+                </a:pPr>
+                <a:endParaRPr lang="it-IT" dirty="0" smtClean="0">
+                  <a:solidFill>
+                    <a:schemeClr val="tx2">
+                      <a:lumMod val="75000"/>
+                    </a:schemeClr>
+                  </a:solidFill>
+                  <a:latin typeface="+mj-lt"/>
+                  <a:cs typeface="Roboto Light"/>
+                </a:endParaRPr>
+              </a:p>
+              <a:p>
+                <a:pPr marL="285750" indent="-285750">
+                  <a:buFont typeface="Arial"/>
+                  <a:buChar char="•"/>
+                </a:pPr>
+                <a:r>
+                  <a:rPr lang="it-IT" dirty="0" smtClean="0">
+                    <a:solidFill>
+                      <a:schemeClr val="tx2">
+                        <a:lumMod val="75000"/>
+                      </a:schemeClr>
+                    </a:solidFill>
+                    <a:latin typeface="+mj-lt"/>
+                    <a:cs typeface="Roboto Light"/>
+                  </a:rPr>
+                  <a:t>Usar una base ortogonal de representación</a:t>
+                </a:r>
+                <a:endParaRPr lang="it-IT" dirty="0">
+                  <a:solidFill>
+                    <a:schemeClr val="tx2">
+                      <a:lumMod val="75000"/>
+                    </a:schemeClr>
+                  </a:solidFill>
+                  <a:latin typeface="+mj-lt"/>
+                  <a:cs typeface="Roboto Light"/>
+                </a:endParaRPr>
+              </a:p>
+              <a:p>
+                <a:pPr marL="285750" indent="-285750">
+                  <a:buFont typeface="Arial"/>
+                  <a:buChar char="•"/>
+                </a:pPr>
+                <a:endParaRPr lang="it-IT" dirty="0" smtClean="0">
+                  <a:solidFill>
+                    <a:schemeClr val="tx2">
+                      <a:lumMod val="75000"/>
+                    </a:schemeClr>
+                  </a:solidFill>
+                  <a:latin typeface="+mj-lt"/>
+                  <a:cs typeface="Roboto Light"/>
+                </a:endParaRPr>
+              </a:p>
+              <a:p>
+                <a:pPr marL="285750" indent="-285750">
+                  <a:buFont typeface="Arial"/>
+                  <a:buChar char="•"/>
+                </a:pPr>
+                <a:r>
+                  <a:rPr lang="it-IT" dirty="0" smtClean="0">
+                    <a:solidFill>
+                      <a:schemeClr val="tx2">
+                        <a:lumMod val="75000"/>
+                      </a:schemeClr>
+                    </a:solidFill>
+                    <a:latin typeface="+mj-lt"/>
+                    <a:cs typeface="Roboto Light"/>
+                  </a:rPr>
+                  <a:t>Serie compacta de Fourier, sumatoria de cosenos con amplitud </a:t>
+                </a:r>
+                <a14:m>
+                  <m:oMath xmlns:m="http://schemas.openxmlformats.org/officeDocument/2006/math">
+                    <m:sSub>
+                      <m:sSubPr>
+                        <m:ctrlPr>
+                          <a:rPr lang="es-CL" i="1" smtClean="0">
+                            <a:solidFill>
+                              <a:schemeClr val="tx2">
+                                <a:lumMod val="75000"/>
+                              </a:schemeClr>
+                            </a:solidFill>
+                            <a:latin typeface="Cambria Math" panose="02040503050406030204" pitchFamily="18" charset="0"/>
+                          </a:rPr>
+                        </m:ctrlPr>
+                      </m:sSubPr>
+                      <m:e>
+                        <m:r>
+                          <a:rPr lang="es-CL" i="1">
+                            <a:solidFill>
+                              <a:schemeClr val="tx2">
+                                <a:lumMod val="75000"/>
+                              </a:schemeClr>
+                            </a:solidFill>
+                            <a:effectLst/>
+                            <a:latin typeface="Cambria Math" panose="02040503050406030204" pitchFamily="18" charset="0"/>
+                            <a:ea typeface="Calibri" panose="020F0502020204030204" pitchFamily="34" charset="0"/>
+                            <a:cs typeface="Times New Roman" panose="02020603050405020304" pitchFamily="18" charset="0"/>
+                          </a:rPr>
+                          <m:t>𝐴</m:t>
+                        </m:r>
+                      </m:e>
+                      <m:sub>
+                        <m:r>
+                          <a:rPr lang="es-CL" i="1">
+                            <a:solidFill>
+                              <a:schemeClr val="tx2">
+                                <a:lumMod val="75000"/>
+                              </a:schemeClr>
+                            </a:solidFill>
+                            <a:effectLst/>
+                            <a:latin typeface="Cambria Math" panose="02040503050406030204" pitchFamily="18" charset="0"/>
+                            <a:ea typeface="Calibri" panose="020F0502020204030204" pitchFamily="34" charset="0"/>
+                            <a:cs typeface="Times New Roman" panose="02020603050405020304" pitchFamily="18" charset="0"/>
+                          </a:rPr>
+                          <m:t>𝑖</m:t>
+                        </m:r>
+                      </m:sub>
+                    </m:sSub>
+                  </m:oMath>
+                </a14:m>
+                <a:r>
+                  <a:rPr lang="it-IT" dirty="0" smtClean="0">
+                    <a:solidFill>
+                      <a:schemeClr val="tx2">
+                        <a:lumMod val="75000"/>
+                      </a:schemeClr>
+                    </a:solidFill>
+                    <a:latin typeface="+mj-lt"/>
+                    <a:cs typeface="Roboto Light"/>
+                  </a:rPr>
+                  <a:t>, argumento múltiplos de la frecuencia fundamental </a:t>
+                </a:r>
+                <a14:m>
+                  <m:oMath xmlns:m="http://schemas.openxmlformats.org/officeDocument/2006/math">
+                    <m:sSub>
+                      <m:sSubPr>
+                        <m:ctrlPr>
+                          <a:rPr lang="es-CL" i="1" smtClean="0">
+                            <a:solidFill>
+                              <a:schemeClr val="tx2">
+                                <a:lumMod val="75000"/>
+                              </a:schemeClr>
+                            </a:solidFill>
+                          </a:rPr>
+                        </m:ctrlPr>
+                      </m:sSubPr>
+                      <m:e>
+                        <m:r>
+                          <a:rPr lang="es-CL" i="1">
+                            <a:solidFill>
+                              <a:schemeClr val="tx2">
+                                <a:lumMod val="75000"/>
+                              </a:schemeClr>
+                            </a:solidFill>
+                          </a:rPr>
+                          <m:t>𝜔</m:t>
+                        </m:r>
+                      </m:e>
+                      <m:sub>
+                        <m:r>
+                          <a:rPr lang="es-CL" i="1">
+                            <a:solidFill>
+                              <a:schemeClr val="tx2">
+                                <a:lumMod val="75000"/>
+                              </a:schemeClr>
+                            </a:solidFill>
+                          </a:rPr>
+                          <m:t>0</m:t>
+                        </m:r>
+                      </m:sub>
+                    </m:sSub>
+                  </m:oMath>
+                </a14:m>
+                <a:r>
+                  <a:rPr lang="it-IT" dirty="0" smtClean="0">
+                    <a:solidFill>
+                      <a:schemeClr val="tx2">
+                        <a:lumMod val="75000"/>
+                      </a:schemeClr>
+                    </a:solidFill>
+                    <a:latin typeface="+mj-lt"/>
+                    <a:cs typeface="Roboto Light"/>
+                  </a:rPr>
+                  <a:t> y desfase </a:t>
+                </a:r>
+                <a14:m>
+                  <m:oMath xmlns:m="http://schemas.openxmlformats.org/officeDocument/2006/math">
+                    <m:sSub>
+                      <m:sSubPr>
+                        <m:ctrlPr>
+                          <a:rPr lang="es-CL" i="1" smtClean="0">
+                            <a:solidFill>
+                              <a:schemeClr val="tx2">
+                                <a:lumMod val="75000"/>
+                              </a:schemeClr>
+                            </a:solidFill>
+                          </a:rPr>
+                        </m:ctrlPr>
+                      </m:sSubPr>
+                      <m:e>
+                        <m:r>
+                          <a:rPr lang="es-CL" i="1">
+                            <a:solidFill>
+                              <a:schemeClr val="tx2">
+                                <a:lumMod val="75000"/>
+                              </a:schemeClr>
+                            </a:solidFill>
+                          </a:rPr>
+                          <m:t>𝜃</m:t>
+                        </m:r>
+                      </m:e>
+                      <m:sub>
+                        <m:r>
+                          <a:rPr lang="es-CL" i="1">
+                            <a:solidFill>
+                              <a:schemeClr val="tx2">
+                                <a:lumMod val="75000"/>
+                              </a:schemeClr>
+                            </a:solidFill>
+                          </a:rPr>
+                          <m:t>𝑖</m:t>
+                        </m:r>
+                      </m:sub>
+                    </m:sSub>
+                  </m:oMath>
+                </a14:m>
+                <a:r>
+                  <a:rPr lang="it-IT" dirty="0" smtClean="0">
+                    <a:solidFill>
+                      <a:schemeClr val="tx2">
+                        <a:lumMod val="75000"/>
+                      </a:schemeClr>
+                    </a:solidFill>
+                    <a:latin typeface="+mj-lt"/>
+                    <a:cs typeface="Roboto Light"/>
+                  </a:rPr>
+                  <a:t> </a:t>
+                </a:r>
+              </a:p>
+              <a:p>
+                <a:pPr marL="285750" indent="-285750">
+                  <a:buFont typeface="Arial"/>
+                  <a:buChar char="•"/>
+                </a:pPr>
+                <a:endParaRPr lang="it-IT" dirty="0" smtClean="0">
+                  <a:solidFill>
+                    <a:schemeClr val="tx2">
+                      <a:lumMod val="75000"/>
+                    </a:schemeClr>
+                  </a:solidFill>
+                  <a:latin typeface="+mj-lt"/>
+                  <a:cs typeface="Roboto Light"/>
+                </a:endParaRPr>
+              </a:p>
+              <a:p>
+                <a:pPr marL="285750" indent="-285750">
+                  <a:buFont typeface="Arial"/>
+                  <a:buChar char="•"/>
+                </a:pPr>
+                <a:endParaRPr lang="it-IT" dirty="0">
+                  <a:solidFill>
+                    <a:schemeClr val="tx2">
+                      <a:lumMod val="75000"/>
+                    </a:schemeClr>
+                  </a:solidFill>
+                  <a:latin typeface="+mj-lt"/>
+                  <a:cs typeface="Roboto Light"/>
+                </a:endParaRPr>
+              </a:p>
+              <a:p>
+                <a:pPr marL="285750" indent="-285750">
+                  <a:buFont typeface="Arial"/>
+                  <a:buChar char="•"/>
+                </a:pPr>
+                <a:r>
+                  <a:rPr lang="it-IT" dirty="0" smtClean="0">
+                    <a:solidFill>
+                      <a:schemeClr val="tx2">
+                        <a:lumMod val="75000"/>
+                      </a:schemeClr>
+                    </a:solidFill>
+                    <a:latin typeface="+mj-lt"/>
+                    <a:cs typeface="Roboto Light"/>
+                  </a:rPr>
+                  <a:t>Definición de Potencia media</a:t>
+                </a:r>
+              </a:p>
+              <a:p>
+                <a:pPr marL="285750" indent="-285750">
+                  <a:buFont typeface="Arial"/>
+                  <a:buChar char="•"/>
+                </a:pPr>
+                <a:endParaRPr lang="it-IT" dirty="0">
+                  <a:solidFill>
+                    <a:schemeClr val="tx2">
+                      <a:lumMod val="75000"/>
+                    </a:schemeClr>
+                  </a:solidFill>
+                  <a:latin typeface="+mj-lt"/>
+                  <a:cs typeface="Roboto Light"/>
+                </a:endParaRPr>
+              </a:p>
+            </p:txBody>
+          </p:sp>
+        </mc:Choice>
+        <mc:Fallback>
+          <p:sp>
+            <p:nvSpPr>
+              <p:cNvPr id="6" name="TextBox 5"/>
+              <p:cNvSpPr txBox="1">
+                <a:spLocks noRot="1" noChangeAspect="1" noMove="1" noResize="1" noEditPoints="1" noAdjustHandles="1" noChangeArrowheads="1" noChangeShapeType="1" noTextEdit="1"/>
+              </p:cNvSpPr>
+              <p:nvPr/>
+            </p:nvSpPr>
+            <p:spPr>
+              <a:xfrm>
+                <a:off x="313668" y="1208889"/>
+                <a:ext cx="7867806" cy="3693319"/>
+              </a:xfrm>
+              <a:prstGeom prst="rect">
+                <a:avLst/>
+              </a:prstGeom>
+              <a:blipFill rotWithShape="0">
+                <a:blip r:embed="rId2"/>
+                <a:stretch>
+                  <a:fillRect l="-465" t="-825" r="-542"/>
+                </a:stretch>
+              </a:blipFill>
+            </p:spPr>
+            <p:txBody>
+              <a:bodyPr/>
+              <a:lstStyle/>
+              <a:p>
+                <a:r>
+                  <a:rPr lang="es-CL">
+                    <a:noFill/>
+                  </a:rPr>
+                  <a:t> </a:t>
+                </a:r>
+              </a:p>
+            </p:txBody>
+          </p:sp>
+        </mc:Fallback>
+      </mc:AlternateContent>
+      <p:sp>
+        <p:nvSpPr>
+          <p:cNvPr id="10" name="CuadroTexto 9"/>
+          <p:cNvSpPr txBox="1"/>
+          <p:nvPr/>
+        </p:nvSpPr>
+        <p:spPr>
+          <a:xfrm>
+            <a:off x="8540496" y="6522096"/>
+            <a:ext cx="1207008" cy="400110"/>
+          </a:xfrm>
+          <a:prstGeom prst="rect">
+            <a:avLst/>
+          </a:prstGeom>
+          <a:noFill/>
+        </p:spPr>
+        <p:txBody>
+          <a:bodyPr wrap="square" rtlCol="0">
+            <a:spAutoFit/>
+          </a:bodyPr>
+          <a:lstStyle/>
+          <a:p>
+            <a:r>
+              <a:rPr lang="es-CL" sz="2000" dirty="0">
+                <a:solidFill>
+                  <a:schemeClr val="bg1"/>
+                </a:solidFill>
+              </a:rPr>
+              <a:t>4</a:t>
+            </a:r>
+            <a:endParaRPr lang="es-CL" sz="2000" dirty="0">
+              <a:solidFill>
+                <a:schemeClr val="bg1"/>
+              </a:solidFill>
+            </a:endParaRPr>
+          </a:p>
+        </p:txBody>
+      </p:sp>
+      <p:pic>
+        <p:nvPicPr>
+          <p:cNvPr id="13" name="Imagen 12"/>
+          <p:cNvPicPr>
+            <a:picLocks noChangeAspect="1"/>
+          </p:cNvPicPr>
+          <p:nvPr/>
+        </p:nvPicPr>
+        <p:blipFill>
+          <a:blip r:embed="rId3">
+            <a:extLst>
+              <a:ext uri="{28A0092B-C50C-407E-A947-70E740481C1C}">
+                <a14:useLocalDpi xmlns:a14="http://schemas.microsoft.com/office/drawing/2010/main" val="0"/>
+              </a:ext>
+            </a:extLst>
+          </a:blip>
+          <a:stretch>
+            <a:fillRect/>
+          </a:stretch>
+        </p:blipFill>
+        <p:spPr>
+          <a:xfrm>
+            <a:off x="6240435" y="6596185"/>
+            <a:ext cx="2133898" cy="240280"/>
+          </a:xfrm>
+          <a:prstGeom prst="rect">
+            <a:avLst/>
+          </a:prstGeom>
+        </p:spPr>
+      </p:pic>
+      <p:pic>
+        <p:nvPicPr>
+          <p:cNvPr id="2" name="Imagen 1"/>
+          <p:cNvPicPr>
+            <a:picLocks noChangeAspect="1"/>
+          </p:cNvPicPr>
+          <p:nvPr/>
+        </p:nvPicPr>
+        <p:blipFill>
+          <a:blip r:embed="rId4">
+            <a:extLst>
+              <a:ext uri="{28A0092B-C50C-407E-A947-70E740481C1C}">
+                <a14:useLocalDpi xmlns:a14="http://schemas.microsoft.com/office/drawing/2010/main" val="0"/>
+              </a:ext>
+            </a:extLst>
+          </a:blip>
+          <a:stretch>
+            <a:fillRect/>
+          </a:stretch>
+        </p:blipFill>
+        <p:spPr>
+          <a:xfrm>
+            <a:off x="3633181" y="3743443"/>
+            <a:ext cx="5510819" cy="632194"/>
+          </a:xfrm>
+          <a:prstGeom prst="rect">
+            <a:avLst/>
+          </a:prstGeom>
+        </p:spPr>
+      </p:pic>
+      <p:pic>
+        <p:nvPicPr>
+          <p:cNvPr id="3" name="Imagen 2"/>
+          <p:cNvPicPr>
+            <a:picLocks noChangeAspect="1"/>
+          </p:cNvPicPr>
+          <p:nvPr/>
+        </p:nvPicPr>
+        <p:blipFill>
+          <a:blip r:embed="rId5">
+            <a:extLst>
+              <a:ext uri="{28A0092B-C50C-407E-A947-70E740481C1C}">
+                <a14:useLocalDpi xmlns:a14="http://schemas.microsoft.com/office/drawing/2010/main" val="0"/>
+              </a:ext>
+            </a:extLst>
+          </a:blip>
+          <a:stretch>
+            <a:fillRect/>
+          </a:stretch>
+        </p:blipFill>
+        <p:spPr>
+          <a:xfrm>
+            <a:off x="713331" y="4919007"/>
+            <a:ext cx="2919850" cy="976138"/>
+          </a:xfrm>
+          <a:prstGeom prst="rect">
+            <a:avLst/>
+          </a:prstGeom>
+        </p:spPr>
+      </p:pic>
+      <p:pic>
+        <p:nvPicPr>
+          <p:cNvPr id="7" name="Imagen 6"/>
+          <p:cNvPicPr>
+            <a:picLocks noChangeAspect="1"/>
+          </p:cNvPicPr>
+          <p:nvPr/>
+        </p:nvPicPr>
+        <p:blipFill>
+          <a:blip r:embed="rId6">
+            <a:extLst>
+              <a:ext uri="{28A0092B-C50C-407E-A947-70E740481C1C}">
+                <a14:useLocalDpi xmlns:a14="http://schemas.microsoft.com/office/drawing/2010/main" val="0"/>
+              </a:ext>
+            </a:extLst>
+          </a:blip>
+          <a:stretch>
+            <a:fillRect/>
+          </a:stretch>
+        </p:blipFill>
+        <p:spPr>
+          <a:xfrm>
+            <a:off x="4867104" y="5003702"/>
+            <a:ext cx="3507229" cy="806747"/>
+          </a:xfrm>
+          <a:prstGeom prst="rect">
+            <a:avLst/>
+          </a:prstGeom>
+        </p:spPr>
+      </p:pic>
+    </p:spTree>
+    <p:extLst>
+      <p:ext uri="{BB962C8B-B14F-4D97-AF65-F5344CB8AC3E}">
+        <p14:creationId xmlns:p14="http://schemas.microsoft.com/office/powerpoint/2010/main" val="4146772760"/>
+      </p:ext>
+    </p:extLst>
+  </p:cSld>
+  <p:clrMapOvr>
+    <a:masterClrMapping/>
+  </p:clrMapOvr>
+  <p:timing>
+    <p:tnLst>
+      <p:par>
+        <p:cTn id="1" dur="indefinite" restart="never" nodeType="tmRoot"/>
+      </p:par>
+    </p:tnLst>
+  </p:timing>
+</p:sld>
+</file>
+
+<file path=ppt/slides/slide6.xml><?xml version="1.0" encoding="utf-8"?>
+<p:sld xmlns:a="http://schemas.openxmlformats.org/drawingml/2006/main" xmlns:r="http://schemas.openxmlformats.org/officeDocument/2006/relationships" xmlns:p="http://schemas.openxmlformats.org/presentationml/2006/main">
+  <p:cSld>
+    <p:spTree>
+      <p:nvGrpSpPr>
+        <p:cNvPr id="1" name=""/>
+        <p:cNvGrpSpPr/>
+        <p:nvPr/>
+      </p:nvGrpSpPr>
+      <p:grpSpPr>
+        <a:xfrm>
+          <a:off x="0" y="0"/>
+          <a:ext cx="0" cy="0"/>
+          <a:chOff x="0" y="0"/>
+          <a:chExt cx="0" cy="0"/>
+        </a:xfrm>
+      </p:grpSpPr>
+      <p:sp>
+        <p:nvSpPr>
+          <p:cNvPr id="4" name="TextBox 3"/>
+          <p:cNvSpPr txBox="1"/>
+          <p:nvPr/>
+        </p:nvSpPr>
+        <p:spPr>
+          <a:xfrm>
+            <a:off x="601427" y="472514"/>
+            <a:ext cx="3855049" cy="461665"/>
+          </a:xfrm>
+          <a:prstGeom prst="rect">
+            <a:avLst/>
+          </a:prstGeom>
+          <a:noFill/>
+        </p:spPr>
+        <p:txBody>
+          <a:bodyPr wrap="square" rtlCol="0">
+            <a:spAutoFit/>
+          </a:bodyPr>
+          <a:lstStyle/>
+          <a:p>
+            <a:r>
+              <a:rPr lang="es-CL" sz="2400" b="1" dirty="0"/>
+              <a:t>Armónicos</a:t>
+            </a:r>
+            <a:endParaRPr lang="en-US" sz="2400" spc="200" dirty="0">
+              <a:solidFill>
+                <a:schemeClr val="accent2">
+                  <a:lumMod val="75000"/>
+                </a:schemeClr>
+              </a:solidFill>
+              <a:latin typeface="Roboto Medium"/>
+              <a:cs typeface="Roboto Medium"/>
+            </a:endParaRPr>
+          </a:p>
+        </p:txBody>
+      </p:sp>
+      <p:sp>
+        <p:nvSpPr>
+          <p:cNvPr id="6" name="TextBox 5"/>
+          <p:cNvSpPr txBox="1"/>
+          <p:nvPr/>
+        </p:nvSpPr>
+        <p:spPr>
+          <a:xfrm>
+            <a:off x="435265" y="1072047"/>
+            <a:ext cx="7939068" cy="2554545"/>
+          </a:xfrm>
+          <a:prstGeom prst="rect">
+            <a:avLst/>
+          </a:prstGeom>
+          <a:noFill/>
+        </p:spPr>
+        <p:txBody>
+          <a:bodyPr wrap="square" rtlCol="0">
+            <a:spAutoFit/>
+          </a:bodyPr>
+          <a:lstStyle/>
+          <a:p>
+            <a:pPr marL="285750" indent="-285750">
+              <a:buFont typeface="Arial"/>
+              <a:buChar char="•"/>
+            </a:pPr>
+            <a:r>
+              <a:rPr lang="it-IT" sz="1600" dirty="0" smtClean="0">
+                <a:solidFill>
+                  <a:schemeClr val="tx2">
+                    <a:lumMod val="75000"/>
+                  </a:schemeClr>
+                </a:solidFill>
+                <a:latin typeface="Roboto Light"/>
+                <a:cs typeface="Roboto Light"/>
+              </a:rPr>
+              <a:t>Aporte de componentes al valor eficaz, mayores pérdidas.</a:t>
+            </a:r>
+          </a:p>
+          <a:p>
+            <a:pPr marL="285750" indent="-285750">
+              <a:buFont typeface="Arial"/>
+              <a:buChar char="•"/>
+            </a:pPr>
+            <a:endParaRPr lang="it-IT" sz="1600" dirty="0" smtClean="0">
+              <a:solidFill>
+                <a:schemeClr val="tx2">
+                  <a:lumMod val="75000"/>
+                </a:schemeClr>
+              </a:solidFill>
+              <a:latin typeface="Roboto Light"/>
+              <a:cs typeface="Roboto Light"/>
+            </a:endParaRPr>
+          </a:p>
+          <a:p>
+            <a:pPr marL="285750" indent="-285750">
+              <a:buFont typeface="Arial"/>
+              <a:buChar char="•"/>
+            </a:pPr>
+            <a:r>
+              <a:rPr lang="it-IT" sz="1600" dirty="0" smtClean="0">
+                <a:solidFill>
+                  <a:schemeClr val="tx2">
+                    <a:lumMod val="75000"/>
+                  </a:schemeClr>
+                </a:solidFill>
+                <a:latin typeface="Roboto Light"/>
+                <a:cs typeface="Roboto Light"/>
+              </a:rPr>
+              <a:t>Definición del Factor de Potencia</a:t>
+            </a:r>
+          </a:p>
+          <a:p>
+            <a:pPr marL="285750" indent="-285750">
+              <a:buFont typeface="Arial"/>
+              <a:buChar char="•"/>
+            </a:pPr>
+            <a:endParaRPr lang="it-IT" sz="1600" dirty="0" smtClean="0">
+              <a:solidFill>
+                <a:schemeClr val="tx2">
+                  <a:lumMod val="75000"/>
+                </a:schemeClr>
+              </a:solidFill>
+              <a:latin typeface="Roboto Light"/>
+              <a:cs typeface="Roboto Light"/>
+            </a:endParaRPr>
+          </a:p>
+          <a:p>
+            <a:pPr marL="285750" indent="-285750">
+              <a:buFont typeface="Arial"/>
+              <a:buChar char="•"/>
+            </a:pPr>
+            <a:r>
+              <a:rPr lang="it-IT" sz="1600" dirty="0" smtClean="0">
+                <a:solidFill>
+                  <a:schemeClr val="tx2">
+                    <a:lumMod val="75000"/>
+                  </a:schemeClr>
+                </a:solidFill>
+                <a:latin typeface="Roboto Light"/>
+                <a:cs typeface="Roboto Light"/>
+              </a:rPr>
+              <a:t>Armónicos no necesariamente aportan a la potencia media</a:t>
+            </a:r>
+          </a:p>
+          <a:p>
+            <a:pPr marL="285750" indent="-285750">
+              <a:buFont typeface="Arial"/>
+              <a:buChar char="•"/>
+            </a:pPr>
+            <a:endParaRPr lang="it-IT" sz="1600" dirty="0">
+              <a:solidFill>
+                <a:schemeClr val="tx2">
+                  <a:lumMod val="75000"/>
+                </a:schemeClr>
+              </a:solidFill>
+              <a:latin typeface="Roboto Light"/>
+              <a:cs typeface="Roboto Light"/>
+            </a:endParaRPr>
+          </a:p>
+          <a:p>
+            <a:pPr marL="285750" indent="-285750">
+              <a:buFont typeface="Arial"/>
+              <a:buChar char="•"/>
+            </a:pPr>
+            <a:r>
+              <a:rPr lang="it-IT" sz="1600" dirty="0" smtClean="0">
+                <a:solidFill>
+                  <a:schemeClr val="tx2">
+                    <a:lumMod val="75000"/>
+                  </a:schemeClr>
+                </a:solidFill>
+                <a:latin typeface="Roboto Light"/>
+                <a:cs typeface="Roboto Light"/>
+              </a:rPr>
+              <a:t>Presencia de Armónicos en un sistema es un fenómeno indeseable, puede afectar a otros elementos. Sistemas están diseñados para única frecuencia.</a:t>
+            </a:r>
+          </a:p>
+          <a:p>
+            <a:pPr marL="285750" indent="-285750">
+              <a:buFont typeface="Arial"/>
+              <a:buChar char="•"/>
+            </a:pPr>
+            <a:endParaRPr lang="it-IT" sz="1600" dirty="0">
+              <a:solidFill>
+                <a:schemeClr val="tx2">
+                  <a:lumMod val="75000"/>
+                </a:schemeClr>
+              </a:solidFill>
+              <a:latin typeface="Roboto Light"/>
+              <a:cs typeface="Roboto Light"/>
+            </a:endParaRPr>
+          </a:p>
+          <a:p>
+            <a:pPr marL="285750" indent="-285750">
+              <a:buFont typeface="Arial"/>
+              <a:buChar char="•"/>
+            </a:pPr>
+            <a:r>
+              <a:rPr lang="it-IT" sz="1600" dirty="0" smtClean="0">
+                <a:solidFill>
+                  <a:schemeClr val="tx2">
+                    <a:lumMod val="75000"/>
+                  </a:schemeClr>
+                </a:solidFill>
+                <a:latin typeface="Roboto Light"/>
+                <a:cs typeface="Roboto Light"/>
+              </a:rPr>
+              <a:t>Representación espectro armónico. Amplitud v/s Frecuencia: </a:t>
+            </a:r>
+            <a:endParaRPr lang="en-US" sz="1600" dirty="0">
+              <a:solidFill>
+                <a:schemeClr val="tx2">
+                  <a:lumMod val="75000"/>
+                </a:schemeClr>
+              </a:solidFill>
+              <a:latin typeface="Roboto Light"/>
+              <a:cs typeface="Roboto Light"/>
+            </a:endParaRPr>
+          </a:p>
+        </p:txBody>
+      </p:sp>
+      <p:sp>
+        <p:nvSpPr>
+          <p:cNvPr id="10" name="CuadroTexto 9"/>
+          <p:cNvSpPr txBox="1"/>
+          <p:nvPr/>
+        </p:nvSpPr>
+        <p:spPr>
+          <a:xfrm>
+            <a:off x="8540496" y="6522096"/>
+            <a:ext cx="1207008" cy="400110"/>
+          </a:xfrm>
+          <a:prstGeom prst="rect">
+            <a:avLst/>
+          </a:prstGeom>
+          <a:noFill/>
+        </p:spPr>
+        <p:txBody>
+          <a:bodyPr wrap="square" rtlCol="0">
+            <a:spAutoFit/>
+          </a:bodyPr>
+          <a:lstStyle/>
+          <a:p>
+            <a:r>
+              <a:rPr lang="es-CL" sz="2000" dirty="0">
+                <a:solidFill>
+                  <a:schemeClr val="bg1"/>
+                </a:solidFill>
+              </a:rPr>
+              <a:t>5</a:t>
+            </a:r>
+            <a:endParaRPr lang="es-CL" sz="2000" dirty="0">
+              <a:solidFill>
+                <a:schemeClr val="bg1"/>
+              </a:solidFill>
+            </a:endParaRPr>
+          </a:p>
+        </p:txBody>
+      </p:sp>
+      <p:pic>
+        <p:nvPicPr>
+          <p:cNvPr id="13" name="Imagen 12"/>
+          <p:cNvPicPr>
+            <a:picLocks noChangeAspect="1"/>
+          </p:cNvPicPr>
+          <p:nvPr/>
+        </p:nvPicPr>
+        <p:blipFill>
+          <a:blip r:embed="rId2">
+            <a:extLst>
+              <a:ext uri="{28A0092B-C50C-407E-A947-70E740481C1C}">
+                <a14:useLocalDpi xmlns:a14="http://schemas.microsoft.com/office/drawing/2010/main" val="0"/>
+              </a:ext>
+            </a:extLst>
+          </a:blip>
+          <a:stretch>
+            <a:fillRect/>
+          </a:stretch>
+        </p:blipFill>
+        <p:spPr>
+          <a:xfrm>
+            <a:off x="6240435" y="6596185"/>
+            <a:ext cx="2133898" cy="240280"/>
+          </a:xfrm>
+          <a:prstGeom prst="rect">
+            <a:avLst/>
+          </a:prstGeom>
+        </p:spPr>
+      </p:pic>
+      <p:pic>
+        <p:nvPicPr>
+          <p:cNvPr id="2" name="Imagen 1"/>
+          <p:cNvPicPr>
+            <a:picLocks noChangeAspect="1"/>
+          </p:cNvPicPr>
+          <p:nvPr/>
+        </p:nvPicPr>
+        <p:blipFill>
+          <a:blip r:embed="rId3">
+            <a:extLst>
+              <a:ext uri="{28A0092B-C50C-407E-A947-70E740481C1C}">
+                <a14:useLocalDpi xmlns:a14="http://schemas.microsoft.com/office/drawing/2010/main" val="0"/>
+              </a:ext>
+            </a:extLst>
+          </a:blip>
+          <a:stretch>
+            <a:fillRect/>
+          </a:stretch>
+        </p:blipFill>
+        <p:spPr>
+          <a:xfrm>
+            <a:off x="4140788" y="1419315"/>
+            <a:ext cx="5003212" cy="695335"/>
+          </a:xfrm>
+          <a:prstGeom prst="rect">
+            <a:avLst/>
+          </a:prstGeom>
+        </p:spPr>
+      </p:pic>
+      <p:pic>
+        <p:nvPicPr>
+          <p:cNvPr id="3" name="Imagen 2"/>
+          <p:cNvPicPr>
+            <a:picLocks noChangeAspect="1"/>
+          </p:cNvPicPr>
+          <p:nvPr/>
+        </p:nvPicPr>
+        <p:blipFill>
+          <a:blip r:embed="rId4">
+            <a:extLst>
+              <a:ext uri="{28A0092B-C50C-407E-A947-70E740481C1C}">
+                <a14:useLocalDpi xmlns:a14="http://schemas.microsoft.com/office/drawing/2010/main" val="0"/>
+              </a:ext>
+            </a:extLst>
+          </a:blip>
+          <a:stretch>
+            <a:fillRect/>
+          </a:stretch>
+        </p:blipFill>
+        <p:spPr>
+          <a:xfrm>
+            <a:off x="1941149" y="3716021"/>
+            <a:ext cx="5366235" cy="2761388"/>
+          </a:xfrm>
+          <a:prstGeom prst="rect">
+            <a:avLst/>
+          </a:prstGeom>
+        </p:spPr>
+      </p:pic>
+    </p:spTree>
+    <p:extLst>
+      <p:ext uri="{BB962C8B-B14F-4D97-AF65-F5344CB8AC3E}">
+        <p14:creationId xmlns:p14="http://schemas.microsoft.com/office/powerpoint/2010/main" val="1653660228"/>
+      </p:ext>
+    </p:extLst>
+  </p:cSld>
+  <p:clrMapOvr>
+    <a:masterClrMapping/>
+  </p:clrMapOvr>
+  <p:timing>
+    <p:tnLst>
+      <p:par>
+        <p:cTn id="1" dur="indefinite" restart="never" nodeType="tmRoot"/>
+      </p:par>
+    </p:tnLst>
+  </p:timing>
+</p:sld>
+</file>
+
+<file path=ppt/slides/slide7.xml><?xml version="1.0" encoding="utf-8"?>
+<p:sld xmlns:a="http://schemas.openxmlformats.org/drawingml/2006/main" xmlns:r="http://schemas.openxmlformats.org/officeDocument/2006/relationships" xmlns:p="http://schemas.openxmlformats.org/presentationml/2006/main">
+  <p:cSld>
+    <p:spTree>
+      <p:nvGrpSpPr>
+        <p:cNvPr id="1" name=""/>
+        <p:cNvGrpSpPr/>
+        <p:nvPr/>
+      </p:nvGrpSpPr>
+      <p:grpSpPr>
+        <a:xfrm>
+          <a:off x="0" y="0"/>
+          <a:ext cx="0" cy="0"/>
+          <a:chOff x="0" y="0"/>
+          <a:chExt cx="0" cy="0"/>
+        </a:xfrm>
+      </p:grpSpPr>
+      <p:sp>
+        <p:nvSpPr>
+          <p:cNvPr id="4" name="TextBox 3"/>
+          <p:cNvSpPr txBox="1"/>
+          <p:nvPr/>
+        </p:nvSpPr>
+        <p:spPr>
+          <a:xfrm>
+            <a:off x="486068" y="558154"/>
+            <a:ext cx="3855049" cy="461665"/>
+          </a:xfrm>
+          <a:prstGeom prst="rect">
+            <a:avLst/>
+          </a:prstGeom>
+          <a:noFill/>
+        </p:spPr>
+        <p:txBody>
+          <a:bodyPr wrap="square" rtlCol="0">
+            <a:spAutoFit/>
+          </a:bodyPr>
+          <a:lstStyle/>
+          <a:p>
+            <a:r>
+              <a:rPr lang="es-CL" sz="2400" b="1" dirty="0"/>
+              <a:t>Transitorios</a:t>
+            </a:r>
+            <a:endParaRPr lang="en-US" sz="2400" b="1" spc="200" dirty="0">
+              <a:solidFill>
+                <a:schemeClr val="accent2">
+                  <a:lumMod val="75000"/>
+                </a:schemeClr>
+              </a:solidFill>
+              <a:latin typeface="Roboto Medium"/>
+              <a:cs typeface="Roboto Medium"/>
+            </a:endParaRPr>
+          </a:p>
+        </p:txBody>
+      </p:sp>
+      <p:sp>
+        <p:nvSpPr>
+          <p:cNvPr id="6" name="TextBox 5"/>
+          <p:cNvSpPr txBox="1"/>
+          <p:nvPr/>
+        </p:nvSpPr>
+        <p:spPr>
+          <a:xfrm>
+            <a:off x="486068" y="1257696"/>
+            <a:ext cx="7319765" cy="4247317"/>
+          </a:xfrm>
+          <a:prstGeom prst="rect">
+            <a:avLst/>
+          </a:prstGeom>
+          <a:noFill/>
+        </p:spPr>
+        <p:txBody>
+          <a:bodyPr wrap="square" rtlCol="0">
+            <a:spAutoFit/>
+          </a:bodyPr>
+          <a:lstStyle/>
+          <a:p>
+            <a:pPr marL="285750" indent="-285750">
+              <a:buFont typeface="Arial"/>
+              <a:buChar char="•"/>
+            </a:pPr>
+            <a:r>
+              <a:rPr lang="it-IT" dirty="0" smtClean="0">
+                <a:solidFill>
+                  <a:schemeClr val="tx2">
+                    <a:lumMod val="75000"/>
+                  </a:schemeClr>
+                </a:solidFill>
+                <a:latin typeface="Roboto Light"/>
+                <a:cs typeface="Roboto Light"/>
+              </a:rPr>
+              <a:t>Cuando </a:t>
+            </a:r>
+            <a:r>
+              <a:rPr lang="it-IT" dirty="0">
+                <a:solidFill>
+                  <a:schemeClr val="tx2">
+                    <a:lumMod val="75000"/>
+                  </a:schemeClr>
+                </a:solidFill>
+                <a:latin typeface="Roboto Light"/>
+                <a:cs typeface="Roboto Light"/>
+              </a:rPr>
+              <a:t>la energía varía rápida y temporalmente debido a una </a:t>
+            </a:r>
+            <a:r>
+              <a:rPr lang="it-IT" dirty="0" smtClean="0">
+                <a:solidFill>
+                  <a:schemeClr val="tx2">
+                    <a:lumMod val="75000"/>
+                  </a:schemeClr>
+                </a:solidFill>
+                <a:latin typeface="Roboto Light"/>
+                <a:cs typeface="Roboto Light"/>
+              </a:rPr>
+              <a:t>maniobra</a:t>
+            </a:r>
+            <a:endParaRPr lang="it-IT" dirty="0">
+              <a:solidFill>
+                <a:schemeClr val="tx2">
+                  <a:lumMod val="75000"/>
+                </a:schemeClr>
+              </a:solidFill>
+              <a:latin typeface="Roboto Light"/>
+              <a:cs typeface="Roboto Light"/>
+            </a:endParaRPr>
+          </a:p>
+          <a:p>
+            <a:pPr marL="285750" indent="-285750">
+              <a:buFont typeface="Arial"/>
+              <a:buChar char="•"/>
+            </a:pPr>
+            <a:endParaRPr lang="it-IT" dirty="0" smtClean="0">
+              <a:solidFill>
+                <a:schemeClr val="tx2">
+                  <a:lumMod val="75000"/>
+                </a:schemeClr>
+              </a:solidFill>
+              <a:latin typeface="Roboto Light"/>
+              <a:cs typeface="Roboto Light"/>
+            </a:endParaRPr>
+          </a:p>
+          <a:p>
+            <a:pPr marL="285750" indent="-285750">
+              <a:buFont typeface="Arial"/>
+              <a:buChar char="•"/>
+            </a:pPr>
+            <a:r>
+              <a:rPr lang="it-IT" dirty="0" smtClean="0">
+                <a:solidFill>
+                  <a:schemeClr val="tx2">
+                    <a:lumMod val="75000"/>
+                  </a:schemeClr>
+                </a:solidFill>
+                <a:latin typeface="Roboto Light"/>
+                <a:cs typeface="Roboto Light"/>
+              </a:rPr>
+              <a:t>Motor sometido a maniobras como arranque y fallas presenta este fenómeno</a:t>
+            </a:r>
+          </a:p>
+          <a:p>
+            <a:pPr marL="285750" indent="-285750">
+              <a:buFont typeface="Arial"/>
+              <a:buChar char="•"/>
+            </a:pPr>
+            <a:endParaRPr lang="it-IT" dirty="0" smtClean="0">
+              <a:solidFill>
+                <a:schemeClr val="tx2">
+                  <a:lumMod val="75000"/>
+                </a:schemeClr>
+              </a:solidFill>
+              <a:latin typeface="Roboto Light"/>
+              <a:cs typeface="Roboto Light"/>
+            </a:endParaRPr>
+          </a:p>
+          <a:p>
+            <a:pPr marL="285750" indent="-285750">
+              <a:buFont typeface="Arial"/>
+              <a:buChar char="•"/>
+            </a:pPr>
+            <a:r>
+              <a:rPr lang="it-IT" dirty="0" smtClean="0">
+                <a:solidFill>
+                  <a:schemeClr val="tx2">
+                    <a:lumMod val="75000"/>
+                  </a:schemeClr>
+                </a:solidFill>
+                <a:latin typeface="Roboto Light"/>
+                <a:cs typeface="Roboto Light"/>
+              </a:rPr>
+              <a:t>Aparecen normalmente corrientes grande que pueden afectar de forma negativa el sistema</a:t>
+            </a:r>
+          </a:p>
+          <a:p>
+            <a:pPr marL="285750" indent="-285750">
+              <a:buFont typeface="Arial"/>
+              <a:buChar char="•"/>
+            </a:pPr>
+            <a:endParaRPr lang="it-IT" dirty="0">
+              <a:solidFill>
+                <a:schemeClr val="tx2">
+                  <a:lumMod val="75000"/>
+                </a:schemeClr>
+              </a:solidFill>
+              <a:latin typeface="Roboto Light"/>
+              <a:cs typeface="Roboto Light"/>
+            </a:endParaRPr>
+          </a:p>
+          <a:p>
+            <a:pPr marL="285750" indent="-285750">
+              <a:buFont typeface="Arial"/>
+              <a:buChar char="•"/>
+            </a:pPr>
+            <a:r>
+              <a:rPr lang="it-IT" dirty="0" smtClean="0">
+                <a:solidFill>
+                  <a:schemeClr val="tx2">
+                    <a:lumMod val="75000"/>
+                  </a:schemeClr>
+                </a:solidFill>
+                <a:latin typeface="Roboto Light"/>
+                <a:cs typeface="Roboto Light"/>
+              </a:rPr>
+              <a:t>Se pueden visualizar tanto en</a:t>
+            </a:r>
+            <a:br>
+              <a:rPr lang="it-IT" dirty="0" smtClean="0">
+                <a:solidFill>
+                  <a:schemeClr val="tx2">
+                    <a:lumMod val="75000"/>
+                  </a:schemeClr>
+                </a:solidFill>
+                <a:latin typeface="Roboto Light"/>
+                <a:cs typeface="Roboto Light"/>
+              </a:rPr>
+            </a:br>
+            <a:r>
+              <a:rPr lang="it-IT" dirty="0" smtClean="0">
+                <a:solidFill>
+                  <a:schemeClr val="tx2">
+                    <a:lumMod val="75000"/>
+                  </a:schemeClr>
+                </a:solidFill>
+                <a:latin typeface="Roboto Light"/>
+                <a:cs typeface="Roboto Light"/>
+              </a:rPr>
+              <a:t>simulación como en la parte</a:t>
+            </a:r>
+            <a:br>
+              <a:rPr lang="it-IT" dirty="0" smtClean="0">
+                <a:solidFill>
+                  <a:schemeClr val="tx2">
+                    <a:lumMod val="75000"/>
+                  </a:schemeClr>
+                </a:solidFill>
+                <a:latin typeface="Roboto Light"/>
+                <a:cs typeface="Roboto Light"/>
+              </a:rPr>
+            </a:br>
+            <a:r>
+              <a:rPr lang="it-IT" dirty="0" smtClean="0">
+                <a:solidFill>
+                  <a:schemeClr val="tx2">
+                    <a:lumMod val="75000"/>
+                  </a:schemeClr>
+                </a:solidFill>
+                <a:latin typeface="Roboto Light"/>
+                <a:cs typeface="Roboto Light"/>
+              </a:rPr>
+              <a:t>práctica</a:t>
+            </a:r>
+          </a:p>
+          <a:p>
+            <a:pPr marL="285750" indent="-285750">
+              <a:buFont typeface="Arial"/>
+              <a:buChar char="•"/>
+            </a:pPr>
+            <a:endParaRPr lang="it-IT" dirty="0">
+              <a:solidFill>
+                <a:schemeClr val="tx2">
+                  <a:lumMod val="75000"/>
+                </a:schemeClr>
+              </a:solidFill>
+              <a:latin typeface="Roboto Light"/>
+              <a:cs typeface="Roboto Light"/>
+            </a:endParaRPr>
+          </a:p>
+          <a:p>
+            <a:pPr marL="285750" indent="-285750">
+              <a:buFont typeface="Arial"/>
+              <a:buChar char="•"/>
+            </a:pPr>
+            <a:r>
+              <a:rPr lang="en-US" dirty="0" err="1" smtClean="0">
+                <a:solidFill>
+                  <a:schemeClr val="tx2">
+                    <a:lumMod val="75000"/>
+                  </a:schemeClr>
+                </a:solidFill>
+                <a:latin typeface="Roboto Light"/>
+                <a:cs typeface="Roboto Light"/>
+              </a:rPr>
+              <a:t>Uso</a:t>
+            </a:r>
+            <a:r>
+              <a:rPr lang="en-US" dirty="0" smtClean="0">
+                <a:solidFill>
+                  <a:schemeClr val="tx2">
+                    <a:lumMod val="75000"/>
+                  </a:schemeClr>
+                </a:solidFill>
+                <a:latin typeface="Roboto Light"/>
+                <a:cs typeface="Roboto Light"/>
+              </a:rPr>
+              <a:t> del VdF para </a:t>
+            </a:r>
+            <a:r>
+              <a:rPr lang="en-US" dirty="0" err="1" smtClean="0">
+                <a:solidFill>
+                  <a:schemeClr val="tx2">
+                    <a:lumMod val="75000"/>
+                  </a:schemeClr>
+                </a:solidFill>
+                <a:latin typeface="Roboto Light"/>
+                <a:cs typeface="Roboto Light"/>
+              </a:rPr>
+              <a:t>mitigar</a:t>
+            </a:r>
+            <a:r>
+              <a:rPr lang="en-US" dirty="0" smtClean="0">
+                <a:solidFill>
+                  <a:schemeClr val="tx2">
+                    <a:lumMod val="75000"/>
+                  </a:schemeClr>
+                </a:solidFill>
+                <a:latin typeface="Roboto Light"/>
+                <a:cs typeface="Roboto Light"/>
+              </a:rPr>
+              <a:t> </a:t>
+            </a:r>
+            <a:r>
+              <a:rPr lang="en-US" dirty="0" err="1" smtClean="0">
+                <a:solidFill>
+                  <a:schemeClr val="tx2">
+                    <a:lumMod val="75000"/>
+                  </a:schemeClr>
+                </a:solidFill>
+                <a:latin typeface="Roboto Light"/>
+                <a:cs typeface="Roboto Light"/>
+              </a:rPr>
+              <a:t>estos</a:t>
+            </a:r>
+            <a:r>
+              <a:rPr lang="en-US" dirty="0" smtClean="0">
+                <a:solidFill>
+                  <a:schemeClr val="tx2">
+                    <a:lumMod val="75000"/>
+                  </a:schemeClr>
+                </a:solidFill>
+                <a:latin typeface="Roboto Light"/>
+                <a:cs typeface="Roboto Light"/>
+              </a:rPr>
+              <a:t/>
+            </a:r>
+            <a:br>
+              <a:rPr lang="en-US" dirty="0" smtClean="0">
+                <a:solidFill>
+                  <a:schemeClr val="tx2">
+                    <a:lumMod val="75000"/>
+                  </a:schemeClr>
+                </a:solidFill>
+                <a:latin typeface="Roboto Light"/>
+                <a:cs typeface="Roboto Light"/>
+              </a:rPr>
+            </a:br>
+            <a:r>
+              <a:rPr lang="en-US" dirty="0" err="1" smtClean="0">
+                <a:solidFill>
+                  <a:schemeClr val="tx2">
+                    <a:lumMod val="75000"/>
+                  </a:schemeClr>
+                </a:solidFill>
+                <a:latin typeface="Roboto Light"/>
+                <a:cs typeface="Roboto Light"/>
+              </a:rPr>
+              <a:t>efectos</a:t>
+            </a:r>
+            <a:endParaRPr lang="en-US" dirty="0">
+              <a:solidFill>
+                <a:schemeClr val="tx2">
+                  <a:lumMod val="75000"/>
+                </a:schemeClr>
+              </a:solidFill>
+              <a:latin typeface="Roboto Light"/>
+              <a:cs typeface="Roboto Light"/>
+            </a:endParaRPr>
+          </a:p>
+        </p:txBody>
+      </p:sp>
+      <p:sp>
+        <p:nvSpPr>
+          <p:cNvPr id="10" name="CuadroTexto 9"/>
+          <p:cNvSpPr txBox="1"/>
+          <p:nvPr/>
+        </p:nvSpPr>
+        <p:spPr>
+          <a:xfrm>
+            <a:off x="8540496" y="6522096"/>
+            <a:ext cx="1207008" cy="400110"/>
+          </a:xfrm>
+          <a:prstGeom prst="rect">
+            <a:avLst/>
+          </a:prstGeom>
+          <a:noFill/>
+        </p:spPr>
+        <p:txBody>
+          <a:bodyPr wrap="square" rtlCol="0">
+            <a:spAutoFit/>
+          </a:bodyPr>
+          <a:lstStyle/>
+          <a:p>
+            <a:r>
+              <a:rPr lang="es-CL" sz="2000" dirty="0">
+                <a:solidFill>
+                  <a:schemeClr val="bg1"/>
+                </a:solidFill>
+              </a:rPr>
+              <a:t>6</a:t>
+            </a:r>
+            <a:endParaRPr lang="es-CL" sz="2000" dirty="0">
+              <a:solidFill>
+                <a:schemeClr val="bg1"/>
+              </a:solidFill>
+            </a:endParaRPr>
+          </a:p>
+        </p:txBody>
+      </p:sp>
+      <p:pic>
+        <p:nvPicPr>
+          <p:cNvPr id="13" name="Imagen 12"/>
+          <p:cNvPicPr>
+            <a:picLocks noChangeAspect="1"/>
+          </p:cNvPicPr>
+          <p:nvPr/>
+        </p:nvPicPr>
+        <p:blipFill>
+          <a:blip r:embed="rId2">
+            <a:extLst>
+              <a:ext uri="{28A0092B-C50C-407E-A947-70E740481C1C}">
+                <a14:useLocalDpi xmlns:a14="http://schemas.microsoft.com/office/drawing/2010/main" val="0"/>
+              </a:ext>
+            </a:extLst>
+          </a:blip>
+          <a:stretch>
+            <a:fillRect/>
+          </a:stretch>
+        </p:blipFill>
+        <p:spPr>
+          <a:xfrm>
+            <a:off x="6240435" y="6596185"/>
+            <a:ext cx="2133898" cy="240280"/>
+          </a:xfrm>
+          <a:prstGeom prst="rect">
+            <a:avLst/>
+          </a:prstGeom>
+        </p:spPr>
+      </p:pic>
+      <p:pic>
+        <p:nvPicPr>
+          <p:cNvPr id="3" name="Imagen 2"/>
+          <p:cNvPicPr>
+            <a:picLocks noChangeAspect="1"/>
+          </p:cNvPicPr>
+          <p:nvPr/>
+        </p:nvPicPr>
+        <p:blipFill>
+          <a:blip r:embed="rId3">
+            <a:extLst>
+              <a:ext uri="{28A0092B-C50C-407E-A947-70E740481C1C}">
+                <a14:useLocalDpi xmlns:a14="http://schemas.microsoft.com/office/drawing/2010/main" val="0"/>
+              </a:ext>
+            </a:extLst>
+          </a:blip>
+          <a:stretch>
+            <a:fillRect/>
+          </a:stretch>
+        </p:blipFill>
+        <p:spPr>
+          <a:xfrm>
+            <a:off x="4604140" y="3550390"/>
+            <a:ext cx="4499811" cy="2971706"/>
+          </a:xfrm>
+          <a:prstGeom prst="rect">
+            <a:avLst/>
+          </a:prstGeom>
+        </p:spPr>
+      </p:pic>
+    </p:spTree>
+    <p:extLst>
+      <p:ext uri="{BB962C8B-B14F-4D97-AF65-F5344CB8AC3E}">
+        <p14:creationId xmlns:p14="http://schemas.microsoft.com/office/powerpoint/2010/main" val="1783304172"/>
+      </p:ext>
+    </p:extLst>
+  </p:cSld>
+  <p:clrMapOvr>
+    <a:masterClrMapping/>
+  </p:clrMapOvr>
+  <p:timing>
+    <p:tnLst>
+      <p:par>
+        <p:cTn id="1" dur="indefinite" restart="never" nodeType="tmRoot"/>
+      </p:par>
+    </p:tnLst>
+  </p:timing>
+</p:sld>
+</file>
+
+<file path=ppt/slides/slide8.xml><?xml version="1.0" encoding="utf-8"?>
+<p:sld xmlns:a="http://schemas.openxmlformats.org/drawingml/2006/main" xmlns:r="http://schemas.openxmlformats.org/officeDocument/2006/relationships" xmlns:p="http://schemas.openxmlformats.org/presentationml/2006/main">
+  <p:cSld>
+    <p:spTree>
+      <p:nvGrpSpPr>
+        <p:cNvPr id="1" name=""/>
+        <p:cNvGrpSpPr/>
+        <p:nvPr/>
+      </p:nvGrpSpPr>
+      <p:grpSpPr>
+        <a:xfrm>
+          <a:off x="0" y="0"/>
+          <a:ext cx="0" cy="0"/>
+          <a:chOff x="0" y="0"/>
+          <a:chExt cx="0" cy="0"/>
+        </a:xfrm>
+      </p:grpSpPr>
+      <p:sp>
+        <p:nvSpPr>
+          <p:cNvPr id="4" name="TextBox 3"/>
+          <p:cNvSpPr txBox="1"/>
+          <p:nvPr/>
+        </p:nvSpPr>
+        <p:spPr>
+          <a:xfrm>
+            <a:off x="-365031" y="504567"/>
+            <a:ext cx="4427621" cy="461665"/>
+          </a:xfrm>
+          <a:prstGeom prst="rect">
+            <a:avLst/>
+          </a:prstGeom>
+          <a:noFill/>
+        </p:spPr>
+        <p:txBody>
+          <a:bodyPr wrap="square" rtlCol="0">
+            <a:spAutoFit/>
+          </a:bodyPr>
+          <a:lstStyle/>
+          <a:p>
+            <a:pPr lvl="2"/>
+            <a:r>
+              <a:rPr lang="es-CL" sz="2400" b="1" dirty="0"/>
+              <a:t>Componentes simétricas</a:t>
+            </a:r>
+          </a:p>
+        </p:txBody>
+      </p:sp>
+      <p:sp>
+        <p:nvSpPr>
+          <p:cNvPr id="6" name="TextBox 5"/>
+          <p:cNvSpPr txBox="1"/>
+          <p:nvPr/>
+        </p:nvSpPr>
+        <p:spPr>
+          <a:xfrm>
+            <a:off x="578362" y="1190598"/>
+            <a:ext cx="6639027" cy="5047536"/>
+          </a:xfrm>
+          <a:prstGeom prst="rect">
+            <a:avLst/>
+          </a:prstGeom>
+          <a:noFill/>
+        </p:spPr>
+        <p:txBody>
+          <a:bodyPr wrap="square" rtlCol="0">
+            <a:spAutoFit/>
+          </a:bodyPr>
+          <a:lstStyle/>
+          <a:p>
+            <a:pPr marL="285750" indent="-285750">
+              <a:buFont typeface="Arial"/>
+              <a:buChar char="•"/>
+            </a:pPr>
+            <a:r>
+              <a:rPr lang="it-IT" dirty="0" smtClean="0">
+                <a:solidFill>
+                  <a:schemeClr val="tx2">
+                    <a:lumMod val="75000"/>
+                  </a:schemeClr>
+                </a:solidFill>
+                <a:latin typeface="Roboto Light"/>
+                <a:cs typeface="Roboto Light"/>
+              </a:rPr>
+              <a:t>Teorema de Fortescue, para simplificar análisis de sistemas en desequilibrio</a:t>
+            </a:r>
+            <a:endParaRPr lang="it-IT" dirty="0" smtClean="0">
+              <a:solidFill>
+                <a:schemeClr val="tx2">
+                  <a:lumMod val="75000"/>
+                </a:schemeClr>
+              </a:solidFill>
+              <a:latin typeface="Roboto Light"/>
+              <a:cs typeface="Roboto Light"/>
+            </a:endParaRPr>
+          </a:p>
+          <a:p>
+            <a:pPr marL="285750" indent="-285750">
+              <a:buFont typeface="Arial"/>
+              <a:buChar char="•"/>
+            </a:pPr>
+            <a:endParaRPr lang="it-IT" dirty="0" smtClean="0">
+              <a:solidFill>
+                <a:schemeClr val="tx2">
+                  <a:lumMod val="75000"/>
+                </a:schemeClr>
+              </a:solidFill>
+              <a:latin typeface="Roboto Light"/>
+              <a:cs typeface="Roboto Light"/>
+            </a:endParaRPr>
+          </a:p>
+          <a:p>
+            <a:pPr marL="285750" indent="-285750">
+              <a:buFont typeface="Arial"/>
+              <a:buChar char="•"/>
+            </a:pPr>
+            <a:r>
+              <a:rPr lang="it-IT" dirty="0" smtClean="0">
+                <a:solidFill>
+                  <a:schemeClr val="tx2">
+                    <a:lumMod val="75000"/>
+                  </a:schemeClr>
+                </a:solidFill>
+                <a:latin typeface="Roboto Light"/>
+                <a:cs typeface="Roboto Light"/>
+              </a:rPr>
+              <a:t>Sistemas trifásicos, Secuencia (+), (-) y (0)</a:t>
+            </a:r>
+            <a:endParaRPr lang="it-IT" dirty="0" smtClean="0">
+              <a:solidFill>
+                <a:schemeClr val="tx2">
+                  <a:lumMod val="75000"/>
+                </a:schemeClr>
+              </a:solidFill>
+              <a:latin typeface="Roboto Light"/>
+              <a:cs typeface="Roboto Light"/>
+            </a:endParaRPr>
+          </a:p>
+          <a:p>
+            <a:pPr marL="285750" indent="-285750">
+              <a:buFont typeface="Arial"/>
+              <a:buChar char="•"/>
+            </a:pPr>
+            <a:endParaRPr lang="it-IT" dirty="0" smtClean="0">
+              <a:solidFill>
+                <a:schemeClr val="tx2">
+                  <a:lumMod val="75000"/>
+                </a:schemeClr>
+              </a:solidFill>
+              <a:latin typeface="Roboto Light"/>
+              <a:cs typeface="Roboto Light"/>
+            </a:endParaRPr>
+          </a:p>
+          <a:p>
+            <a:pPr marL="285750" indent="-285750">
+              <a:buFont typeface="Arial"/>
+              <a:buChar char="•"/>
+            </a:pPr>
+            <a:r>
+              <a:rPr lang="it-IT" dirty="0" smtClean="0">
+                <a:solidFill>
+                  <a:schemeClr val="tx2">
+                    <a:lumMod val="75000"/>
+                  </a:schemeClr>
+                </a:solidFill>
+                <a:latin typeface="Roboto Light"/>
+                <a:cs typeface="Roboto Light"/>
+              </a:rPr>
+              <a:t>Físicamente:</a:t>
+            </a:r>
+            <a:br>
+              <a:rPr lang="it-IT" dirty="0" smtClean="0">
+                <a:solidFill>
+                  <a:schemeClr val="tx2">
+                    <a:lumMod val="75000"/>
+                  </a:schemeClr>
+                </a:solidFill>
+                <a:latin typeface="Roboto Light"/>
+                <a:cs typeface="Roboto Light"/>
+              </a:rPr>
+            </a:br>
+            <a:r>
+              <a:rPr lang="it-IT" dirty="0" smtClean="0">
+                <a:solidFill>
+                  <a:schemeClr val="tx2">
+                    <a:lumMod val="75000"/>
+                  </a:schemeClr>
+                </a:solidFill>
+                <a:latin typeface="Roboto Light"/>
+                <a:cs typeface="Roboto Light"/>
+              </a:rPr>
+              <a:t>-Sec.(+) campo rotatorio normal</a:t>
+            </a:r>
+            <a:br>
+              <a:rPr lang="it-IT" dirty="0" smtClean="0">
+                <a:solidFill>
+                  <a:schemeClr val="tx2">
+                    <a:lumMod val="75000"/>
+                  </a:schemeClr>
+                </a:solidFill>
+                <a:latin typeface="Roboto Light"/>
+                <a:cs typeface="Roboto Light"/>
+              </a:rPr>
+            </a:br>
+            <a:r>
+              <a:rPr lang="it-IT" dirty="0" smtClean="0">
+                <a:solidFill>
+                  <a:schemeClr val="tx2">
+                    <a:lumMod val="75000"/>
+                  </a:schemeClr>
+                </a:solidFill>
+                <a:latin typeface="Roboto Light"/>
+                <a:cs typeface="Roboto Light"/>
+              </a:rPr>
+              <a:t>-Sec.(-) campo rotatorio opuesto</a:t>
+            </a:r>
+            <a:br>
+              <a:rPr lang="it-IT" dirty="0" smtClean="0">
+                <a:solidFill>
+                  <a:schemeClr val="tx2">
+                    <a:lumMod val="75000"/>
+                  </a:schemeClr>
+                </a:solidFill>
+                <a:latin typeface="Roboto Light"/>
+                <a:cs typeface="Roboto Light"/>
+              </a:rPr>
+            </a:br>
+            <a:r>
+              <a:rPr lang="it-IT" dirty="0" smtClean="0">
+                <a:solidFill>
+                  <a:schemeClr val="tx2">
+                    <a:lumMod val="75000"/>
+                  </a:schemeClr>
+                </a:solidFill>
+                <a:latin typeface="Roboto Light"/>
+                <a:cs typeface="Roboto Light"/>
+              </a:rPr>
+              <a:t>-Sec.(0) campo oscila pero no gira</a:t>
+            </a:r>
+          </a:p>
+          <a:p>
+            <a:pPr marL="285750" indent="-285750">
+              <a:buFont typeface="Arial"/>
+              <a:buChar char="•"/>
+            </a:pPr>
+            <a:endParaRPr lang="it-IT" dirty="0">
+              <a:solidFill>
+                <a:schemeClr val="tx2">
+                  <a:lumMod val="75000"/>
+                </a:schemeClr>
+              </a:solidFill>
+              <a:latin typeface="Roboto Light"/>
+              <a:cs typeface="Roboto Light"/>
+            </a:endParaRPr>
+          </a:p>
+          <a:p>
+            <a:pPr marL="285750" indent="-285750">
+              <a:buFont typeface="Arial"/>
+              <a:buChar char="•"/>
+            </a:pPr>
+            <a:r>
+              <a:rPr lang="it-IT" dirty="0" smtClean="0">
+                <a:solidFill>
+                  <a:schemeClr val="tx2">
+                    <a:lumMod val="75000"/>
+                  </a:schemeClr>
+                </a:solidFill>
+                <a:latin typeface="Roboto Light"/>
+                <a:cs typeface="Roboto Light"/>
+              </a:rPr>
+              <a:t>Armónicos en sistemas equilibrados se</a:t>
+            </a:r>
+            <a:br>
+              <a:rPr lang="it-IT" dirty="0" smtClean="0">
+                <a:solidFill>
+                  <a:schemeClr val="tx2">
+                    <a:lumMod val="75000"/>
+                  </a:schemeClr>
+                </a:solidFill>
+                <a:latin typeface="Roboto Light"/>
+                <a:cs typeface="Roboto Light"/>
+              </a:rPr>
+            </a:br>
+            <a:r>
+              <a:rPr lang="it-IT" dirty="0" smtClean="0">
+                <a:solidFill>
+                  <a:schemeClr val="tx2">
+                    <a:lumMod val="75000"/>
+                  </a:schemeClr>
+                </a:solidFill>
+                <a:latin typeface="Roboto Light"/>
+                <a:cs typeface="Roboto Light"/>
+              </a:rPr>
+              <a:t>comportan:</a:t>
+            </a:r>
+          </a:p>
+          <a:p>
+            <a:pPr marL="285750" indent="-285750">
+              <a:buFont typeface="Arial"/>
+              <a:buChar char="•"/>
+            </a:pPr>
+            <a:endParaRPr lang="it-IT" dirty="0" smtClean="0">
+              <a:solidFill>
+                <a:schemeClr val="tx2">
+                  <a:lumMod val="75000"/>
+                </a:schemeClr>
+              </a:solidFill>
+              <a:latin typeface="Roboto Light"/>
+              <a:cs typeface="Roboto Light"/>
+            </a:endParaRPr>
+          </a:p>
+          <a:p>
+            <a:pPr marL="285750" indent="-285750">
+              <a:buFont typeface="Arial"/>
+              <a:buChar char="•"/>
+            </a:pPr>
+            <a:r>
+              <a:rPr lang="it-IT" dirty="0" smtClean="0">
+                <a:solidFill>
+                  <a:schemeClr val="tx2">
+                    <a:lumMod val="75000"/>
+                  </a:schemeClr>
+                </a:solidFill>
+                <a:latin typeface="Roboto Light"/>
+                <a:cs typeface="Roboto Light"/>
+              </a:rPr>
+              <a:t>Simetría de media onda</a:t>
+            </a:r>
+          </a:p>
+          <a:p>
+            <a:pPr marL="285750" indent="-285750">
+              <a:buFont typeface="Arial"/>
+              <a:buChar char="•"/>
+            </a:pPr>
+            <a:endParaRPr lang="it-IT" dirty="0">
+              <a:solidFill>
+                <a:schemeClr val="tx2">
+                  <a:lumMod val="75000"/>
+                </a:schemeClr>
+              </a:solidFill>
+              <a:latin typeface="Roboto Light"/>
+              <a:cs typeface="Roboto Light"/>
+            </a:endParaRPr>
+          </a:p>
+          <a:p>
+            <a:pPr marL="285750" indent="-285750">
+              <a:buFont typeface="Arial"/>
+              <a:buChar char="•"/>
+            </a:pPr>
+            <a:r>
+              <a:rPr lang="it-IT" dirty="0" smtClean="0">
+                <a:solidFill>
+                  <a:schemeClr val="tx2">
+                    <a:lumMod val="75000"/>
+                  </a:schemeClr>
+                </a:solidFill>
+                <a:latin typeface="Roboto Light"/>
+                <a:cs typeface="Roboto Light"/>
+              </a:rPr>
+              <a:t>Sistemas balanceado corriente por neutro </a:t>
+            </a:r>
+            <a:br>
+              <a:rPr lang="it-IT" dirty="0" smtClean="0">
+                <a:solidFill>
+                  <a:schemeClr val="tx2">
+                    <a:lumMod val="75000"/>
+                  </a:schemeClr>
+                </a:solidFill>
+                <a:latin typeface="Roboto Light"/>
+                <a:cs typeface="Roboto Light"/>
+              </a:rPr>
+            </a:br>
+            <a:r>
+              <a:rPr lang="it-IT" dirty="0" smtClean="0">
+                <a:solidFill>
+                  <a:schemeClr val="tx2">
+                    <a:lumMod val="75000"/>
+                  </a:schemeClr>
+                </a:solidFill>
+                <a:latin typeface="Roboto Light"/>
+                <a:cs typeface="Roboto Light"/>
+              </a:rPr>
+              <a:t>es cero</a:t>
+            </a:r>
+            <a:endParaRPr lang="it-IT" dirty="0">
+              <a:solidFill>
+                <a:schemeClr val="tx2">
+                  <a:lumMod val="75000"/>
+                </a:schemeClr>
+              </a:solidFill>
+              <a:latin typeface="Roboto Light"/>
+              <a:cs typeface="Roboto Light"/>
+            </a:endParaRPr>
+          </a:p>
+          <a:p>
+            <a:pPr marL="285750" indent="-285750">
+              <a:buFont typeface="Arial"/>
+              <a:buChar char="•"/>
+            </a:pPr>
+            <a:endParaRPr lang="en-US" sz="1600" dirty="0">
+              <a:solidFill>
+                <a:schemeClr val="tx2">
+                  <a:lumMod val="75000"/>
+                </a:schemeClr>
+              </a:solidFill>
+              <a:latin typeface="Roboto Light"/>
+              <a:cs typeface="Roboto Light"/>
+            </a:endParaRPr>
+          </a:p>
+        </p:txBody>
+      </p:sp>
+      <p:sp>
+        <p:nvSpPr>
+          <p:cNvPr id="10" name="CuadroTexto 9"/>
+          <p:cNvSpPr txBox="1"/>
+          <p:nvPr/>
+        </p:nvSpPr>
+        <p:spPr>
+          <a:xfrm>
+            <a:off x="8540496" y="6522096"/>
+            <a:ext cx="1207008" cy="400110"/>
+          </a:xfrm>
+          <a:prstGeom prst="rect">
+            <a:avLst/>
+          </a:prstGeom>
+          <a:noFill/>
+        </p:spPr>
+        <p:txBody>
+          <a:bodyPr wrap="square" rtlCol="0">
+            <a:spAutoFit/>
+          </a:bodyPr>
+          <a:lstStyle/>
+          <a:p>
+            <a:r>
+              <a:rPr lang="es-CL" sz="2000" dirty="0">
+                <a:solidFill>
+                  <a:schemeClr val="bg1"/>
+                </a:solidFill>
+              </a:rPr>
+              <a:t>7</a:t>
+            </a:r>
+            <a:endParaRPr lang="es-CL" sz="2000" dirty="0">
+              <a:solidFill>
+                <a:schemeClr val="bg1"/>
+              </a:solidFill>
+            </a:endParaRPr>
+          </a:p>
+        </p:txBody>
+      </p:sp>
+      <p:pic>
+        <p:nvPicPr>
+          <p:cNvPr id="13" name="Imagen 12"/>
+          <p:cNvPicPr>
+            <a:picLocks noChangeAspect="1"/>
+          </p:cNvPicPr>
+          <p:nvPr/>
+        </p:nvPicPr>
+        <p:blipFill>
+          <a:blip r:embed="rId2">
+            <a:extLst>
+              <a:ext uri="{28A0092B-C50C-407E-A947-70E740481C1C}">
+                <a14:useLocalDpi xmlns:a14="http://schemas.microsoft.com/office/drawing/2010/main" val="0"/>
+              </a:ext>
+            </a:extLst>
+          </a:blip>
+          <a:stretch>
+            <a:fillRect/>
+          </a:stretch>
+        </p:blipFill>
+        <p:spPr>
+          <a:xfrm>
+            <a:off x="6240435" y="6596185"/>
+            <a:ext cx="2133898" cy="240280"/>
+          </a:xfrm>
+          <a:prstGeom prst="rect">
+            <a:avLst/>
+          </a:prstGeom>
+        </p:spPr>
+      </p:pic>
+      <p:pic>
+        <p:nvPicPr>
+          <p:cNvPr id="2" name="Imagen 1"/>
+          <p:cNvPicPr>
+            <a:picLocks noChangeAspect="1"/>
+          </p:cNvPicPr>
+          <p:nvPr/>
+        </p:nvPicPr>
+        <p:blipFill>
+          <a:blip r:embed="rId3">
+            <a:extLst>
+              <a:ext uri="{28A0092B-C50C-407E-A947-70E740481C1C}">
+                <a14:useLocalDpi xmlns:a14="http://schemas.microsoft.com/office/drawing/2010/main" val="0"/>
+              </a:ext>
+            </a:extLst>
+          </a:blip>
+          <a:stretch>
+            <a:fillRect/>
+          </a:stretch>
+        </p:blipFill>
+        <p:spPr>
+          <a:xfrm>
+            <a:off x="5980908" y="3018551"/>
+            <a:ext cx="3010320" cy="3353268"/>
+          </a:xfrm>
+          <a:prstGeom prst="rect">
+            <a:avLst/>
+          </a:prstGeom>
+        </p:spPr>
+      </p:pic>
+    </p:spTree>
+    <p:extLst>
+      <p:ext uri="{BB962C8B-B14F-4D97-AF65-F5344CB8AC3E}">
+        <p14:creationId xmlns:p14="http://schemas.microsoft.com/office/powerpoint/2010/main" val="266381625"/>
+      </p:ext>
+    </p:extLst>
+  </p:cSld>
+  <p:clrMapOvr>
+    <a:masterClrMapping/>
+  </p:clrMapOvr>
+  <p:timing>
+    <p:tnLst>
+      <p:par>
+        <p:cTn id="1" dur="indefinite" restart="never" nodeType="tmRoot"/>
+      </p:par>
+    </p:tnLst>
+  </p:timing>
+</p:sld>
+</file>
+
+<file path=ppt/slides/slide9.xml><?xml version="1.0" encoding="utf-8"?>
+<p:sld xmlns:a="http://schemas.openxmlformats.org/drawingml/2006/main" xmlns:r="http://schemas.openxmlformats.org/officeDocument/2006/relationships" xmlns:p="http://schemas.openxmlformats.org/presentationml/2006/main">
+  <p:cSld>
+    <p:spTree>
+      <p:nvGrpSpPr>
+        <p:cNvPr id="1" name=""/>
+        <p:cNvGrpSpPr/>
+        <p:nvPr/>
+      </p:nvGrpSpPr>
+      <p:grpSpPr>
+        <a:xfrm>
+          <a:off x="0" y="0"/>
+          <a:ext cx="0" cy="0"/>
+          <a:chOff x="0" y="0"/>
+          <a:chExt cx="0" cy="0"/>
+        </a:xfrm>
+      </p:grpSpPr>
+      <p:sp>
+        <p:nvSpPr>
+          <p:cNvPr id="4" name="TextBox 3"/>
+          <p:cNvSpPr txBox="1"/>
+          <p:nvPr/>
+        </p:nvSpPr>
+        <p:spPr>
+          <a:xfrm>
+            <a:off x="343616" y="357209"/>
+            <a:ext cx="4444952" cy="830997"/>
+          </a:xfrm>
+          <a:prstGeom prst="rect">
+            <a:avLst/>
+          </a:prstGeom>
+          <a:noFill/>
+        </p:spPr>
+        <p:txBody>
+          <a:bodyPr wrap="square" rtlCol="0">
+            <a:spAutoFit/>
+          </a:bodyPr>
+          <a:lstStyle/>
+          <a:p>
+            <a:r>
+              <a:rPr lang="es-CL" sz="2400" b="1" dirty="0"/>
+              <a:t>Conceptos básicos del motor y su funcionamiento</a:t>
+            </a:r>
+            <a:endParaRPr lang="en-US" sz="2400" b="1" spc="200" dirty="0">
+              <a:solidFill>
+                <a:schemeClr val="accent2">
+                  <a:lumMod val="75000"/>
+                </a:schemeClr>
+              </a:solidFill>
+              <a:latin typeface="Roboto Medium"/>
+              <a:cs typeface="Roboto Medium"/>
+            </a:endParaRPr>
+          </a:p>
+        </p:txBody>
+      </p:sp>
+      <p:sp>
+        <p:nvSpPr>
+          <p:cNvPr id="6" name="TextBox 5"/>
+          <p:cNvSpPr txBox="1"/>
+          <p:nvPr/>
+        </p:nvSpPr>
+        <p:spPr>
+          <a:xfrm>
+            <a:off x="343616" y="1188206"/>
+            <a:ext cx="8094481" cy="4524315"/>
+          </a:xfrm>
+          <a:prstGeom prst="rect">
+            <a:avLst/>
+          </a:prstGeom>
+          <a:noFill/>
+        </p:spPr>
+        <p:txBody>
+          <a:bodyPr wrap="square" rtlCol="0">
+            <a:spAutoFit/>
+          </a:bodyPr>
+          <a:lstStyle/>
+          <a:p>
+            <a:pPr marL="285750" indent="-285750">
+              <a:buFont typeface="Arial"/>
+              <a:buChar char="•"/>
+            </a:pPr>
+            <a:r>
+              <a:rPr lang="it-IT" sz="1600" dirty="0" smtClean="0">
+                <a:solidFill>
+                  <a:schemeClr val="tx2">
+                    <a:lumMod val="75000"/>
+                  </a:schemeClr>
+                </a:solidFill>
+                <a:latin typeface="Roboto Light"/>
+                <a:cs typeface="Roboto Light"/>
+              </a:rPr>
+              <a:t>Motor asíncrono o de inducción, máquinas C.A. </a:t>
+            </a:r>
+            <a:r>
+              <a:rPr lang="it-IT" sz="1600" dirty="0" smtClean="0">
+                <a:solidFill>
+                  <a:schemeClr val="tx2">
+                    <a:lumMod val="75000"/>
+                  </a:schemeClr>
+                </a:solidFill>
+                <a:latin typeface="Roboto Light"/>
+                <a:cs typeface="Roboto Light"/>
+              </a:rPr>
+              <a:t>régimen</a:t>
+            </a:r>
+            <a:r>
+              <a:rPr lang="it-IT" sz="1600" dirty="0" smtClean="0">
+                <a:solidFill>
+                  <a:schemeClr val="tx2">
+                    <a:lumMod val="75000"/>
+                  </a:schemeClr>
+                </a:solidFill>
+                <a:latin typeface="Roboto Light"/>
+                <a:cs typeface="Roboto Light"/>
+              </a:rPr>
+              <a:t> carga</a:t>
+            </a:r>
+          </a:p>
+          <a:p>
+            <a:pPr marL="285750" indent="-285750">
+              <a:buFont typeface="Arial"/>
+              <a:buChar char="•"/>
+            </a:pPr>
+            <a:endParaRPr lang="it-IT" sz="1600" dirty="0" smtClean="0">
+              <a:solidFill>
+                <a:schemeClr val="tx2">
+                  <a:lumMod val="75000"/>
+                </a:schemeClr>
+              </a:solidFill>
+              <a:latin typeface="Roboto Light"/>
+              <a:cs typeface="Roboto Light"/>
+            </a:endParaRPr>
+          </a:p>
+          <a:p>
+            <a:pPr marL="285750" indent="-285750">
+              <a:buFont typeface="Arial"/>
+              <a:buChar char="•"/>
+            </a:pPr>
+            <a:r>
+              <a:rPr lang="it-IT" sz="1600" dirty="0" smtClean="0">
+                <a:solidFill>
+                  <a:schemeClr val="tx2">
+                    <a:lumMod val="75000"/>
+                  </a:schemeClr>
+                </a:solidFill>
+                <a:latin typeface="Roboto Light"/>
+                <a:cs typeface="Roboto Light"/>
+              </a:rPr>
+              <a:t>Corriente del rotor es inducida electromagnéticamente por la bobina del estator</a:t>
+            </a:r>
+            <a:endParaRPr lang="it-IT" sz="1600" dirty="0" smtClean="0">
+              <a:solidFill>
+                <a:schemeClr val="tx2">
+                  <a:lumMod val="75000"/>
+                </a:schemeClr>
+              </a:solidFill>
+              <a:latin typeface="Roboto Light"/>
+              <a:cs typeface="Roboto Light"/>
+            </a:endParaRPr>
+          </a:p>
+          <a:p>
+            <a:pPr marL="285750" indent="-285750">
+              <a:buFont typeface="Arial"/>
+              <a:buChar char="•"/>
+            </a:pPr>
+            <a:endParaRPr lang="it-IT" sz="1600" dirty="0" smtClean="0">
+              <a:solidFill>
+                <a:schemeClr val="tx2">
+                  <a:lumMod val="75000"/>
+                </a:schemeClr>
+              </a:solidFill>
+              <a:latin typeface="Roboto Light"/>
+              <a:cs typeface="Roboto Light"/>
+            </a:endParaRPr>
+          </a:p>
+          <a:p>
+            <a:pPr marL="285750" indent="-285750">
+              <a:buFont typeface="Arial"/>
+              <a:buChar char="•"/>
+            </a:pPr>
+            <a:r>
+              <a:rPr lang="it-IT" sz="1600" dirty="0" smtClean="0">
+                <a:solidFill>
+                  <a:schemeClr val="tx2">
+                    <a:lumMod val="75000"/>
+                  </a:schemeClr>
+                </a:solidFill>
+                <a:latin typeface="Roboto Light"/>
+                <a:cs typeface="Roboto Light"/>
+              </a:rPr>
+              <a:t>Rotor, giratorio, ubicado en el eje. Jaula de ardilla o bobinado.</a:t>
+            </a:r>
+          </a:p>
+          <a:p>
+            <a:pPr marL="285750" indent="-285750">
+              <a:buFont typeface="Arial"/>
+              <a:buChar char="•"/>
+            </a:pPr>
+            <a:endParaRPr lang="it-IT" sz="1600" dirty="0">
+              <a:solidFill>
+                <a:schemeClr val="tx2">
+                  <a:lumMod val="75000"/>
+                </a:schemeClr>
+              </a:solidFill>
+              <a:latin typeface="Roboto Light"/>
+              <a:cs typeface="Roboto Light"/>
+            </a:endParaRPr>
+          </a:p>
+          <a:p>
+            <a:pPr marL="285750" indent="-285750">
+              <a:buFont typeface="Arial"/>
+              <a:buChar char="•"/>
+            </a:pPr>
+            <a:r>
+              <a:rPr lang="it-IT" sz="1600" dirty="0" smtClean="0">
+                <a:solidFill>
+                  <a:schemeClr val="tx2">
+                    <a:lumMod val="75000"/>
+                  </a:schemeClr>
+                </a:solidFill>
+                <a:latin typeface="Roboto Light"/>
+                <a:cs typeface="Roboto Light"/>
+              </a:rPr>
+              <a:t>Estator, fijo, ubicado al interior de la carcasa. Bobinas inductoras separadas 120°</a:t>
+            </a:r>
+          </a:p>
+          <a:p>
+            <a:pPr marL="285750" indent="-285750">
+              <a:buFont typeface="Arial"/>
+              <a:buChar char="•"/>
+            </a:pPr>
+            <a:endParaRPr lang="it-IT" sz="1600" dirty="0">
+              <a:solidFill>
+                <a:schemeClr val="tx2">
+                  <a:lumMod val="75000"/>
+                </a:schemeClr>
+              </a:solidFill>
+              <a:latin typeface="Roboto Light"/>
+              <a:cs typeface="Roboto Light"/>
+            </a:endParaRPr>
+          </a:p>
+          <a:p>
+            <a:pPr marL="285750" indent="-285750">
+              <a:buFont typeface="Arial"/>
+              <a:buChar char="•"/>
+            </a:pPr>
+            <a:r>
+              <a:rPr lang="en-US" sz="1600" dirty="0" err="1" smtClean="0">
+                <a:solidFill>
+                  <a:schemeClr val="tx2">
+                    <a:lumMod val="75000"/>
+                  </a:schemeClr>
+                </a:solidFill>
+                <a:latin typeface="Roboto Light"/>
+                <a:cs typeface="Roboto Light"/>
+              </a:rPr>
+              <a:t>Entrehierro</a:t>
+            </a:r>
+            <a:r>
+              <a:rPr lang="en-US" sz="1600" dirty="0" smtClean="0">
+                <a:solidFill>
+                  <a:schemeClr val="tx2">
+                    <a:lumMod val="75000"/>
+                  </a:schemeClr>
+                </a:solidFill>
+                <a:latin typeface="Roboto Light"/>
+                <a:cs typeface="Roboto Light"/>
+              </a:rPr>
+              <a:t>, </a:t>
+            </a:r>
+            <a:r>
+              <a:rPr lang="en-US" sz="1600" dirty="0" err="1" smtClean="0">
+                <a:solidFill>
+                  <a:schemeClr val="tx2">
+                    <a:lumMod val="75000"/>
+                  </a:schemeClr>
+                </a:solidFill>
+                <a:latin typeface="Roboto Light"/>
+                <a:cs typeface="Roboto Light"/>
+              </a:rPr>
+              <a:t>pequeña</a:t>
+            </a:r>
+            <a:r>
+              <a:rPr lang="en-US" sz="1600" dirty="0" smtClean="0">
+                <a:solidFill>
+                  <a:schemeClr val="tx2">
+                    <a:lumMod val="75000"/>
+                  </a:schemeClr>
+                </a:solidFill>
+                <a:latin typeface="Roboto Light"/>
+                <a:cs typeface="Roboto Light"/>
+              </a:rPr>
+              <a:t> </a:t>
+            </a:r>
+            <a:r>
+              <a:rPr lang="en-US" sz="1600" dirty="0" err="1" smtClean="0">
+                <a:solidFill>
+                  <a:schemeClr val="tx2">
+                    <a:lumMod val="75000"/>
+                  </a:schemeClr>
+                </a:solidFill>
+                <a:latin typeface="Roboto Light"/>
+                <a:cs typeface="Roboto Light"/>
+              </a:rPr>
+              <a:t>distancia</a:t>
+            </a:r>
+            <a:r>
+              <a:rPr lang="en-US" sz="1600" dirty="0" smtClean="0">
+                <a:solidFill>
+                  <a:schemeClr val="tx2">
+                    <a:lumMod val="75000"/>
+                  </a:schemeClr>
+                </a:solidFill>
+                <a:latin typeface="Roboto Light"/>
+                <a:cs typeface="Roboto Light"/>
+              </a:rPr>
+              <a:t> </a:t>
+            </a:r>
+            <a:r>
+              <a:rPr lang="en-US" sz="1600" dirty="0" err="1" smtClean="0">
+                <a:solidFill>
+                  <a:schemeClr val="tx2">
+                    <a:lumMod val="75000"/>
+                  </a:schemeClr>
+                </a:solidFill>
+                <a:latin typeface="Roboto Light"/>
+                <a:cs typeface="Roboto Light"/>
+              </a:rPr>
+              <a:t>uniforme</a:t>
+            </a:r>
+            <a:r>
+              <a:rPr lang="en-US" sz="1600" dirty="0" smtClean="0">
+                <a:solidFill>
+                  <a:schemeClr val="tx2">
+                    <a:lumMod val="75000"/>
+                  </a:schemeClr>
+                </a:solidFill>
+                <a:latin typeface="Roboto Light"/>
+                <a:cs typeface="Roboto Light"/>
+              </a:rPr>
+              <a:t> de </a:t>
+            </a:r>
+            <a:r>
+              <a:rPr lang="en-US" sz="1600" dirty="0" err="1" smtClean="0">
+                <a:solidFill>
+                  <a:schemeClr val="tx2">
+                    <a:lumMod val="75000"/>
+                  </a:schemeClr>
+                </a:solidFill>
+                <a:latin typeface="Roboto Light"/>
+                <a:cs typeface="Roboto Light"/>
+              </a:rPr>
+              <a:t>aire</a:t>
+            </a:r>
+            <a:r>
+              <a:rPr lang="en-US" sz="1600" dirty="0" smtClean="0">
+                <a:solidFill>
+                  <a:schemeClr val="tx2">
+                    <a:lumMod val="75000"/>
+                  </a:schemeClr>
+                </a:solidFill>
+                <a:latin typeface="Roboto Light"/>
+                <a:cs typeface="Roboto Light"/>
+              </a:rPr>
+              <a:t> </a:t>
+            </a:r>
+            <a:r>
+              <a:rPr lang="en-US" sz="1600" dirty="0" err="1" smtClean="0">
+                <a:solidFill>
+                  <a:schemeClr val="tx2">
+                    <a:lumMod val="75000"/>
+                  </a:schemeClr>
+                </a:solidFill>
+                <a:latin typeface="Roboto Light"/>
+                <a:cs typeface="Roboto Light"/>
+              </a:rPr>
+              <a:t>que</a:t>
+            </a:r>
+            <a:r>
+              <a:rPr lang="en-US" sz="1600" dirty="0" smtClean="0">
+                <a:solidFill>
+                  <a:schemeClr val="tx2">
+                    <a:lumMod val="75000"/>
+                  </a:schemeClr>
+                </a:solidFill>
+                <a:latin typeface="Roboto Light"/>
+                <a:cs typeface="Roboto Light"/>
+              </a:rPr>
+              <a:t> </a:t>
+            </a:r>
+            <a:r>
+              <a:rPr lang="en-US" sz="1600" dirty="0" err="1" smtClean="0">
+                <a:solidFill>
+                  <a:schemeClr val="tx2">
+                    <a:lumMod val="75000"/>
+                  </a:schemeClr>
+                </a:solidFill>
+                <a:latin typeface="Roboto Light"/>
+                <a:cs typeface="Roboto Light"/>
+              </a:rPr>
+              <a:t>separa</a:t>
+            </a:r>
+            <a:r>
+              <a:rPr lang="en-US" sz="1600" dirty="0" smtClean="0">
+                <a:solidFill>
+                  <a:schemeClr val="tx2">
+                    <a:lumMod val="75000"/>
+                  </a:schemeClr>
+                </a:solidFill>
+                <a:latin typeface="Roboto Light"/>
+                <a:cs typeface="Roboto Light"/>
+              </a:rPr>
+              <a:t> rotor y </a:t>
+            </a:r>
+            <a:r>
+              <a:rPr lang="en-US" sz="1600" dirty="0" err="1" smtClean="0">
+                <a:solidFill>
+                  <a:schemeClr val="tx2">
+                    <a:lumMod val="75000"/>
+                  </a:schemeClr>
+                </a:solidFill>
+                <a:latin typeface="Roboto Light"/>
+                <a:cs typeface="Roboto Light"/>
+              </a:rPr>
+              <a:t>estator</a:t>
+            </a:r>
+            <a:endParaRPr lang="en-US" sz="1600" dirty="0">
+              <a:solidFill>
+                <a:schemeClr val="tx2">
+                  <a:lumMod val="75000"/>
+                </a:schemeClr>
+              </a:solidFill>
+              <a:latin typeface="Roboto Light"/>
+              <a:cs typeface="Roboto Light"/>
+            </a:endParaRPr>
+          </a:p>
+          <a:p>
+            <a:pPr marL="285750" indent="-285750">
+              <a:buFont typeface="Arial"/>
+              <a:buChar char="•"/>
+            </a:pPr>
+            <a:endParaRPr lang="en-US" sz="1600" dirty="0" smtClean="0">
+              <a:solidFill>
+                <a:schemeClr val="tx2">
+                  <a:lumMod val="75000"/>
+                </a:schemeClr>
+              </a:solidFill>
+              <a:latin typeface="Roboto Light"/>
+              <a:cs typeface="Roboto Light"/>
+            </a:endParaRPr>
+          </a:p>
+          <a:p>
+            <a:pPr marL="285750" indent="-285750">
+              <a:buFont typeface="Arial"/>
+              <a:buChar char="•"/>
+            </a:pPr>
+            <a:r>
+              <a:rPr lang="en-US" sz="1600" dirty="0" err="1" smtClean="0">
+                <a:solidFill>
+                  <a:schemeClr val="tx2">
+                    <a:lumMod val="75000"/>
+                  </a:schemeClr>
+                </a:solidFill>
+                <a:latin typeface="Roboto Light"/>
+                <a:cs typeface="Roboto Light"/>
+              </a:rPr>
+              <a:t>Teorema</a:t>
+            </a:r>
+            <a:r>
+              <a:rPr lang="en-US" sz="1600" dirty="0" smtClean="0">
+                <a:solidFill>
+                  <a:schemeClr val="tx2">
+                    <a:lumMod val="75000"/>
+                  </a:schemeClr>
+                </a:solidFill>
+                <a:latin typeface="Roboto Light"/>
+                <a:cs typeface="Roboto Light"/>
+              </a:rPr>
+              <a:t> de Ferraris, </a:t>
+            </a:r>
+            <a:r>
+              <a:rPr lang="en-US" sz="1600" dirty="0" err="1" smtClean="0">
+                <a:solidFill>
+                  <a:schemeClr val="tx2">
+                    <a:lumMod val="75000"/>
+                  </a:schemeClr>
+                </a:solidFill>
+                <a:latin typeface="Roboto Light"/>
+                <a:cs typeface="Roboto Light"/>
+              </a:rPr>
+              <a:t>cuando</a:t>
+            </a:r>
+            <a:r>
+              <a:rPr lang="en-US" sz="1600" dirty="0" smtClean="0">
+                <a:solidFill>
+                  <a:schemeClr val="tx2">
+                    <a:lumMod val="75000"/>
+                  </a:schemeClr>
+                </a:solidFill>
+                <a:latin typeface="Roboto Light"/>
+                <a:cs typeface="Roboto Light"/>
+              </a:rPr>
+              <a:t> </a:t>
+            </a:r>
+            <a:r>
+              <a:rPr lang="en-US" sz="1600" dirty="0" err="1" smtClean="0">
+                <a:solidFill>
+                  <a:schemeClr val="tx2">
+                    <a:lumMod val="75000"/>
+                  </a:schemeClr>
+                </a:solidFill>
+                <a:latin typeface="Roboto Light"/>
+                <a:cs typeface="Roboto Light"/>
+              </a:rPr>
+              <a:t>por</a:t>
+            </a:r>
+            <a:r>
+              <a:rPr lang="en-US" sz="1600" dirty="0" smtClean="0">
+                <a:solidFill>
+                  <a:schemeClr val="tx2">
+                    <a:lumMod val="75000"/>
+                  </a:schemeClr>
+                </a:solidFill>
+                <a:latin typeface="Roboto Light"/>
+                <a:cs typeface="Roboto Light"/>
+              </a:rPr>
+              <a:t> </a:t>
+            </a:r>
+            <a:r>
+              <a:rPr lang="en-US" sz="1600" dirty="0" err="1" smtClean="0">
+                <a:solidFill>
+                  <a:schemeClr val="tx2">
+                    <a:lumMod val="75000"/>
+                  </a:schemeClr>
+                </a:solidFill>
+                <a:latin typeface="Roboto Light"/>
+                <a:cs typeface="Roboto Light"/>
+              </a:rPr>
+              <a:t>las</a:t>
+            </a:r>
+            <a:r>
+              <a:rPr lang="en-US" sz="1600" dirty="0" smtClean="0">
+                <a:solidFill>
+                  <a:schemeClr val="tx2">
+                    <a:lumMod val="75000"/>
+                  </a:schemeClr>
+                </a:solidFill>
+                <a:latin typeface="Roboto Light"/>
+                <a:cs typeface="Roboto Light"/>
+              </a:rPr>
+              <a:t> </a:t>
+            </a:r>
+            <a:r>
+              <a:rPr lang="en-US" sz="1600" dirty="0" err="1" smtClean="0">
+                <a:solidFill>
+                  <a:schemeClr val="tx2">
+                    <a:lumMod val="75000"/>
+                  </a:schemeClr>
+                </a:solidFill>
+                <a:latin typeface="Roboto Light"/>
+                <a:cs typeface="Roboto Light"/>
+              </a:rPr>
+              <a:t>bobinas</a:t>
+            </a:r>
+            <a:r>
+              <a:rPr lang="en-US" sz="1600" dirty="0" smtClean="0">
+                <a:solidFill>
+                  <a:schemeClr val="tx2">
+                    <a:lumMod val="75000"/>
+                  </a:schemeClr>
+                </a:solidFill>
+                <a:latin typeface="Roboto Light"/>
+                <a:cs typeface="Roboto Light"/>
+              </a:rPr>
+              <a:t> </a:t>
+            </a:r>
+            <a:br>
+              <a:rPr lang="en-US" sz="1600" dirty="0" smtClean="0">
+                <a:solidFill>
+                  <a:schemeClr val="tx2">
+                    <a:lumMod val="75000"/>
+                  </a:schemeClr>
+                </a:solidFill>
+                <a:latin typeface="Roboto Light"/>
+                <a:cs typeface="Roboto Light"/>
+              </a:rPr>
+            </a:br>
+            <a:r>
+              <a:rPr lang="en-US" sz="1600" dirty="0" smtClean="0">
+                <a:solidFill>
+                  <a:schemeClr val="tx2">
+                    <a:lumMod val="75000"/>
+                  </a:schemeClr>
+                </a:solidFill>
+                <a:latin typeface="Roboto Light"/>
+                <a:cs typeface="Roboto Light"/>
+              </a:rPr>
+              <a:t>del</a:t>
+            </a:r>
+            <a:r>
+              <a:rPr lang="en-US" sz="1600" dirty="0">
+                <a:solidFill>
+                  <a:schemeClr val="tx2">
+                    <a:lumMod val="75000"/>
+                  </a:schemeClr>
+                </a:solidFill>
+                <a:latin typeface="Roboto Light"/>
+                <a:cs typeface="Roboto Light"/>
+              </a:rPr>
+              <a:t> </a:t>
+            </a:r>
+            <a:r>
+              <a:rPr lang="en-US" sz="1600" dirty="0" err="1" smtClean="0">
+                <a:solidFill>
+                  <a:schemeClr val="tx2">
+                    <a:lumMod val="75000"/>
+                  </a:schemeClr>
+                </a:solidFill>
+                <a:latin typeface="Roboto Light"/>
+                <a:cs typeface="Roboto Light"/>
+              </a:rPr>
+              <a:t>estator</a:t>
+            </a:r>
+            <a:r>
+              <a:rPr lang="en-US" sz="1600" dirty="0" smtClean="0">
+                <a:solidFill>
+                  <a:schemeClr val="tx2">
+                    <a:lumMod val="75000"/>
+                  </a:schemeClr>
+                </a:solidFill>
+                <a:latin typeface="Roboto Light"/>
+                <a:cs typeface="Roboto Light"/>
+              </a:rPr>
+              <a:t> </a:t>
+            </a:r>
+            <a:r>
+              <a:rPr lang="en-US" sz="1600" dirty="0" err="1" smtClean="0">
+                <a:solidFill>
+                  <a:schemeClr val="tx2">
+                    <a:lumMod val="75000"/>
+                  </a:schemeClr>
+                </a:solidFill>
+                <a:latin typeface="Roboto Light"/>
+                <a:cs typeface="Roboto Light"/>
+              </a:rPr>
+              <a:t>circula</a:t>
+            </a:r>
+            <a:r>
+              <a:rPr lang="en-US" sz="1600" dirty="0" smtClean="0">
+                <a:solidFill>
+                  <a:schemeClr val="tx2">
+                    <a:lumMod val="75000"/>
+                  </a:schemeClr>
+                </a:solidFill>
+                <a:latin typeface="Roboto Light"/>
+                <a:cs typeface="Roboto Light"/>
+              </a:rPr>
+              <a:t> </a:t>
+            </a:r>
+            <a:r>
+              <a:rPr lang="en-US" sz="1600" dirty="0" err="1" smtClean="0">
+                <a:solidFill>
+                  <a:schemeClr val="tx2">
+                    <a:lumMod val="75000"/>
+                  </a:schemeClr>
+                </a:solidFill>
+                <a:latin typeface="Roboto Light"/>
+                <a:cs typeface="Roboto Light"/>
+              </a:rPr>
+              <a:t>corriente</a:t>
+            </a:r>
+            <a:r>
+              <a:rPr lang="en-US" sz="1600" dirty="0" smtClean="0">
+                <a:solidFill>
+                  <a:schemeClr val="tx2">
+                    <a:lumMod val="75000"/>
+                  </a:schemeClr>
+                </a:solidFill>
+                <a:latin typeface="Roboto Light"/>
+                <a:cs typeface="Roboto Light"/>
+              </a:rPr>
+              <a:t> </a:t>
+            </a:r>
+            <a:r>
+              <a:rPr lang="en-US" sz="1600" dirty="0" err="1" smtClean="0">
+                <a:solidFill>
+                  <a:schemeClr val="tx2">
+                    <a:lumMod val="75000"/>
+                  </a:schemeClr>
+                </a:solidFill>
+                <a:latin typeface="Roboto Light"/>
+                <a:cs typeface="Roboto Light"/>
+              </a:rPr>
+              <a:t>trifásica</a:t>
+            </a:r>
+            <a:r>
+              <a:rPr lang="en-US" sz="1600" dirty="0" smtClean="0">
+                <a:solidFill>
+                  <a:schemeClr val="tx2">
+                    <a:lumMod val="75000"/>
+                  </a:schemeClr>
+                </a:solidFill>
+                <a:latin typeface="Roboto Light"/>
+                <a:cs typeface="Roboto Light"/>
+              </a:rPr>
+              <a:t> </a:t>
+            </a:r>
+            <a:r>
+              <a:rPr lang="en-US" sz="1600" dirty="0" err="1" smtClean="0">
+                <a:solidFill>
+                  <a:schemeClr val="tx2">
+                    <a:lumMod val="75000"/>
+                  </a:schemeClr>
+                </a:solidFill>
+                <a:latin typeface="Roboto Light"/>
+                <a:cs typeface="Roboto Light"/>
+              </a:rPr>
+              <a:t>equilibrada</a:t>
+            </a:r>
+            <a:r>
+              <a:rPr lang="en-US" sz="1600" dirty="0">
+                <a:solidFill>
+                  <a:schemeClr val="tx2">
+                    <a:lumMod val="75000"/>
+                  </a:schemeClr>
+                </a:solidFill>
+                <a:latin typeface="Roboto Light"/>
+                <a:cs typeface="Roboto Light"/>
+              </a:rPr>
+              <a:t/>
+            </a:r>
+            <a:br>
+              <a:rPr lang="en-US" sz="1600" dirty="0">
+                <a:solidFill>
+                  <a:schemeClr val="tx2">
+                    <a:lumMod val="75000"/>
+                  </a:schemeClr>
+                </a:solidFill>
+                <a:latin typeface="Roboto Light"/>
+                <a:cs typeface="Roboto Light"/>
+              </a:rPr>
+            </a:br>
+            <a:r>
+              <a:rPr lang="en-US" sz="1600" dirty="0" smtClean="0">
+                <a:solidFill>
+                  <a:schemeClr val="tx2">
+                    <a:lumMod val="75000"/>
+                  </a:schemeClr>
+                </a:solidFill>
+                <a:latin typeface="Roboto Light"/>
+                <a:cs typeface="Roboto Light"/>
+              </a:rPr>
+              <a:t>se induce campo </a:t>
+            </a:r>
+            <a:r>
+              <a:rPr lang="en-US" sz="1600" dirty="0" err="1" smtClean="0">
+                <a:solidFill>
+                  <a:schemeClr val="tx2">
+                    <a:lumMod val="75000"/>
+                  </a:schemeClr>
+                </a:solidFill>
+                <a:latin typeface="Roboto Light"/>
+                <a:cs typeface="Roboto Light"/>
+              </a:rPr>
+              <a:t>magnético</a:t>
+            </a:r>
+            <a:r>
+              <a:rPr lang="en-US" sz="1600" dirty="0">
+                <a:solidFill>
+                  <a:schemeClr val="tx2">
+                    <a:lumMod val="75000"/>
+                  </a:schemeClr>
+                </a:solidFill>
+                <a:latin typeface="Roboto Light"/>
+                <a:cs typeface="Roboto Light"/>
+              </a:rPr>
+              <a:t> </a:t>
+            </a:r>
+            <a:r>
+              <a:rPr lang="en-US" sz="1600" dirty="0" err="1" smtClean="0">
+                <a:solidFill>
+                  <a:schemeClr val="tx2">
+                    <a:lumMod val="75000"/>
+                  </a:schemeClr>
+                </a:solidFill>
+                <a:latin typeface="Roboto Light"/>
+                <a:cs typeface="Roboto Light"/>
+              </a:rPr>
+              <a:t>giratorio</a:t>
+            </a:r>
+            <a:r>
+              <a:rPr lang="en-US" sz="1600" dirty="0" smtClean="0">
+                <a:solidFill>
+                  <a:schemeClr val="tx2">
+                    <a:lumMod val="75000"/>
+                  </a:schemeClr>
+                </a:solidFill>
+                <a:latin typeface="Roboto Light"/>
+                <a:cs typeface="Roboto Light"/>
+              </a:rPr>
+              <a:t> </a:t>
+            </a:r>
+            <a:r>
+              <a:rPr lang="en-US" sz="1600" dirty="0" err="1" smtClean="0">
+                <a:solidFill>
+                  <a:schemeClr val="tx2">
+                    <a:lumMod val="75000"/>
+                  </a:schemeClr>
+                </a:solidFill>
+                <a:latin typeface="Roboto Light"/>
+                <a:cs typeface="Roboto Light"/>
+              </a:rPr>
+              <a:t>que</a:t>
+            </a:r>
+            <a:r>
+              <a:rPr lang="en-US" sz="1600" dirty="0" smtClean="0">
+                <a:solidFill>
+                  <a:schemeClr val="tx2">
+                    <a:lumMod val="75000"/>
+                  </a:schemeClr>
+                </a:solidFill>
+                <a:latin typeface="Roboto Light"/>
+                <a:cs typeface="Roboto Light"/>
+              </a:rPr>
+              <a:t/>
+            </a:r>
+            <a:br>
+              <a:rPr lang="en-US" sz="1600" dirty="0" smtClean="0">
+                <a:solidFill>
+                  <a:schemeClr val="tx2">
+                    <a:lumMod val="75000"/>
+                  </a:schemeClr>
+                </a:solidFill>
+                <a:latin typeface="Roboto Light"/>
+                <a:cs typeface="Roboto Light"/>
+              </a:rPr>
+            </a:br>
+            <a:r>
+              <a:rPr lang="en-US" sz="1600" dirty="0" err="1" smtClean="0">
+                <a:solidFill>
+                  <a:schemeClr val="tx2">
+                    <a:lumMod val="75000"/>
+                  </a:schemeClr>
+                </a:solidFill>
+                <a:latin typeface="Roboto Light"/>
+                <a:cs typeface="Roboto Light"/>
+              </a:rPr>
+              <a:t>envuelve</a:t>
+            </a:r>
+            <a:r>
+              <a:rPr lang="en-US" sz="1600" dirty="0" smtClean="0">
+                <a:solidFill>
+                  <a:schemeClr val="tx2">
+                    <a:lumMod val="75000"/>
+                  </a:schemeClr>
+                </a:solidFill>
+                <a:latin typeface="Roboto Light"/>
+                <a:cs typeface="Roboto Light"/>
+              </a:rPr>
+              <a:t> al rotor, le induce</a:t>
+            </a:r>
+            <a:r>
+              <a:rPr lang="en-US" sz="1600" dirty="0">
+                <a:solidFill>
+                  <a:schemeClr val="tx2">
+                    <a:lumMod val="75000"/>
+                  </a:schemeClr>
+                </a:solidFill>
+                <a:latin typeface="Roboto Light"/>
+                <a:cs typeface="Roboto Light"/>
+              </a:rPr>
+              <a:t> </a:t>
+            </a:r>
+            <a:r>
+              <a:rPr lang="en-US" sz="1600" dirty="0" smtClean="0">
+                <a:solidFill>
+                  <a:schemeClr val="tx2">
+                    <a:lumMod val="75000"/>
+                  </a:schemeClr>
+                </a:solidFill>
+                <a:latin typeface="Roboto Light"/>
+                <a:cs typeface="Roboto Light"/>
+              </a:rPr>
+              <a:t>tension </a:t>
+            </a:r>
+            <a:r>
+              <a:rPr lang="en-US" sz="1600" dirty="0" err="1" smtClean="0">
+                <a:solidFill>
+                  <a:schemeClr val="tx2">
+                    <a:lumMod val="75000"/>
+                  </a:schemeClr>
+                </a:solidFill>
+                <a:latin typeface="Roboto Light"/>
+                <a:cs typeface="Roboto Light"/>
+              </a:rPr>
+              <a:t>seg</a:t>
+            </a:r>
+            <a:r>
+              <a:rPr lang="en-US" sz="1600" dirty="0" err="1" smtClean="0">
+                <a:solidFill>
+                  <a:schemeClr val="tx2">
+                    <a:lumMod val="75000"/>
+                  </a:schemeClr>
+                </a:solidFill>
+                <a:latin typeface="Roboto Light"/>
+                <a:cs typeface="Roboto Light"/>
+              </a:rPr>
+              <a:t>ún</a:t>
+            </a:r>
+            <a:r>
+              <a:rPr lang="en-US" sz="1600" dirty="0" smtClean="0">
+                <a:solidFill>
+                  <a:schemeClr val="tx2">
+                    <a:lumMod val="75000"/>
+                  </a:schemeClr>
+                </a:solidFill>
+                <a:latin typeface="Roboto Light"/>
+                <a:cs typeface="Roboto Light"/>
+              </a:rPr>
+              <a:t/>
+            </a:r>
+            <a:br>
+              <a:rPr lang="en-US" sz="1600" dirty="0" smtClean="0">
+                <a:solidFill>
+                  <a:schemeClr val="tx2">
+                    <a:lumMod val="75000"/>
+                  </a:schemeClr>
+                </a:solidFill>
+                <a:latin typeface="Roboto Light"/>
+                <a:cs typeface="Roboto Light"/>
+              </a:rPr>
+            </a:br>
+            <a:r>
+              <a:rPr lang="en-US" sz="1600" dirty="0" smtClean="0">
+                <a:solidFill>
+                  <a:schemeClr val="tx2">
+                    <a:lumMod val="75000"/>
+                  </a:schemeClr>
+                </a:solidFill>
+                <a:latin typeface="Roboto Light"/>
+                <a:cs typeface="Roboto Light"/>
+              </a:rPr>
+              <a:t> Ley de Faraday.</a:t>
+            </a:r>
+          </a:p>
+          <a:p>
+            <a:pPr marL="285750" indent="-285750">
+              <a:buFont typeface="Arial"/>
+              <a:buChar char="•"/>
+            </a:pPr>
+            <a:endParaRPr lang="en-US" sz="1600" dirty="0">
+              <a:solidFill>
+                <a:schemeClr val="tx2">
+                  <a:lumMod val="75000"/>
+                </a:schemeClr>
+              </a:solidFill>
+              <a:latin typeface="Roboto Light"/>
+              <a:cs typeface="Roboto Light"/>
+            </a:endParaRPr>
+          </a:p>
+          <a:p>
+            <a:pPr marL="285750" indent="-285750">
+              <a:buFont typeface="Arial"/>
+              <a:buChar char="•"/>
+            </a:pPr>
+            <a:r>
+              <a:rPr lang="en-US" sz="1600" dirty="0" err="1" smtClean="0">
+                <a:solidFill>
+                  <a:schemeClr val="tx2">
+                    <a:lumMod val="75000"/>
+                  </a:schemeClr>
+                </a:solidFill>
+                <a:latin typeface="Roboto Light"/>
+                <a:cs typeface="Roboto Light"/>
+              </a:rPr>
+              <a:t>Velocidad</a:t>
+            </a:r>
+            <a:r>
+              <a:rPr lang="en-US" sz="1600" dirty="0" smtClean="0">
+                <a:solidFill>
+                  <a:schemeClr val="tx2">
+                    <a:lumMod val="75000"/>
+                  </a:schemeClr>
+                </a:solidFill>
+                <a:latin typeface="Roboto Light"/>
+                <a:cs typeface="Roboto Light"/>
+              </a:rPr>
+              <a:t> de </a:t>
+            </a:r>
+            <a:r>
+              <a:rPr lang="en-US" sz="1600" dirty="0" err="1" smtClean="0">
+                <a:solidFill>
+                  <a:schemeClr val="tx2">
+                    <a:lumMod val="75000"/>
+                  </a:schemeClr>
+                </a:solidFill>
+                <a:latin typeface="Roboto Light"/>
+                <a:cs typeface="Roboto Light"/>
+              </a:rPr>
+              <a:t>sincronismo</a:t>
+            </a:r>
+            <a:r>
+              <a:rPr lang="en-US" sz="1600" dirty="0" smtClean="0">
+                <a:solidFill>
+                  <a:schemeClr val="tx2">
+                    <a:lumMod val="75000"/>
+                  </a:schemeClr>
+                </a:solidFill>
+                <a:latin typeface="Roboto Light"/>
+                <a:cs typeface="Roboto Light"/>
+              </a:rPr>
+              <a:t> </a:t>
+            </a:r>
+            <a:r>
+              <a:rPr lang="en-US" sz="1600" dirty="0" err="1" smtClean="0">
+                <a:solidFill>
+                  <a:schemeClr val="tx2">
+                    <a:lumMod val="75000"/>
+                  </a:schemeClr>
+                </a:solidFill>
+                <a:latin typeface="Roboto Light"/>
+                <a:cs typeface="Roboto Light"/>
+              </a:rPr>
+              <a:t>es</a:t>
+            </a:r>
+            <a:r>
+              <a:rPr lang="en-US" sz="1600" dirty="0" smtClean="0">
+                <a:solidFill>
+                  <a:schemeClr val="tx2">
+                    <a:lumMod val="75000"/>
+                  </a:schemeClr>
+                </a:solidFill>
+                <a:latin typeface="Roboto Light"/>
+                <a:cs typeface="Roboto Light"/>
+              </a:rPr>
+              <a:t> </a:t>
+            </a:r>
+            <a:r>
+              <a:rPr lang="en-US" sz="1600" dirty="0" err="1" smtClean="0">
+                <a:solidFill>
+                  <a:schemeClr val="tx2">
+                    <a:lumMod val="75000"/>
+                  </a:schemeClr>
+                </a:solidFill>
+                <a:latin typeface="Roboto Light"/>
+                <a:cs typeface="Roboto Light"/>
+              </a:rPr>
+              <a:t>proporcional</a:t>
+            </a:r>
+            <a:r>
+              <a:rPr lang="en-US" sz="1600" dirty="0" smtClean="0">
+                <a:solidFill>
+                  <a:schemeClr val="tx2">
+                    <a:lumMod val="75000"/>
+                  </a:schemeClr>
+                </a:solidFill>
+                <a:latin typeface="Roboto Light"/>
+                <a:cs typeface="Roboto Light"/>
+              </a:rPr>
+              <a:t/>
+            </a:r>
+            <a:br>
+              <a:rPr lang="en-US" sz="1600" dirty="0" smtClean="0">
+                <a:solidFill>
+                  <a:schemeClr val="tx2">
+                    <a:lumMod val="75000"/>
+                  </a:schemeClr>
+                </a:solidFill>
+                <a:latin typeface="Roboto Light"/>
+                <a:cs typeface="Roboto Light"/>
+              </a:rPr>
+            </a:br>
+            <a:r>
+              <a:rPr lang="en-US" sz="1600" dirty="0" smtClean="0">
+                <a:solidFill>
+                  <a:schemeClr val="tx2">
+                    <a:lumMod val="75000"/>
+                  </a:schemeClr>
+                </a:solidFill>
+                <a:latin typeface="Roboto Light"/>
+                <a:cs typeface="Roboto Light"/>
+              </a:rPr>
+              <a:t>a la </a:t>
+            </a:r>
+            <a:r>
+              <a:rPr lang="en-US" sz="1600" dirty="0" err="1" smtClean="0">
+                <a:solidFill>
+                  <a:schemeClr val="tx2">
+                    <a:lumMod val="75000"/>
+                  </a:schemeClr>
+                </a:solidFill>
+                <a:latin typeface="Roboto Light"/>
+                <a:cs typeface="Roboto Light"/>
+              </a:rPr>
+              <a:t>frecuencia</a:t>
+            </a:r>
+            <a:r>
+              <a:rPr lang="en-US" sz="1600" dirty="0" smtClean="0">
+                <a:solidFill>
+                  <a:schemeClr val="tx2">
+                    <a:lumMod val="75000"/>
+                  </a:schemeClr>
+                </a:solidFill>
+                <a:latin typeface="Roboto Light"/>
+                <a:cs typeface="Roboto Light"/>
+              </a:rPr>
+              <a:t> de </a:t>
+            </a:r>
+            <a:r>
+              <a:rPr lang="en-US" sz="1600" dirty="0" err="1" smtClean="0">
+                <a:solidFill>
+                  <a:schemeClr val="tx2">
+                    <a:lumMod val="75000"/>
+                  </a:schemeClr>
+                </a:solidFill>
+                <a:latin typeface="Roboto Light"/>
+                <a:cs typeface="Roboto Light"/>
+              </a:rPr>
+              <a:t>excitación</a:t>
+            </a:r>
+            <a:r>
+              <a:rPr lang="en-US" sz="1600" dirty="0" smtClean="0">
+                <a:solidFill>
+                  <a:schemeClr val="tx2">
+                    <a:lumMod val="75000"/>
+                  </a:schemeClr>
+                </a:solidFill>
+                <a:latin typeface="Roboto Light"/>
+                <a:cs typeface="Roboto Light"/>
+              </a:rPr>
+              <a:t>.</a:t>
+            </a:r>
+            <a:endParaRPr lang="en-US" sz="1600" dirty="0">
+              <a:solidFill>
+                <a:schemeClr val="tx2">
+                  <a:lumMod val="75000"/>
+                </a:schemeClr>
+              </a:solidFill>
+              <a:latin typeface="Roboto Light"/>
+              <a:cs typeface="Roboto Light"/>
+            </a:endParaRPr>
+          </a:p>
+        </p:txBody>
+      </p:sp>
+      <p:sp>
+        <p:nvSpPr>
+          <p:cNvPr id="10" name="CuadroTexto 9"/>
+          <p:cNvSpPr txBox="1"/>
+          <p:nvPr/>
+        </p:nvSpPr>
+        <p:spPr>
+          <a:xfrm>
+            <a:off x="8540496" y="6522096"/>
+            <a:ext cx="1207008" cy="400110"/>
+          </a:xfrm>
+          <a:prstGeom prst="rect">
+            <a:avLst/>
+          </a:prstGeom>
+          <a:noFill/>
+        </p:spPr>
+        <p:txBody>
+          <a:bodyPr wrap="square" rtlCol="0">
+            <a:spAutoFit/>
+          </a:bodyPr>
+          <a:lstStyle/>
+          <a:p>
+            <a:r>
+              <a:rPr lang="es-CL" sz="2000" dirty="0">
+                <a:solidFill>
+                  <a:schemeClr val="bg1"/>
+                </a:solidFill>
+              </a:rPr>
+              <a:t>8</a:t>
+            </a:r>
+            <a:endParaRPr lang="es-CL" sz="2000" dirty="0">
+              <a:solidFill>
+                <a:schemeClr val="bg1"/>
+              </a:solidFill>
+            </a:endParaRPr>
+          </a:p>
+        </p:txBody>
+      </p:sp>
+      <p:pic>
+        <p:nvPicPr>
+          <p:cNvPr id="13" name="Imagen 12"/>
+          <p:cNvPicPr>
+            <a:picLocks noChangeAspect="1"/>
+          </p:cNvPicPr>
+          <p:nvPr/>
+        </p:nvPicPr>
+        <p:blipFill>
+          <a:blip r:embed="rId2">
+            <a:extLst>
+              <a:ext uri="{28A0092B-C50C-407E-A947-70E740481C1C}">
+                <a14:useLocalDpi xmlns:a14="http://schemas.microsoft.com/office/drawing/2010/main" val="0"/>
+              </a:ext>
+            </a:extLst>
+          </a:blip>
+          <a:stretch>
+            <a:fillRect/>
+          </a:stretch>
+        </p:blipFill>
+        <p:spPr>
+          <a:xfrm>
+            <a:off x="6240435" y="6596185"/>
+            <a:ext cx="2133898" cy="240280"/>
+          </a:xfrm>
+          <a:prstGeom prst="rect">
+            <a:avLst/>
+          </a:prstGeom>
+        </p:spPr>
+      </p:pic>
+      <p:pic>
+        <p:nvPicPr>
+          <p:cNvPr id="2" name="Imagen 1"/>
+          <p:cNvPicPr>
+            <a:picLocks noChangeAspect="1"/>
+          </p:cNvPicPr>
+          <p:nvPr/>
+        </p:nvPicPr>
+        <p:blipFill>
+          <a:blip r:embed="rId3">
+            <a:extLst>
+              <a:ext uri="{28A0092B-C50C-407E-A947-70E740481C1C}">
+                <a14:useLocalDpi xmlns:a14="http://schemas.microsoft.com/office/drawing/2010/main" val="0"/>
+              </a:ext>
+            </a:extLst>
+          </a:blip>
+          <a:stretch>
+            <a:fillRect/>
+          </a:stretch>
+        </p:blipFill>
+        <p:spPr>
+          <a:xfrm>
+            <a:off x="5221705" y="3559714"/>
+            <a:ext cx="3922295" cy="2962382"/>
+          </a:xfrm>
+          <a:prstGeom prst="rect">
+            <a:avLst/>
+          </a:prstGeom>
+        </p:spPr>
+      </p:pic>
+    </p:spTree>
+    <p:extLst>
+      <p:ext uri="{BB962C8B-B14F-4D97-AF65-F5344CB8AC3E}">
+        <p14:creationId xmlns:p14="http://schemas.microsoft.com/office/powerpoint/2010/main" val="1026339513"/>
       </p:ext>
     </p:extLst>
   </p:cSld>
